--- a/ppt/Java期末复习.pptx
+++ b/ppt/Java期末复习.pptx
@@ -1,24 +1,35 @@
 
 <file path=ppt/presentation.xml><?xml version="1.0" encoding="utf-8"?>
-<p:presentation xmlns:a="http://schemas.openxmlformats.org/drawingml/2006/main" xmlns:r="http://schemas.openxmlformats.org/officeDocument/2006/relationships" xmlns:p="http://schemas.openxmlformats.org/presentationml/2006/main" saveSubsetFonts="1">
+<p:presentation xmlns:a="http://schemas.openxmlformats.org/drawingml/2006/main" xmlns:r="http://schemas.openxmlformats.org/officeDocument/2006/relationships" xmlns:p="http://schemas.openxmlformats.org/presentationml/2006/main">
   <p:sldMasterIdLst>
     <p:sldMasterId id="2147483648" r:id="rId1"/>
+    <p:sldMasterId id="2147483660" r:id="rId3"/>
   </p:sldMasterIdLst>
   <p:notesMasterIdLst>
-    <p:notesMasterId r:id="rId10"/>
+    <p:notesMasterId r:id="rId19"/>
   </p:notesMasterIdLst>
   <p:sldIdLst>
-    <p:sldId id="256" r:id="rId2"/>
-    <p:sldId id="257" r:id="rId3"/>
-    <p:sldId id="258" r:id="rId4"/>
-    <p:sldId id="259" r:id="rId5"/>
-    <p:sldId id="260" r:id="rId6"/>
-    <p:sldId id="261" r:id="rId7"/>
-    <p:sldId id="262" r:id="rId8"/>
-    <p:sldId id="263" r:id="rId9"/>
+    <p:sldId id="256" r:id="rId4"/>
+    <p:sldId id="257" r:id="rId5"/>
+    <p:sldId id="258" r:id="rId6"/>
+    <p:sldId id="259" r:id="rId7"/>
+    <p:sldId id="260" r:id="rId8"/>
+    <p:sldId id="261" r:id="rId9"/>
+    <p:sldId id="262" r:id="rId10"/>
+    <p:sldId id="263" r:id="rId11"/>
+    <p:sldId id="264" r:id="rId12"/>
+    <p:sldId id="265" r:id="rId13"/>
+    <p:sldId id="266" r:id="rId14"/>
+    <p:sldId id="267" r:id="rId15"/>
+    <p:sldId id="268" r:id="rId16"/>
+    <p:sldId id="269" r:id="rId17"/>
+    <p:sldId id="270" r:id="rId18"/>
   </p:sldIdLst>
   <p:sldSz cx="12192000" cy="6858000"/>
   <p:notesSz cx="6858000" cy="9144000"/>
+  <p:custDataLst>
+    <p:tags r:id="rId23"/>
+  </p:custDataLst>
   <p:defaultTextStyle>
     <a:defPPr>
       <a:defRPr lang="zh-CN"/>
@@ -199,7 +210,6 @@
           <a:p>
             <a:fld id="{9D874036-3786-4BEB-A07D-641B1BEF8A0C}" type="datetimeFigureOut">
               <a:rPr lang="zh-CN" altLang="en-US" smtClean="0"/>
-              <a:t>2024/6/5</a:t>
             </a:fld>
             <a:endParaRPr lang="zh-CN" altLang="en-US"/>
           </a:p>
@@ -266,6 +276,7 @@
               <a:rPr lang="zh-CN" altLang="en-US"/>
               <a:t>单击此处编辑母版文本样式</a:t>
             </a:r>
+            <a:endParaRPr lang="zh-CN" altLang="en-US"/>
           </a:p>
           <a:p>
             <a:pPr lvl="1"/>
@@ -273,6 +284,7 @@
               <a:rPr lang="zh-CN" altLang="en-US"/>
               <a:t>二级</a:t>
             </a:r>
+            <a:endParaRPr lang="zh-CN" altLang="en-US"/>
           </a:p>
           <a:p>
             <a:pPr lvl="2"/>
@@ -280,6 +292,7 @@
               <a:rPr lang="zh-CN" altLang="en-US"/>
               <a:t>三级</a:t>
             </a:r>
+            <a:endParaRPr lang="zh-CN" altLang="en-US"/>
           </a:p>
           <a:p>
             <a:pPr lvl="3"/>
@@ -287,6 +300,7 @@
               <a:rPr lang="zh-CN" altLang="en-US"/>
               <a:t>四级</a:t>
             </a:r>
+            <a:endParaRPr lang="zh-CN" altLang="en-US"/>
           </a:p>
           <a:p>
             <a:pPr lvl="4"/>
@@ -294,6 +308,7 @@
               <a:rPr lang="zh-CN" altLang="en-US"/>
               <a:t>五级</a:t>
             </a:r>
+            <a:endParaRPr lang="zh-CN" altLang="en-US"/>
           </a:p>
         </p:txBody>
       </p:sp>
@@ -357,18 +372,12 @@
           <a:p>
             <a:fld id="{210101C4-580F-4ACD-9084-8C9D96C6E978}" type="slidenum">
               <a:rPr lang="zh-CN" altLang="en-US" smtClean="0"/>
-              <a:t>‹#›</a:t>
             </a:fld>
             <a:endParaRPr lang="zh-CN" altLang="en-US"/>
           </a:p>
         </p:txBody>
       </p:sp>
     </p:spTree>
-    <p:extLst>
-      <p:ext uri="{BB962C8B-B14F-4D97-AF65-F5344CB8AC3E}">
-        <p14:creationId xmlns:p14="http://schemas.microsoft.com/office/powerpoint/2010/main" val="2602409031"/>
-      </p:ext>
-    </p:extLst>
   </p:cSld>
   <p:clrMap bg1="lt1" tx1="dk1" bg2="lt2" tx2="dk2" accent1="accent1" accent2="accent2" accent3="accent3" accent4="accent4" accent5="accent5" accent6="accent6" hlink="hlink" folHlink="folHlink"/>
   <p:notesStyle>
@@ -485,13 +494,7 @@
       </p:grpSpPr>
       <p:sp>
         <p:nvSpPr>
-          <p:cNvPr id="2" name="标题 1">
-            <a:extLst>
-              <a:ext uri="{FF2B5EF4-FFF2-40B4-BE49-F238E27FC236}">
-                <a16:creationId xmlns:a16="http://schemas.microsoft.com/office/drawing/2014/main" id="{08EB1B70-5B74-03E6-03A2-B6A812CB7806}"/>
-              </a:ext>
-            </a:extLst>
-          </p:cNvPr>
+          <p:cNvPr id="2" name="标题 1"/>
           <p:cNvSpPr>
             <a:spLocks noGrp="1"/>
           </p:cNvSpPr>
@@ -517,18 +520,13 @@
               <a:rPr lang="zh-CN" altLang="en-US"/>
               <a:t>单击此处编辑母版标题样式</a:t>
             </a:r>
-          </a:p>
-        </p:txBody>
-      </p:sp>
-      <p:sp>
-        <p:nvSpPr>
-          <p:cNvPr id="3" name="副标题 2">
-            <a:extLst>
-              <a:ext uri="{FF2B5EF4-FFF2-40B4-BE49-F238E27FC236}">
-                <a16:creationId xmlns:a16="http://schemas.microsoft.com/office/drawing/2014/main" id="{AF7CE454-9872-8BB1-60D6-A2C75478BA97}"/>
-              </a:ext>
-            </a:extLst>
-          </p:cNvPr>
+            <a:endParaRPr lang="zh-CN" altLang="en-US"/>
+          </a:p>
+        </p:txBody>
+      </p:sp>
+      <p:sp>
+        <p:nvSpPr>
+          <p:cNvPr id="3" name="副标题 2"/>
           <p:cNvSpPr>
             <a:spLocks noGrp="1"/>
           </p:cNvSpPr>
@@ -587,18 +585,13 @@
               <a:rPr lang="zh-CN" altLang="en-US"/>
               <a:t>单击此处编辑母版副标题样式</a:t>
             </a:r>
-          </a:p>
-        </p:txBody>
-      </p:sp>
-      <p:sp>
-        <p:nvSpPr>
-          <p:cNvPr id="4" name="日期占位符 3">
-            <a:extLst>
-              <a:ext uri="{FF2B5EF4-FFF2-40B4-BE49-F238E27FC236}">
-                <a16:creationId xmlns:a16="http://schemas.microsoft.com/office/drawing/2014/main" id="{3C2B896A-3356-30BD-98D7-E8A03830B137}"/>
-              </a:ext>
-            </a:extLst>
-          </p:cNvPr>
+            <a:endParaRPr lang="zh-CN" altLang="en-US"/>
+          </a:p>
+        </p:txBody>
+      </p:sp>
+      <p:sp>
+        <p:nvSpPr>
+          <p:cNvPr id="4" name="日期占位符 3"/>
           <p:cNvSpPr>
             <a:spLocks noGrp="1"/>
           </p:cNvSpPr>
@@ -613,7 +606,6 @@
           <a:p>
             <a:fld id="{275DC738-563F-4FEF-BC8D-311477083EDF}" type="datetimeFigureOut">
               <a:rPr lang="zh-CN" altLang="en-US" smtClean="0"/>
-              <a:t>2024/6/5</a:t>
             </a:fld>
             <a:endParaRPr lang="zh-CN" altLang="en-US"/>
           </a:p>
@@ -621,13 +613,7 @@
       </p:sp>
       <p:sp>
         <p:nvSpPr>
-          <p:cNvPr id="5" name="页脚占位符 4">
-            <a:extLst>
-              <a:ext uri="{FF2B5EF4-FFF2-40B4-BE49-F238E27FC236}">
-                <a16:creationId xmlns:a16="http://schemas.microsoft.com/office/drawing/2014/main" id="{238F1F56-01F7-9562-CDED-D223FE10193B}"/>
-              </a:ext>
-            </a:extLst>
-          </p:cNvPr>
+          <p:cNvPr id="5" name="页脚占位符 4"/>
           <p:cNvSpPr>
             <a:spLocks noGrp="1"/>
           </p:cNvSpPr>
@@ -646,13 +632,7 @@
       </p:sp>
       <p:sp>
         <p:nvSpPr>
-          <p:cNvPr id="6" name="灯片编号占位符 5">
-            <a:extLst>
-              <a:ext uri="{FF2B5EF4-FFF2-40B4-BE49-F238E27FC236}">
-                <a16:creationId xmlns:a16="http://schemas.microsoft.com/office/drawing/2014/main" id="{67062739-9B60-E378-D8E5-84D5B1DF54D3}"/>
-              </a:ext>
-            </a:extLst>
-          </p:cNvPr>
+          <p:cNvPr id="6" name="灯片编号占位符 5"/>
           <p:cNvSpPr>
             <a:spLocks noGrp="1"/>
           </p:cNvSpPr>
@@ -667,18 +647,12 @@
           <a:p>
             <a:fld id="{1DE5FF4B-6349-4528-A0D0-65AD1842A02D}" type="slidenum">
               <a:rPr lang="zh-CN" altLang="en-US" smtClean="0"/>
-              <a:t>‹#›</a:t>
             </a:fld>
             <a:endParaRPr lang="zh-CN" altLang="en-US"/>
           </a:p>
         </p:txBody>
       </p:sp>
     </p:spTree>
-    <p:extLst>
-      <p:ext uri="{BB962C8B-B14F-4D97-AF65-F5344CB8AC3E}">
-        <p14:creationId xmlns:p14="http://schemas.microsoft.com/office/powerpoint/2010/main" val="3966279268"/>
-      </p:ext>
-    </p:extLst>
   </p:cSld>
   <p:clrMapOvr>
     <a:masterClrMapping/>
@@ -705,13 +679,7 @@
       </p:grpSpPr>
       <p:sp>
         <p:nvSpPr>
-          <p:cNvPr id="2" name="标题 1">
-            <a:extLst>
-              <a:ext uri="{FF2B5EF4-FFF2-40B4-BE49-F238E27FC236}">
-                <a16:creationId xmlns:a16="http://schemas.microsoft.com/office/drawing/2014/main" id="{1EB41657-34CF-E4C6-B26F-E6845DCDC479}"/>
-              </a:ext>
-            </a:extLst>
-          </p:cNvPr>
+          <p:cNvPr id="2" name="标题 1"/>
           <p:cNvSpPr>
             <a:spLocks noGrp="1"/>
           </p:cNvSpPr>
@@ -728,18 +696,13 @@
               <a:rPr lang="zh-CN" altLang="en-US"/>
               <a:t>单击此处编辑母版标题样式</a:t>
             </a:r>
-          </a:p>
-        </p:txBody>
-      </p:sp>
-      <p:sp>
-        <p:nvSpPr>
-          <p:cNvPr id="3" name="竖排文字占位符 2">
-            <a:extLst>
-              <a:ext uri="{FF2B5EF4-FFF2-40B4-BE49-F238E27FC236}">
-                <a16:creationId xmlns:a16="http://schemas.microsoft.com/office/drawing/2014/main" id="{0A660AC4-355A-3EF9-459B-E30096BE3406}"/>
-              </a:ext>
-            </a:extLst>
-          </p:cNvPr>
+            <a:endParaRPr lang="zh-CN" altLang="en-US"/>
+          </a:p>
+        </p:txBody>
+      </p:sp>
+      <p:sp>
+        <p:nvSpPr>
+          <p:cNvPr id="3" name="竖排文字占位符 2"/>
           <p:cNvSpPr>
             <a:spLocks noGrp="1"/>
           </p:cNvSpPr>
@@ -757,6 +720,7 @@
               <a:rPr lang="zh-CN" altLang="en-US"/>
               <a:t>单击此处编辑母版文本样式</a:t>
             </a:r>
+            <a:endParaRPr lang="zh-CN" altLang="en-US"/>
           </a:p>
           <a:p>
             <a:pPr lvl="1"/>
@@ -764,6 +728,7 @@
               <a:rPr lang="zh-CN" altLang="en-US"/>
               <a:t>二级</a:t>
             </a:r>
+            <a:endParaRPr lang="zh-CN" altLang="en-US"/>
           </a:p>
           <a:p>
             <a:pPr lvl="2"/>
@@ -771,6 +736,7 @@
               <a:rPr lang="zh-CN" altLang="en-US"/>
               <a:t>三级</a:t>
             </a:r>
+            <a:endParaRPr lang="zh-CN" altLang="en-US"/>
           </a:p>
           <a:p>
             <a:pPr lvl="3"/>
@@ -778,6 +744,7 @@
               <a:rPr lang="zh-CN" altLang="en-US"/>
               <a:t>四级</a:t>
             </a:r>
+            <a:endParaRPr lang="zh-CN" altLang="en-US"/>
           </a:p>
           <a:p>
             <a:pPr lvl="4"/>
@@ -785,18 +752,13 @@
               <a:rPr lang="zh-CN" altLang="en-US"/>
               <a:t>五级</a:t>
             </a:r>
-          </a:p>
-        </p:txBody>
-      </p:sp>
-      <p:sp>
-        <p:nvSpPr>
-          <p:cNvPr id="4" name="日期占位符 3">
-            <a:extLst>
-              <a:ext uri="{FF2B5EF4-FFF2-40B4-BE49-F238E27FC236}">
-                <a16:creationId xmlns:a16="http://schemas.microsoft.com/office/drawing/2014/main" id="{D566BD34-5AB2-723A-C166-3E7516A60090}"/>
-              </a:ext>
-            </a:extLst>
-          </p:cNvPr>
+            <a:endParaRPr lang="zh-CN" altLang="en-US"/>
+          </a:p>
+        </p:txBody>
+      </p:sp>
+      <p:sp>
+        <p:nvSpPr>
+          <p:cNvPr id="4" name="日期占位符 3"/>
           <p:cNvSpPr>
             <a:spLocks noGrp="1"/>
           </p:cNvSpPr>
@@ -811,7 +773,6 @@
           <a:p>
             <a:fld id="{275DC738-563F-4FEF-BC8D-311477083EDF}" type="datetimeFigureOut">
               <a:rPr lang="zh-CN" altLang="en-US" smtClean="0"/>
-              <a:t>2024/6/5</a:t>
             </a:fld>
             <a:endParaRPr lang="zh-CN" altLang="en-US"/>
           </a:p>
@@ -819,13 +780,7 @@
       </p:sp>
       <p:sp>
         <p:nvSpPr>
-          <p:cNvPr id="5" name="页脚占位符 4">
-            <a:extLst>
-              <a:ext uri="{FF2B5EF4-FFF2-40B4-BE49-F238E27FC236}">
-                <a16:creationId xmlns:a16="http://schemas.microsoft.com/office/drawing/2014/main" id="{FE710FC7-BB9B-E399-9891-B8B0A2E7478A}"/>
-              </a:ext>
-            </a:extLst>
-          </p:cNvPr>
+          <p:cNvPr id="5" name="页脚占位符 4"/>
           <p:cNvSpPr>
             <a:spLocks noGrp="1"/>
           </p:cNvSpPr>
@@ -844,13 +799,7 @@
       </p:sp>
       <p:sp>
         <p:nvSpPr>
-          <p:cNvPr id="6" name="灯片编号占位符 5">
-            <a:extLst>
-              <a:ext uri="{FF2B5EF4-FFF2-40B4-BE49-F238E27FC236}">
-                <a16:creationId xmlns:a16="http://schemas.microsoft.com/office/drawing/2014/main" id="{5AA41BC0-D089-664F-68A6-782C8137AA20}"/>
-              </a:ext>
-            </a:extLst>
-          </p:cNvPr>
+          <p:cNvPr id="6" name="灯片编号占位符 5"/>
           <p:cNvSpPr>
             <a:spLocks noGrp="1"/>
           </p:cNvSpPr>
@@ -865,18 +814,12 @@
           <a:p>
             <a:fld id="{1DE5FF4B-6349-4528-A0D0-65AD1842A02D}" type="slidenum">
               <a:rPr lang="zh-CN" altLang="en-US" smtClean="0"/>
-              <a:t>‹#›</a:t>
             </a:fld>
             <a:endParaRPr lang="zh-CN" altLang="en-US"/>
           </a:p>
         </p:txBody>
       </p:sp>
     </p:spTree>
-    <p:extLst>
-      <p:ext uri="{BB962C8B-B14F-4D97-AF65-F5344CB8AC3E}">
-        <p14:creationId xmlns:p14="http://schemas.microsoft.com/office/powerpoint/2010/main" val="3389368028"/>
-      </p:ext>
-    </p:extLst>
   </p:cSld>
   <p:clrMapOvr>
     <a:masterClrMapping/>
@@ -903,13 +846,7 @@
       </p:grpSpPr>
       <p:sp>
         <p:nvSpPr>
-          <p:cNvPr id="2" name="竖排标题 1">
-            <a:extLst>
-              <a:ext uri="{FF2B5EF4-FFF2-40B4-BE49-F238E27FC236}">
-                <a16:creationId xmlns:a16="http://schemas.microsoft.com/office/drawing/2014/main" id="{987C49E4-F964-4E21-2162-C5469F4DA43D}"/>
-              </a:ext>
-            </a:extLst>
-          </p:cNvPr>
+          <p:cNvPr id="2" name="竖排标题 1"/>
           <p:cNvSpPr>
             <a:spLocks noGrp="1"/>
           </p:cNvSpPr>
@@ -931,18 +868,13 @@
               <a:rPr lang="zh-CN" altLang="en-US"/>
               <a:t>单击此处编辑母版标题样式</a:t>
             </a:r>
-          </a:p>
-        </p:txBody>
-      </p:sp>
-      <p:sp>
-        <p:nvSpPr>
-          <p:cNvPr id="3" name="竖排文字占位符 2">
-            <a:extLst>
-              <a:ext uri="{FF2B5EF4-FFF2-40B4-BE49-F238E27FC236}">
-                <a16:creationId xmlns:a16="http://schemas.microsoft.com/office/drawing/2014/main" id="{60A77B59-40C2-BA33-7A40-835C3797F067}"/>
-              </a:ext>
-            </a:extLst>
-          </p:cNvPr>
+            <a:endParaRPr lang="zh-CN" altLang="en-US"/>
+          </a:p>
+        </p:txBody>
+      </p:sp>
+      <p:sp>
+        <p:nvSpPr>
+          <p:cNvPr id="3" name="竖排文字占位符 2"/>
           <p:cNvSpPr>
             <a:spLocks noGrp="1"/>
           </p:cNvSpPr>
@@ -965,6 +897,7 @@
               <a:rPr lang="zh-CN" altLang="en-US"/>
               <a:t>单击此处编辑母版文本样式</a:t>
             </a:r>
+            <a:endParaRPr lang="zh-CN" altLang="en-US"/>
           </a:p>
           <a:p>
             <a:pPr lvl="1"/>
@@ -972,6 +905,7 @@
               <a:rPr lang="zh-CN" altLang="en-US"/>
               <a:t>二级</a:t>
             </a:r>
+            <a:endParaRPr lang="zh-CN" altLang="en-US"/>
           </a:p>
           <a:p>
             <a:pPr lvl="2"/>
@@ -979,6 +913,7 @@
               <a:rPr lang="zh-CN" altLang="en-US"/>
               <a:t>三级</a:t>
             </a:r>
+            <a:endParaRPr lang="zh-CN" altLang="en-US"/>
           </a:p>
           <a:p>
             <a:pPr lvl="3"/>
@@ -986,6 +921,7 @@
               <a:rPr lang="zh-CN" altLang="en-US"/>
               <a:t>四级</a:t>
             </a:r>
+            <a:endParaRPr lang="zh-CN" altLang="en-US"/>
           </a:p>
           <a:p>
             <a:pPr lvl="4"/>
@@ -993,18 +929,13 @@
               <a:rPr lang="zh-CN" altLang="en-US"/>
               <a:t>五级</a:t>
             </a:r>
-          </a:p>
-        </p:txBody>
-      </p:sp>
-      <p:sp>
-        <p:nvSpPr>
-          <p:cNvPr id="4" name="日期占位符 3">
-            <a:extLst>
-              <a:ext uri="{FF2B5EF4-FFF2-40B4-BE49-F238E27FC236}">
-                <a16:creationId xmlns:a16="http://schemas.microsoft.com/office/drawing/2014/main" id="{FA25F0A1-C170-F11C-EDCB-4B47BCE9C52F}"/>
-              </a:ext>
-            </a:extLst>
-          </p:cNvPr>
+            <a:endParaRPr lang="zh-CN" altLang="en-US"/>
+          </a:p>
+        </p:txBody>
+      </p:sp>
+      <p:sp>
+        <p:nvSpPr>
+          <p:cNvPr id="4" name="日期占位符 3"/>
           <p:cNvSpPr>
             <a:spLocks noGrp="1"/>
           </p:cNvSpPr>
@@ -1019,7 +950,6 @@
           <a:p>
             <a:fld id="{275DC738-563F-4FEF-BC8D-311477083EDF}" type="datetimeFigureOut">
               <a:rPr lang="zh-CN" altLang="en-US" smtClean="0"/>
-              <a:t>2024/6/5</a:t>
             </a:fld>
             <a:endParaRPr lang="zh-CN" altLang="en-US"/>
           </a:p>
@@ -1027,13 +957,7 @@
       </p:sp>
       <p:sp>
         <p:nvSpPr>
-          <p:cNvPr id="5" name="页脚占位符 4">
-            <a:extLst>
-              <a:ext uri="{FF2B5EF4-FFF2-40B4-BE49-F238E27FC236}">
-                <a16:creationId xmlns:a16="http://schemas.microsoft.com/office/drawing/2014/main" id="{5679C46C-634B-9B2D-2126-BBBFF738FC2D}"/>
-              </a:ext>
-            </a:extLst>
-          </p:cNvPr>
+          <p:cNvPr id="5" name="页脚占位符 4"/>
           <p:cNvSpPr>
             <a:spLocks noGrp="1"/>
           </p:cNvSpPr>
@@ -1052,13 +976,7 @@
       </p:sp>
       <p:sp>
         <p:nvSpPr>
-          <p:cNvPr id="6" name="灯片编号占位符 5">
-            <a:extLst>
-              <a:ext uri="{FF2B5EF4-FFF2-40B4-BE49-F238E27FC236}">
-                <a16:creationId xmlns:a16="http://schemas.microsoft.com/office/drawing/2014/main" id="{141694AF-A04C-C55D-9281-C1C6602C844A}"/>
-              </a:ext>
-            </a:extLst>
-          </p:cNvPr>
+          <p:cNvPr id="6" name="灯片编号占位符 5"/>
           <p:cNvSpPr>
             <a:spLocks noGrp="1"/>
           </p:cNvSpPr>
@@ -1073,18 +991,12 @@
           <a:p>
             <a:fld id="{1DE5FF4B-6349-4528-A0D0-65AD1842A02D}" type="slidenum">
               <a:rPr lang="zh-CN" altLang="en-US" smtClean="0"/>
-              <a:t>‹#›</a:t>
             </a:fld>
             <a:endParaRPr lang="zh-CN" altLang="en-US"/>
           </a:p>
         </p:txBody>
       </p:sp>
     </p:spTree>
-    <p:extLst>
-      <p:ext uri="{BB962C8B-B14F-4D97-AF65-F5344CB8AC3E}">
-        <p14:creationId xmlns:p14="http://schemas.microsoft.com/office/powerpoint/2010/main" val="3349840968"/>
-      </p:ext>
-    </p:extLst>
   </p:cSld>
   <p:clrMapOvr>
     <a:masterClrMapping/>
@@ -1092,7 +1004,192 @@
 </p:sldLayout>
 </file>
 
-<file path=ppt/slideLayouts/slideLayout2.xml><?xml version="1.0" encoding="utf-8"?>
+<file path=ppt/slideLayouts/slideLayout12.xml><?xml version="1.0" encoding="utf-8"?>
+<p:sldLayout xmlns:a="http://schemas.openxmlformats.org/drawingml/2006/main" xmlns:r="http://schemas.openxmlformats.org/officeDocument/2006/relationships" xmlns:p="http://schemas.openxmlformats.org/presentationml/2006/main" type="title" preserve="1">
+  <p:cSld name="标题幻灯片">
+    <p:spTree>
+      <p:nvGrpSpPr>
+        <p:cNvPr id="1" name=""/>
+        <p:cNvGrpSpPr/>
+        <p:nvPr/>
+      </p:nvGrpSpPr>
+      <p:grpSpPr>
+        <a:xfrm>
+          <a:off x="0" y="0"/>
+          <a:ext cx="0" cy="0"/>
+          <a:chOff x="0" y="0"/>
+          <a:chExt cx="0" cy="0"/>
+        </a:xfrm>
+      </p:grpSpPr>
+      <p:sp>
+        <p:nvSpPr>
+          <p:cNvPr id="2" name="标题 1"/>
+          <p:cNvSpPr>
+            <a:spLocks noGrp="1"/>
+          </p:cNvSpPr>
+          <p:nvPr>
+            <p:ph type="ctrTitle"/>
+          </p:nvPr>
+        </p:nvSpPr>
+        <p:spPr>
+          <a:xfrm>
+            <a:off x="1524000" y="1122363"/>
+            <a:ext cx="9144000" cy="2387600"/>
+          </a:xfrm>
+        </p:spPr>
+        <p:txBody>
+          <a:bodyPr anchor="b"/>
+          <a:lstStyle>
+            <a:lvl1pPr algn="ctr">
+              <a:defRPr sz="6000"/>
+            </a:lvl1pPr>
+          </a:lstStyle>
+          <a:p>
+            <a:r>
+              <a:rPr lang="zh-CN" altLang="en-US"/>
+              <a:t>单击此处编辑母版标题样式</a:t>
+            </a:r>
+            <a:endParaRPr lang="zh-CN" altLang="en-US"/>
+          </a:p>
+        </p:txBody>
+      </p:sp>
+      <p:sp>
+        <p:nvSpPr>
+          <p:cNvPr id="3" name="副标题 2"/>
+          <p:cNvSpPr>
+            <a:spLocks noGrp="1"/>
+          </p:cNvSpPr>
+          <p:nvPr>
+            <p:ph type="subTitle" idx="1"/>
+          </p:nvPr>
+        </p:nvSpPr>
+        <p:spPr>
+          <a:xfrm>
+            <a:off x="1524000" y="3602038"/>
+            <a:ext cx="9144000" cy="1655762"/>
+          </a:xfrm>
+        </p:spPr>
+        <p:txBody>
+          <a:bodyPr/>
+          <a:lstStyle>
+            <a:lvl1pPr marL="0" indent="0" algn="ctr">
+              <a:buNone/>
+              <a:defRPr sz="2400"/>
+            </a:lvl1pPr>
+            <a:lvl2pPr marL="457200" indent="0" algn="ctr">
+              <a:buNone/>
+              <a:defRPr sz="2000"/>
+            </a:lvl2pPr>
+            <a:lvl3pPr marL="914400" indent="0" algn="ctr">
+              <a:buNone/>
+              <a:defRPr sz="1800"/>
+            </a:lvl3pPr>
+            <a:lvl4pPr marL="1371600" indent="0" algn="ctr">
+              <a:buNone/>
+              <a:defRPr sz="1600"/>
+            </a:lvl4pPr>
+            <a:lvl5pPr marL="1828800" indent="0" algn="ctr">
+              <a:buNone/>
+              <a:defRPr sz="1600"/>
+            </a:lvl5pPr>
+            <a:lvl6pPr marL="2286000" indent="0" algn="ctr">
+              <a:buNone/>
+              <a:defRPr sz="1600"/>
+            </a:lvl6pPr>
+            <a:lvl7pPr marL="2743200" indent="0" algn="ctr">
+              <a:buNone/>
+              <a:defRPr sz="1600"/>
+            </a:lvl7pPr>
+            <a:lvl8pPr marL="3200400" indent="0" algn="ctr">
+              <a:buNone/>
+              <a:defRPr sz="1600"/>
+            </a:lvl8pPr>
+            <a:lvl9pPr marL="3657600" indent="0" algn="ctr">
+              <a:buNone/>
+              <a:defRPr sz="1600"/>
+            </a:lvl9pPr>
+          </a:lstStyle>
+          <a:p>
+            <a:r>
+              <a:rPr lang="zh-CN" altLang="en-US"/>
+              <a:t>单击此处编辑母版副标题样式</a:t>
+            </a:r>
+            <a:endParaRPr lang="zh-CN" altLang="en-US"/>
+          </a:p>
+        </p:txBody>
+      </p:sp>
+      <p:sp>
+        <p:nvSpPr>
+          <p:cNvPr id="4" name="日期占位符 3"/>
+          <p:cNvSpPr>
+            <a:spLocks noGrp="1"/>
+          </p:cNvSpPr>
+          <p:nvPr>
+            <p:ph type="dt" sz="half" idx="10"/>
+          </p:nvPr>
+        </p:nvSpPr>
+        <p:spPr/>
+        <p:txBody>
+          <a:bodyPr/>
+          <a:lstStyle/>
+          <a:p>
+            <a:fld id="{275DC738-563F-4FEF-BC8D-311477083EDF}" type="datetimeFigureOut">
+              <a:rPr lang="zh-CN" altLang="en-US" smtClean="0"/>
+            </a:fld>
+            <a:endParaRPr lang="zh-CN" altLang="en-US"/>
+          </a:p>
+        </p:txBody>
+      </p:sp>
+      <p:sp>
+        <p:nvSpPr>
+          <p:cNvPr id="5" name="页脚占位符 4"/>
+          <p:cNvSpPr>
+            <a:spLocks noGrp="1"/>
+          </p:cNvSpPr>
+          <p:nvPr>
+            <p:ph type="ftr" sz="quarter" idx="11"/>
+          </p:nvPr>
+        </p:nvSpPr>
+        <p:spPr/>
+        <p:txBody>
+          <a:bodyPr/>
+          <a:lstStyle/>
+          <a:p>
+            <a:endParaRPr lang="zh-CN" altLang="en-US"/>
+          </a:p>
+        </p:txBody>
+      </p:sp>
+      <p:sp>
+        <p:nvSpPr>
+          <p:cNvPr id="6" name="灯片编号占位符 5"/>
+          <p:cNvSpPr>
+            <a:spLocks noGrp="1"/>
+          </p:cNvSpPr>
+          <p:nvPr>
+            <p:ph type="sldNum" sz="quarter" idx="12"/>
+          </p:nvPr>
+        </p:nvSpPr>
+        <p:spPr/>
+        <p:txBody>
+          <a:bodyPr/>
+          <a:lstStyle/>
+          <a:p>
+            <a:fld id="{1DE5FF4B-6349-4528-A0D0-65AD1842A02D}" type="slidenum">
+              <a:rPr lang="zh-CN" altLang="en-US" smtClean="0"/>
+            </a:fld>
+            <a:endParaRPr lang="zh-CN" altLang="en-US"/>
+          </a:p>
+        </p:txBody>
+      </p:sp>
+    </p:spTree>
+  </p:cSld>
+  <p:clrMapOvr>
+    <a:masterClrMapping/>
+  </p:clrMapOvr>
+</p:sldLayout>
+</file>
+
+<file path=ppt/slideLayouts/slideLayout13.xml><?xml version="1.0" encoding="utf-8"?>
 <p:sldLayout xmlns:a="http://schemas.openxmlformats.org/drawingml/2006/main" xmlns:r="http://schemas.openxmlformats.org/officeDocument/2006/relationships" xmlns:p="http://schemas.openxmlformats.org/presentationml/2006/main" type="obj" preserve="1">
   <p:cSld name="标题和内容">
     <p:spTree>
@@ -1111,13 +1208,7 @@
       </p:grpSpPr>
       <p:sp>
         <p:nvSpPr>
-          <p:cNvPr id="2" name="标题 1">
-            <a:extLst>
-              <a:ext uri="{FF2B5EF4-FFF2-40B4-BE49-F238E27FC236}">
-                <a16:creationId xmlns:a16="http://schemas.microsoft.com/office/drawing/2014/main" id="{056DB2C6-9955-0B70-0412-A1733E7115F0}"/>
-              </a:ext>
-            </a:extLst>
-          </p:cNvPr>
+          <p:cNvPr id="2" name="标题 1"/>
           <p:cNvSpPr>
             <a:spLocks noGrp="1"/>
           </p:cNvSpPr>
@@ -1134,18 +1225,13 @@
               <a:rPr lang="zh-CN" altLang="en-US"/>
               <a:t>单击此处编辑母版标题样式</a:t>
             </a:r>
-          </a:p>
-        </p:txBody>
-      </p:sp>
-      <p:sp>
-        <p:nvSpPr>
-          <p:cNvPr id="3" name="内容占位符 2">
-            <a:extLst>
-              <a:ext uri="{FF2B5EF4-FFF2-40B4-BE49-F238E27FC236}">
-                <a16:creationId xmlns:a16="http://schemas.microsoft.com/office/drawing/2014/main" id="{ADF4B4DE-E2E3-00E9-3F82-A79BF357B80B}"/>
-              </a:ext>
-            </a:extLst>
-          </p:cNvPr>
+            <a:endParaRPr lang="zh-CN" altLang="en-US"/>
+          </a:p>
+        </p:txBody>
+      </p:sp>
+      <p:sp>
+        <p:nvSpPr>
+          <p:cNvPr id="3" name="内容占位符 2"/>
           <p:cNvSpPr>
             <a:spLocks noGrp="1"/>
           </p:cNvSpPr>
@@ -1163,6 +1249,7 @@
               <a:rPr lang="zh-CN" altLang="en-US"/>
               <a:t>单击此处编辑母版文本样式</a:t>
             </a:r>
+            <a:endParaRPr lang="zh-CN" altLang="en-US"/>
           </a:p>
           <a:p>
             <a:pPr lvl="1"/>
@@ -1170,6 +1257,7 @@
               <a:rPr lang="zh-CN" altLang="en-US"/>
               <a:t>二级</a:t>
             </a:r>
+            <a:endParaRPr lang="zh-CN" altLang="en-US"/>
           </a:p>
           <a:p>
             <a:pPr lvl="2"/>
@@ -1177,6 +1265,7 @@
               <a:rPr lang="zh-CN" altLang="en-US"/>
               <a:t>三级</a:t>
             </a:r>
+            <a:endParaRPr lang="zh-CN" altLang="en-US"/>
           </a:p>
           <a:p>
             <a:pPr lvl="3"/>
@@ -1184,6 +1273,7 @@
               <a:rPr lang="zh-CN" altLang="en-US"/>
               <a:t>四级</a:t>
             </a:r>
+            <a:endParaRPr lang="zh-CN" altLang="en-US"/>
           </a:p>
           <a:p>
             <a:pPr lvl="4"/>
@@ -1191,18 +1281,13 @@
               <a:rPr lang="zh-CN" altLang="en-US"/>
               <a:t>五级</a:t>
             </a:r>
-          </a:p>
-        </p:txBody>
-      </p:sp>
-      <p:sp>
-        <p:nvSpPr>
-          <p:cNvPr id="4" name="日期占位符 3">
-            <a:extLst>
-              <a:ext uri="{FF2B5EF4-FFF2-40B4-BE49-F238E27FC236}">
-                <a16:creationId xmlns:a16="http://schemas.microsoft.com/office/drawing/2014/main" id="{F723B145-9FBB-D37F-AAC7-017AEDA67BE6}"/>
-              </a:ext>
-            </a:extLst>
-          </p:cNvPr>
+            <a:endParaRPr lang="zh-CN" altLang="en-US"/>
+          </a:p>
+        </p:txBody>
+      </p:sp>
+      <p:sp>
+        <p:nvSpPr>
+          <p:cNvPr id="4" name="日期占位符 3"/>
           <p:cNvSpPr>
             <a:spLocks noGrp="1"/>
           </p:cNvSpPr>
@@ -1217,7 +1302,6 @@
           <a:p>
             <a:fld id="{275DC738-563F-4FEF-BC8D-311477083EDF}" type="datetimeFigureOut">
               <a:rPr lang="zh-CN" altLang="en-US" smtClean="0"/>
-              <a:t>2024/6/5</a:t>
             </a:fld>
             <a:endParaRPr lang="zh-CN" altLang="en-US"/>
           </a:p>
@@ -1225,13 +1309,7 @@
       </p:sp>
       <p:sp>
         <p:nvSpPr>
-          <p:cNvPr id="5" name="页脚占位符 4">
-            <a:extLst>
-              <a:ext uri="{FF2B5EF4-FFF2-40B4-BE49-F238E27FC236}">
-                <a16:creationId xmlns:a16="http://schemas.microsoft.com/office/drawing/2014/main" id="{897A129A-4608-D83D-4BE7-BF9DBE842CE2}"/>
-              </a:ext>
-            </a:extLst>
-          </p:cNvPr>
+          <p:cNvPr id="5" name="页脚占位符 4"/>
           <p:cNvSpPr>
             <a:spLocks noGrp="1"/>
           </p:cNvSpPr>
@@ -1250,13 +1328,7 @@
       </p:sp>
       <p:sp>
         <p:nvSpPr>
-          <p:cNvPr id="6" name="灯片编号占位符 5">
-            <a:extLst>
-              <a:ext uri="{FF2B5EF4-FFF2-40B4-BE49-F238E27FC236}">
-                <a16:creationId xmlns:a16="http://schemas.microsoft.com/office/drawing/2014/main" id="{D0EBD350-5D08-340E-79C3-D219E709B8E5}"/>
-              </a:ext>
-            </a:extLst>
-          </p:cNvPr>
+          <p:cNvPr id="6" name="灯片编号占位符 5"/>
           <p:cNvSpPr>
             <a:spLocks noGrp="1"/>
           </p:cNvSpPr>
@@ -1271,18 +1343,12 @@
           <a:p>
             <a:fld id="{1DE5FF4B-6349-4528-A0D0-65AD1842A02D}" type="slidenum">
               <a:rPr lang="zh-CN" altLang="en-US" smtClean="0"/>
-              <a:t>‹#›</a:t>
             </a:fld>
             <a:endParaRPr lang="zh-CN" altLang="en-US"/>
           </a:p>
         </p:txBody>
       </p:sp>
     </p:spTree>
-    <p:extLst>
-      <p:ext uri="{BB962C8B-B14F-4D97-AF65-F5344CB8AC3E}">
-        <p14:creationId xmlns:p14="http://schemas.microsoft.com/office/powerpoint/2010/main" val="2659413615"/>
-      </p:ext>
-    </p:extLst>
   </p:cSld>
   <p:clrMapOvr>
     <a:masterClrMapping/>
@@ -1290,7 +1356,7 @@
 </p:sldLayout>
 </file>
 
-<file path=ppt/slideLayouts/slideLayout3.xml><?xml version="1.0" encoding="utf-8"?>
+<file path=ppt/slideLayouts/slideLayout14.xml><?xml version="1.0" encoding="utf-8"?>
 <p:sldLayout xmlns:a="http://schemas.openxmlformats.org/drawingml/2006/main" xmlns:r="http://schemas.openxmlformats.org/officeDocument/2006/relationships" xmlns:p="http://schemas.openxmlformats.org/presentationml/2006/main" type="secHead" preserve="1">
   <p:cSld name="节标题">
     <p:spTree>
@@ -1309,13 +1375,7 @@
       </p:grpSpPr>
       <p:sp>
         <p:nvSpPr>
-          <p:cNvPr id="2" name="标题 1">
-            <a:extLst>
-              <a:ext uri="{FF2B5EF4-FFF2-40B4-BE49-F238E27FC236}">
-                <a16:creationId xmlns:a16="http://schemas.microsoft.com/office/drawing/2014/main" id="{C57A2939-97AC-8A5C-C2C7-AB37479C3A32}"/>
-              </a:ext>
-            </a:extLst>
-          </p:cNvPr>
+          <p:cNvPr id="2" name="标题 1"/>
           <p:cNvSpPr>
             <a:spLocks noGrp="1"/>
           </p:cNvSpPr>
@@ -1341,18 +1401,13 @@
               <a:rPr lang="zh-CN" altLang="en-US"/>
               <a:t>单击此处编辑母版标题样式</a:t>
             </a:r>
-          </a:p>
-        </p:txBody>
-      </p:sp>
-      <p:sp>
-        <p:nvSpPr>
-          <p:cNvPr id="3" name="文本占位符 2">
-            <a:extLst>
-              <a:ext uri="{FF2B5EF4-FFF2-40B4-BE49-F238E27FC236}">
-                <a16:creationId xmlns:a16="http://schemas.microsoft.com/office/drawing/2014/main" id="{9F9A1C75-BE58-54C1-4EEE-84D494D58073}"/>
-              </a:ext>
-            </a:extLst>
-          </p:cNvPr>
+            <a:endParaRPr lang="zh-CN" altLang="en-US"/>
+          </a:p>
+        </p:txBody>
+      </p:sp>
+      <p:sp>
+        <p:nvSpPr>
+          <p:cNvPr id="3" name="文本占位符 2"/>
           <p:cNvSpPr>
             <a:spLocks noGrp="1"/>
           </p:cNvSpPr>
@@ -1466,18 +1521,13 @@
               <a:rPr lang="zh-CN" altLang="en-US"/>
               <a:t>单击此处编辑母版文本样式</a:t>
             </a:r>
-          </a:p>
-        </p:txBody>
-      </p:sp>
-      <p:sp>
-        <p:nvSpPr>
-          <p:cNvPr id="4" name="日期占位符 3">
-            <a:extLst>
-              <a:ext uri="{FF2B5EF4-FFF2-40B4-BE49-F238E27FC236}">
-                <a16:creationId xmlns:a16="http://schemas.microsoft.com/office/drawing/2014/main" id="{ADAE61F4-B583-59DD-763F-FEC8C36D654B}"/>
-              </a:ext>
-            </a:extLst>
-          </p:cNvPr>
+            <a:endParaRPr lang="zh-CN" altLang="en-US"/>
+          </a:p>
+        </p:txBody>
+      </p:sp>
+      <p:sp>
+        <p:nvSpPr>
+          <p:cNvPr id="4" name="日期占位符 3"/>
           <p:cNvSpPr>
             <a:spLocks noGrp="1"/>
           </p:cNvSpPr>
@@ -1492,7 +1542,6 @@
           <a:p>
             <a:fld id="{275DC738-563F-4FEF-BC8D-311477083EDF}" type="datetimeFigureOut">
               <a:rPr lang="zh-CN" altLang="en-US" smtClean="0"/>
-              <a:t>2024/6/5</a:t>
             </a:fld>
             <a:endParaRPr lang="zh-CN" altLang="en-US"/>
           </a:p>
@@ -1500,13 +1549,7 @@
       </p:sp>
       <p:sp>
         <p:nvSpPr>
-          <p:cNvPr id="5" name="页脚占位符 4">
-            <a:extLst>
-              <a:ext uri="{FF2B5EF4-FFF2-40B4-BE49-F238E27FC236}">
-                <a16:creationId xmlns:a16="http://schemas.microsoft.com/office/drawing/2014/main" id="{DA027BEE-6980-6C3D-B264-4C3724943144}"/>
-              </a:ext>
-            </a:extLst>
-          </p:cNvPr>
+          <p:cNvPr id="5" name="页脚占位符 4"/>
           <p:cNvSpPr>
             <a:spLocks noGrp="1"/>
           </p:cNvSpPr>
@@ -1525,13 +1568,7 @@
       </p:sp>
       <p:sp>
         <p:nvSpPr>
-          <p:cNvPr id="6" name="灯片编号占位符 5">
-            <a:extLst>
-              <a:ext uri="{FF2B5EF4-FFF2-40B4-BE49-F238E27FC236}">
-                <a16:creationId xmlns:a16="http://schemas.microsoft.com/office/drawing/2014/main" id="{7E2DD627-5A71-892D-7B99-989F36899AF1}"/>
-              </a:ext>
-            </a:extLst>
-          </p:cNvPr>
+          <p:cNvPr id="6" name="灯片编号占位符 5"/>
           <p:cNvSpPr>
             <a:spLocks noGrp="1"/>
           </p:cNvSpPr>
@@ -1546,18 +1583,12 @@
           <a:p>
             <a:fld id="{1DE5FF4B-6349-4528-A0D0-65AD1842A02D}" type="slidenum">
               <a:rPr lang="zh-CN" altLang="en-US" smtClean="0"/>
-              <a:t>‹#›</a:t>
             </a:fld>
             <a:endParaRPr lang="zh-CN" altLang="en-US"/>
           </a:p>
         </p:txBody>
       </p:sp>
     </p:spTree>
-    <p:extLst>
-      <p:ext uri="{BB962C8B-B14F-4D97-AF65-F5344CB8AC3E}">
-        <p14:creationId xmlns:p14="http://schemas.microsoft.com/office/powerpoint/2010/main" val="2258537744"/>
-      </p:ext>
-    </p:extLst>
   </p:cSld>
   <p:clrMapOvr>
     <a:masterClrMapping/>
@@ -1565,7 +1596,7 @@
 </p:sldLayout>
 </file>
 
-<file path=ppt/slideLayouts/slideLayout4.xml><?xml version="1.0" encoding="utf-8"?>
+<file path=ppt/slideLayouts/slideLayout15.xml><?xml version="1.0" encoding="utf-8"?>
 <p:sldLayout xmlns:a="http://schemas.openxmlformats.org/drawingml/2006/main" xmlns:r="http://schemas.openxmlformats.org/officeDocument/2006/relationships" xmlns:p="http://schemas.openxmlformats.org/presentationml/2006/main" type="twoObj" preserve="1">
   <p:cSld name="两栏内容">
     <p:spTree>
@@ -1584,13 +1615,7 @@
       </p:grpSpPr>
       <p:sp>
         <p:nvSpPr>
-          <p:cNvPr id="2" name="标题 1">
-            <a:extLst>
-              <a:ext uri="{FF2B5EF4-FFF2-40B4-BE49-F238E27FC236}">
-                <a16:creationId xmlns:a16="http://schemas.microsoft.com/office/drawing/2014/main" id="{F79FA2ED-3105-2260-F17B-7C6D4A532B29}"/>
-              </a:ext>
-            </a:extLst>
-          </p:cNvPr>
+          <p:cNvPr id="2" name="标题 1"/>
           <p:cNvSpPr>
             <a:spLocks noGrp="1"/>
           </p:cNvSpPr>
@@ -1607,18 +1632,13 @@
               <a:rPr lang="zh-CN" altLang="en-US"/>
               <a:t>单击此处编辑母版标题样式</a:t>
             </a:r>
-          </a:p>
-        </p:txBody>
-      </p:sp>
-      <p:sp>
-        <p:nvSpPr>
-          <p:cNvPr id="3" name="内容占位符 2">
-            <a:extLst>
-              <a:ext uri="{FF2B5EF4-FFF2-40B4-BE49-F238E27FC236}">
-                <a16:creationId xmlns:a16="http://schemas.microsoft.com/office/drawing/2014/main" id="{BA0E758C-3049-832A-E5DD-619B280E4116}"/>
-              </a:ext>
-            </a:extLst>
-          </p:cNvPr>
+            <a:endParaRPr lang="zh-CN" altLang="en-US"/>
+          </a:p>
+        </p:txBody>
+      </p:sp>
+      <p:sp>
+        <p:nvSpPr>
+          <p:cNvPr id="3" name="内容占位符 2"/>
           <p:cNvSpPr>
             <a:spLocks noGrp="1"/>
           </p:cNvSpPr>
@@ -1641,6 +1661,7 @@
               <a:rPr lang="zh-CN" altLang="en-US"/>
               <a:t>单击此处编辑母版文本样式</a:t>
             </a:r>
+            <a:endParaRPr lang="zh-CN" altLang="en-US"/>
           </a:p>
           <a:p>
             <a:pPr lvl="1"/>
@@ -1648,6 +1669,7 @@
               <a:rPr lang="zh-CN" altLang="en-US"/>
               <a:t>二级</a:t>
             </a:r>
+            <a:endParaRPr lang="zh-CN" altLang="en-US"/>
           </a:p>
           <a:p>
             <a:pPr lvl="2"/>
@@ -1655,6 +1677,7 @@
               <a:rPr lang="zh-CN" altLang="en-US"/>
               <a:t>三级</a:t>
             </a:r>
+            <a:endParaRPr lang="zh-CN" altLang="en-US"/>
           </a:p>
           <a:p>
             <a:pPr lvl="3"/>
@@ -1662,6 +1685,7 @@
               <a:rPr lang="zh-CN" altLang="en-US"/>
               <a:t>四级</a:t>
             </a:r>
+            <a:endParaRPr lang="zh-CN" altLang="en-US"/>
           </a:p>
           <a:p>
             <a:pPr lvl="4"/>
@@ -1669,18 +1693,13 @@
               <a:rPr lang="zh-CN" altLang="en-US"/>
               <a:t>五级</a:t>
             </a:r>
-          </a:p>
-        </p:txBody>
-      </p:sp>
-      <p:sp>
-        <p:nvSpPr>
-          <p:cNvPr id="4" name="内容占位符 3">
-            <a:extLst>
-              <a:ext uri="{FF2B5EF4-FFF2-40B4-BE49-F238E27FC236}">
-                <a16:creationId xmlns:a16="http://schemas.microsoft.com/office/drawing/2014/main" id="{6ED28508-6175-908E-4325-6A83BFC02830}"/>
-              </a:ext>
-            </a:extLst>
-          </p:cNvPr>
+            <a:endParaRPr lang="zh-CN" altLang="en-US"/>
+          </a:p>
+        </p:txBody>
+      </p:sp>
+      <p:sp>
+        <p:nvSpPr>
+          <p:cNvPr id="4" name="内容占位符 3"/>
           <p:cNvSpPr>
             <a:spLocks noGrp="1"/>
           </p:cNvSpPr>
@@ -1703,6 +1722,7 @@
               <a:rPr lang="zh-CN" altLang="en-US"/>
               <a:t>单击此处编辑母版文本样式</a:t>
             </a:r>
+            <a:endParaRPr lang="zh-CN" altLang="en-US"/>
           </a:p>
           <a:p>
             <a:pPr lvl="1"/>
@@ -1710,6 +1730,7 @@
               <a:rPr lang="zh-CN" altLang="en-US"/>
               <a:t>二级</a:t>
             </a:r>
+            <a:endParaRPr lang="zh-CN" altLang="en-US"/>
           </a:p>
           <a:p>
             <a:pPr lvl="2"/>
@@ -1717,6 +1738,7 @@
               <a:rPr lang="zh-CN" altLang="en-US"/>
               <a:t>三级</a:t>
             </a:r>
+            <a:endParaRPr lang="zh-CN" altLang="en-US"/>
           </a:p>
           <a:p>
             <a:pPr lvl="3"/>
@@ -1724,6 +1746,7 @@
               <a:rPr lang="zh-CN" altLang="en-US"/>
               <a:t>四级</a:t>
             </a:r>
+            <a:endParaRPr lang="zh-CN" altLang="en-US"/>
           </a:p>
           <a:p>
             <a:pPr lvl="4"/>
@@ -1731,18 +1754,13 @@
               <a:rPr lang="zh-CN" altLang="en-US"/>
               <a:t>五级</a:t>
             </a:r>
-          </a:p>
-        </p:txBody>
-      </p:sp>
-      <p:sp>
-        <p:nvSpPr>
-          <p:cNvPr id="5" name="日期占位符 4">
-            <a:extLst>
-              <a:ext uri="{FF2B5EF4-FFF2-40B4-BE49-F238E27FC236}">
-                <a16:creationId xmlns:a16="http://schemas.microsoft.com/office/drawing/2014/main" id="{59D4076B-DA72-C9A5-4320-72135670EC5C}"/>
-              </a:ext>
-            </a:extLst>
-          </p:cNvPr>
+            <a:endParaRPr lang="zh-CN" altLang="en-US"/>
+          </a:p>
+        </p:txBody>
+      </p:sp>
+      <p:sp>
+        <p:nvSpPr>
+          <p:cNvPr id="5" name="日期占位符 4"/>
           <p:cNvSpPr>
             <a:spLocks noGrp="1"/>
           </p:cNvSpPr>
@@ -1757,7 +1775,6 @@
           <a:p>
             <a:fld id="{275DC738-563F-4FEF-BC8D-311477083EDF}" type="datetimeFigureOut">
               <a:rPr lang="zh-CN" altLang="en-US" smtClean="0"/>
-              <a:t>2024/6/5</a:t>
             </a:fld>
             <a:endParaRPr lang="zh-CN" altLang="en-US"/>
           </a:p>
@@ -1765,13 +1782,7 @@
       </p:sp>
       <p:sp>
         <p:nvSpPr>
-          <p:cNvPr id="6" name="页脚占位符 5">
-            <a:extLst>
-              <a:ext uri="{FF2B5EF4-FFF2-40B4-BE49-F238E27FC236}">
-                <a16:creationId xmlns:a16="http://schemas.microsoft.com/office/drawing/2014/main" id="{96D8E038-11E0-8F53-29D2-C73D16C83417}"/>
-              </a:ext>
-            </a:extLst>
-          </p:cNvPr>
+          <p:cNvPr id="6" name="页脚占位符 5"/>
           <p:cNvSpPr>
             <a:spLocks noGrp="1"/>
           </p:cNvSpPr>
@@ -1790,13 +1801,7 @@
       </p:sp>
       <p:sp>
         <p:nvSpPr>
-          <p:cNvPr id="7" name="灯片编号占位符 6">
-            <a:extLst>
-              <a:ext uri="{FF2B5EF4-FFF2-40B4-BE49-F238E27FC236}">
-                <a16:creationId xmlns:a16="http://schemas.microsoft.com/office/drawing/2014/main" id="{C2F6949D-35C4-1575-1908-71F6CC9C88A1}"/>
-              </a:ext>
-            </a:extLst>
-          </p:cNvPr>
+          <p:cNvPr id="7" name="灯片编号占位符 6"/>
           <p:cNvSpPr>
             <a:spLocks noGrp="1"/>
           </p:cNvSpPr>
@@ -1811,18 +1816,12 @@
           <a:p>
             <a:fld id="{1DE5FF4B-6349-4528-A0D0-65AD1842A02D}" type="slidenum">
               <a:rPr lang="zh-CN" altLang="en-US" smtClean="0"/>
-              <a:t>‹#›</a:t>
             </a:fld>
             <a:endParaRPr lang="zh-CN" altLang="en-US"/>
           </a:p>
         </p:txBody>
       </p:sp>
     </p:spTree>
-    <p:extLst>
-      <p:ext uri="{BB962C8B-B14F-4D97-AF65-F5344CB8AC3E}">
-        <p14:creationId xmlns:p14="http://schemas.microsoft.com/office/powerpoint/2010/main" val="2301512396"/>
-      </p:ext>
-    </p:extLst>
   </p:cSld>
   <p:clrMapOvr>
     <a:masterClrMapping/>
@@ -1830,7 +1829,7 @@
 </p:sldLayout>
 </file>
 
-<file path=ppt/slideLayouts/slideLayout5.xml><?xml version="1.0" encoding="utf-8"?>
+<file path=ppt/slideLayouts/slideLayout16.xml><?xml version="1.0" encoding="utf-8"?>
 <p:sldLayout xmlns:a="http://schemas.openxmlformats.org/drawingml/2006/main" xmlns:r="http://schemas.openxmlformats.org/officeDocument/2006/relationships" xmlns:p="http://schemas.openxmlformats.org/presentationml/2006/main" type="twoTxTwoObj" preserve="1">
   <p:cSld name="比较">
     <p:spTree>
@@ -1849,13 +1848,7 @@
       </p:grpSpPr>
       <p:sp>
         <p:nvSpPr>
-          <p:cNvPr id="2" name="标题 1">
-            <a:extLst>
-              <a:ext uri="{FF2B5EF4-FFF2-40B4-BE49-F238E27FC236}">
-                <a16:creationId xmlns:a16="http://schemas.microsoft.com/office/drawing/2014/main" id="{A837450B-FA05-D1D8-1B7F-6A550034890F}"/>
-              </a:ext>
-            </a:extLst>
-          </p:cNvPr>
+          <p:cNvPr id="2" name="标题 1"/>
           <p:cNvSpPr>
             <a:spLocks noGrp="1"/>
           </p:cNvSpPr>
@@ -1877,18 +1870,13 @@
               <a:rPr lang="zh-CN" altLang="en-US"/>
               <a:t>单击此处编辑母版标题样式</a:t>
             </a:r>
-          </a:p>
-        </p:txBody>
-      </p:sp>
-      <p:sp>
-        <p:nvSpPr>
-          <p:cNvPr id="3" name="文本占位符 2">
-            <a:extLst>
-              <a:ext uri="{FF2B5EF4-FFF2-40B4-BE49-F238E27FC236}">
-                <a16:creationId xmlns:a16="http://schemas.microsoft.com/office/drawing/2014/main" id="{E0419B7F-CB54-5ED6-31E7-84AD89C8A4D9}"/>
-              </a:ext>
-            </a:extLst>
-          </p:cNvPr>
+            <a:endParaRPr lang="zh-CN" altLang="en-US"/>
+          </a:p>
+        </p:txBody>
+      </p:sp>
+      <p:sp>
+        <p:nvSpPr>
+          <p:cNvPr id="3" name="文本占位符 2"/>
           <p:cNvSpPr>
             <a:spLocks noGrp="1"/>
           </p:cNvSpPr>
@@ -1948,18 +1936,13 @@
               <a:rPr lang="zh-CN" altLang="en-US"/>
               <a:t>单击此处编辑母版文本样式</a:t>
             </a:r>
-          </a:p>
-        </p:txBody>
-      </p:sp>
-      <p:sp>
-        <p:nvSpPr>
-          <p:cNvPr id="4" name="内容占位符 3">
-            <a:extLst>
-              <a:ext uri="{FF2B5EF4-FFF2-40B4-BE49-F238E27FC236}">
-                <a16:creationId xmlns:a16="http://schemas.microsoft.com/office/drawing/2014/main" id="{DA8D968B-B855-9CA2-976A-5D07B42BC34A}"/>
-              </a:ext>
-            </a:extLst>
-          </p:cNvPr>
+            <a:endParaRPr lang="zh-CN" altLang="en-US"/>
+          </a:p>
+        </p:txBody>
+      </p:sp>
+      <p:sp>
+        <p:nvSpPr>
+          <p:cNvPr id="4" name="内容占位符 3"/>
           <p:cNvSpPr>
             <a:spLocks noGrp="1"/>
           </p:cNvSpPr>
@@ -1982,6 +1965,7 @@
               <a:rPr lang="zh-CN" altLang="en-US"/>
               <a:t>单击此处编辑母版文本样式</a:t>
             </a:r>
+            <a:endParaRPr lang="zh-CN" altLang="en-US"/>
           </a:p>
           <a:p>
             <a:pPr lvl="1"/>
@@ -1989,6 +1973,7 @@
               <a:rPr lang="zh-CN" altLang="en-US"/>
               <a:t>二级</a:t>
             </a:r>
+            <a:endParaRPr lang="zh-CN" altLang="en-US"/>
           </a:p>
           <a:p>
             <a:pPr lvl="2"/>
@@ -1996,6 +1981,7 @@
               <a:rPr lang="zh-CN" altLang="en-US"/>
               <a:t>三级</a:t>
             </a:r>
+            <a:endParaRPr lang="zh-CN" altLang="en-US"/>
           </a:p>
           <a:p>
             <a:pPr lvl="3"/>
@@ -2003,6 +1989,7 @@
               <a:rPr lang="zh-CN" altLang="en-US"/>
               <a:t>四级</a:t>
             </a:r>
+            <a:endParaRPr lang="zh-CN" altLang="en-US"/>
           </a:p>
           <a:p>
             <a:pPr lvl="4"/>
@@ -2010,18 +1997,13 @@
               <a:rPr lang="zh-CN" altLang="en-US"/>
               <a:t>五级</a:t>
             </a:r>
-          </a:p>
-        </p:txBody>
-      </p:sp>
-      <p:sp>
-        <p:nvSpPr>
-          <p:cNvPr id="5" name="文本占位符 4">
-            <a:extLst>
-              <a:ext uri="{FF2B5EF4-FFF2-40B4-BE49-F238E27FC236}">
-                <a16:creationId xmlns:a16="http://schemas.microsoft.com/office/drawing/2014/main" id="{3E71D34F-5264-9994-D5BF-36A4AB9F7907}"/>
-              </a:ext>
-            </a:extLst>
-          </p:cNvPr>
+            <a:endParaRPr lang="zh-CN" altLang="en-US"/>
+          </a:p>
+        </p:txBody>
+      </p:sp>
+      <p:sp>
+        <p:nvSpPr>
+          <p:cNvPr id="5" name="文本占位符 4"/>
           <p:cNvSpPr>
             <a:spLocks noGrp="1"/>
           </p:cNvSpPr>
@@ -2081,18 +2063,13 @@
               <a:rPr lang="zh-CN" altLang="en-US"/>
               <a:t>单击此处编辑母版文本样式</a:t>
             </a:r>
-          </a:p>
-        </p:txBody>
-      </p:sp>
-      <p:sp>
-        <p:nvSpPr>
-          <p:cNvPr id="6" name="内容占位符 5">
-            <a:extLst>
-              <a:ext uri="{FF2B5EF4-FFF2-40B4-BE49-F238E27FC236}">
-                <a16:creationId xmlns:a16="http://schemas.microsoft.com/office/drawing/2014/main" id="{01B09B39-2246-397F-E60F-2F0199BB6062}"/>
-              </a:ext>
-            </a:extLst>
-          </p:cNvPr>
+            <a:endParaRPr lang="zh-CN" altLang="en-US"/>
+          </a:p>
+        </p:txBody>
+      </p:sp>
+      <p:sp>
+        <p:nvSpPr>
+          <p:cNvPr id="6" name="内容占位符 5"/>
           <p:cNvSpPr>
             <a:spLocks noGrp="1"/>
           </p:cNvSpPr>
@@ -2115,6 +2092,7 @@
               <a:rPr lang="zh-CN" altLang="en-US"/>
               <a:t>单击此处编辑母版文本样式</a:t>
             </a:r>
+            <a:endParaRPr lang="zh-CN" altLang="en-US"/>
           </a:p>
           <a:p>
             <a:pPr lvl="1"/>
@@ -2122,6 +2100,7 @@
               <a:rPr lang="zh-CN" altLang="en-US"/>
               <a:t>二级</a:t>
             </a:r>
+            <a:endParaRPr lang="zh-CN" altLang="en-US"/>
           </a:p>
           <a:p>
             <a:pPr lvl="2"/>
@@ -2129,6 +2108,7 @@
               <a:rPr lang="zh-CN" altLang="en-US"/>
               <a:t>三级</a:t>
             </a:r>
+            <a:endParaRPr lang="zh-CN" altLang="en-US"/>
           </a:p>
           <a:p>
             <a:pPr lvl="3"/>
@@ -2136,6 +2116,7 @@
               <a:rPr lang="zh-CN" altLang="en-US"/>
               <a:t>四级</a:t>
             </a:r>
+            <a:endParaRPr lang="zh-CN" altLang="en-US"/>
           </a:p>
           <a:p>
             <a:pPr lvl="4"/>
@@ -2143,18 +2124,13 @@
               <a:rPr lang="zh-CN" altLang="en-US"/>
               <a:t>五级</a:t>
             </a:r>
-          </a:p>
-        </p:txBody>
-      </p:sp>
-      <p:sp>
-        <p:nvSpPr>
-          <p:cNvPr id="7" name="日期占位符 6">
-            <a:extLst>
-              <a:ext uri="{FF2B5EF4-FFF2-40B4-BE49-F238E27FC236}">
-                <a16:creationId xmlns:a16="http://schemas.microsoft.com/office/drawing/2014/main" id="{C281483A-18B3-8600-006E-67E471EA1DB4}"/>
-              </a:ext>
-            </a:extLst>
-          </p:cNvPr>
+            <a:endParaRPr lang="zh-CN" altLang="en-US"/>
+          </a:p>
+        </p:txBody>
+      </p:sp>
+      <p:sp>
+        <p:nvSpPr>
+          <p:cNvPr id="7" name="日期占位符 6"/>
           <p:cNvSpPr>
             <a:spLocks noGrp="1"/>
           </p:cNvSpPr>
@@ -2169,7 +2145,6 @@
           <a:p>
             <a:fld id="{275DC738-563F-4FEF-BC8D-311477083EDF}" type="datetimeFigureOut">
               <a:rPr lang="zh-CN" altLang="en-US" smtClean="0"/>
-              <a:t>2024/6/5</a:t>
             </a:fld>
             <a:endParaRPr lang="zh-CN" altLang="en-US"/>
           </a:p>
@@ -2177,13 +2152,7 @@
       </p:sp>
       <p:sp>
         <p:nvSpPr>
-          <p:cNvPr id="8" name="页脚占位符 7">
-            <a:extLst>
-              <a:ext uri="{FF2B5EF4-FFF2-40B4-BE49-F238E27FC236}">
-                <a16:creationId xmlns:a16="http://schemas.microsoft.com/office/drawing/2014/main" id="{403874CE-896D-4CA3-1B97-DC43127DBCF4}"/>
-              </a:ext>
-            </a:extLst>
-          </p:cNvPr>
+          <p:cNvPr id="8" name="页脚占位符 7"/>
           <p:cNvSpPr>
             <a:spLocks noGrp="1"/>
           </p:cNvSpPr>
@@ -2202,13 +2171,7 @@
       </p:sp>
       <p:sp>
         <p:nvSpPr>
-          <p:cNvPr id="9" name="灯片编号占位符 8">
-            <a:extLst>
-              <a:ext uri="{FF2B5EF4-FFF2-40B4-BE49-F238E27FC236}">
-                <a16:creationId xmlns:a16="http://schemas.microsoft.com/office/drawing/2014/main" id="{1C359D45-E2A0-93FE-F136-8C7B21F12864}"/>
-              </a:ext>
-            </a:extLst>
-          </p:cNvPr>
+          <p:cNvPr id="9" name="灯片编号占位符 8"/>
           <p:cNvSpPr>
             <a:spLocks noGrp="1"/>
           </p:cNvSpPr>
@@ -2223,18 +2186,12 @@
           <a:p>
             <a:fld id="{1DE5FF4B-6349-4528-A0D0-65AD1842A02D}" type="slidenum">
               <a:rPr lang="zh-CN" altLang="en-US" smtClean="0"/>
-              <a:t>‹#›</a:t>
             </a:fld>
             <a:endParaRPr lang="zh-CN" altLang="en-US"/>
           </a:p>
         </p:txBody>
       </p:sp>
     </p:spTree>
-    <p:extLst>
-      <p:ext uri="{BB962C8B-B14F-4D97-AF65-F5344CB8AC3E}">
-        <p14:creationId xmlns:p14="http://schemas.microsoft.com/office/powerpoint/2010/main" val="618533923"/>
-      </p:ext>
-    </p:extLst>
   </p:cSld>
   <p:clrMapOvr>
     <a:masterClrMapping/>
@@ -2242,7 +2199,7 @@
 </p:sldLayout>
 </file>
 
-<file path=ppt/slideLayouts/slideLayout6.xml><?xml version="1.0" encoding="utf-8"?>
+<file path=ppt/slideLayouts/slideLayout17.xml><?xml version="1.0" encoding="utf-8"?>
 <p:sldLayout xmlns:a="http://schemas.openxmlformats.org/drawingml/2006/main" xmlns:r="http://schemas.openxmlformats.org/officeDocument/2006/relationships" xmlns:p="http://schemas.openxmlformats.org/presentationml/2006/main" type="titleOnly" preserve="1">
   <p:cSld name="仅标题">
     <p:spTree>
@@ -2261,13 +2218,7 @@
       </p:grpSpPr>
       <p:sp>
         <p:nvSpPr>
-          <p:cNvPr id="2" name="标题 1">
-            <a:extLst>
-              <a:ext uri="{FF2B5EF4-FFF2-40B4-BE49-F238E27FC236}">
-                <a16:creationId xmlns:a16="http://schemas.microsoft.com/office/drawing/2014/main" id="{07732EE4-1DC2-1B7B-32C3-A0130A79013E}"/>
-              </a:ext>
-            </a:extLst>
-          </p:cNvPr>
+          <p:cNvPr id="2" name="标题 1"/>
           <p:cNvSpPr>
             <a:spLocks noGrp="1"/>
           </p:cNvSpPr>
@@ -2284,18 +2235,13 @@
               <a:rPr lang="zh-CN" altLang="en-US"/>
               <a:t>单击此处编辑母版标题样式</a:t>
             </a:r>
-          </a:p>
-        </p:txBody>
-      </p:sp>
-      <p:sp>
-        <p:nvSpPr>
-          <p:cNvPr id="3" name="日期占位符 2">
-            <a:extLst>
-              <a:ext uri="{FF2B5EF4-FFF2-40B4-BE49-F238E27FC236}">
-                <a16:creationId xmlns:a16="http://schemas.microsoft.com/office/drawing/2014/main" id="{E9A92635-5122-38B8-9441-7A3FE70B28E2}"/>
-              </a:ext>
-            </a:extLst>
-          </p:cNvPr>
+            <a:endParaRPr lang="zh-CN" altLang="en-US"/>
+          </a:p>
+        </p:txBody>
+      </p:sp>
+      <p:sp>
+        <p:nvSpPr>
+          <p:cNvPr id="3" name="日期占位符 2"/>
           <p:cNvSpPr>
             <a:spLocks noGrp="1"/>
           </p:cNvSpPr>
@@ -2310,7 +2256,6 @@
           <a:p>
             <a:fld id="{275DC738-563F-4FEF-BC8D-311477083EDF}" type="datetimeFigureOut">
               <a:rPr lang="zh-CN" altLang="en-US" smtClean="0"/>
-              <a:t>2024/6/5</a:t>
             </a:fld>
             <a:endParaRPr lang="zh-CN" altLang="en-US"/>
           </a:p>
@@ -2318,13 +2263,7 @@
       </p:sp>
       <p:sp>
         <p:nvSpPr>
-          <p:cNvPr id="4" name="页脚占位符 3">
-            <a:extLst>
-              <a:ext uri="{FF2B5EF4-FFF2-40B4-BE49-F238E27FC236}">
-                <a16:creationId xmlns:a16="http://schemas.microsoft.com/office/drawing/2014/main" id="{29043AA0-00B4-C949-C422-C918D9CA4D75}"/>
-              </a:ext>
-            </a:extLst>
-          </p:cNvPr>
+          <p:cNvPr id="4" name="页脚占位符 3"/>
           <p:cNvSpPr>
             <a:spLocks noGrp="1"/>
           </p:cNvSpPr>
@@ -2343,13 +2282,7 @@
       </p:sp>
       <p:sp>
         <p:nvSpPr>
-          <p:cNvPr id="5" name="灯片编号占位符 4">
-            <a:extLst>
-              <a:ext uri="{FF2B5EF4-FFF2-40B4-BE49-F238E27FC236}">
-                <a16:creationId xmlns:a16="http://schemas.microsoft.com/office/drawing/2014/main" id="{237E0798-E1F4-5BC0-E6C7-E61F15024320}"/>
-              </a:ext>
-            </a:extLst>
-          </p:cNvPr>
+          <p:cNvPr id="5" name="灯片编号占位符 4"/>
           <p:cNvSpPr>
             <a:spLocks noGrp="1"/>
           </p:cNvSpPr>
@@ -2364,18 +2297,12 @@
           <a:p>
             <a:fld id="{1DE5FF4B-6349-4528-A0D0-65AD1842A02D}" type="slidenum">
               <a:rPr lang="zh-CN" altLang="en-US" smtClean="0"/>
-              <a:t>‹#›</a:t>
             </a:fld>
             <a:endParaRPr lang="zh-CN" altLang="en-US"/>
           </a:p>
         </p:txBody>
       </p:sp>
     </p:spTree>
-    <p:extLst>
-      <p:ext uri="{BB962C8B-B14F-4D97-AF65-F5344CB8AC3E}">
-        <p14:creationId xmlns:p14="http://schemas.microsoft.com/office/powerpoint/2010/main" val="2685883229"/>
-      </p:ext>
-    </p:extLst>
   </p:cSld>
   <p:clrMapOvr>
     <a:masterClrMapping/>
@@ -2383,7 +2310,7 @@
 </p:sldLayout>
 </file>
 
-<file path=ppt/slideLayouts/slideLayout7.xml><?xml version="1.0" encoding="utf-8"?>
+<file path=ppt/slideLayouts/slideLayout18.xml><?xml version="1.0" encoding="utf-8"?>
 <p:sldLayout xmlns:a="http://schemas.openxmlformats.org/drawingml/2006/main" xmlns:r="http://schemas.openxmlformats.org/officeDocument/2006/relationships" xmlns:p="http://schemas.openxmlformats.org/presentationml/2006/main" type="blank" preserve="1">
   <p:cSld name="空白">
     <p:spTree>
@@ -2402,13 +2329,7 @@
       </p:grpSpPr>
       <p:sp>
         <p:nvSpPr>
-          <p:cNvPr id="2" name="日期占位符 1">
-            <a:extLst>
-              <a:ext uri="{FF2B5EF4-FFF2-40B4-BE49-F238E27FC236}">
-                <a16:creationId xmlns:a16="http://schemas.microsoft.com/office/drawing/2014/main" id="{D86C0E58-E272-B24E-2763-C450C0050F9A}"/>
-              </a:ext>
-            </a:extLst>
-          </p:cNvPr>
+          <p:cNvPr id="2" name="日期占位符 1"/>
           <p:cNvSpPr>
             <a:spLocks noGrp="1"/>
           </p:cNvSpPr>
@@ -2423,7 +2344,6 @@
           <a:p>
             <a:fld id="{275DC738-563F-4FEF-BC8D-311477083EDF}" type="datetimeFigureOut">
               <a:rPr lang="zh-CN" altLang="en-US" smtClean="0"/>
-              <a:t>2024/6/5</a:t>
             </a:fld>
             <a:endParaRPr lang="zh-CN" altLang="en-US"/>
           </a:p>
@@ -2431,13 +2351,7 @@
       </p:sp>
       <p:sp>
         <p:nvSpPr>
-          <p:cNvPr id="3" name="页脚占位符 2">
-            <a:extLst>
-              <a:ext uri="{FF2B5EF4-FFF2-40B4-BE49-F238E27FC236}">
-                <a16:creationId xmlns:a16="http://schemas.microsoft.com/office/drawing/2014/main" id="{7C85078F-6A29-F04B-9BCD-E5C5C2E242B9}"/>
-              </a:ext>
-            </a:extLst>
-          </p:cNvPr>
+          <p:cNvPr id="3" name="页脚占位符 2"/>
           <p:cNvSpPr>
             <a:spLocks noGrp="1"/>
           </p:cNvSpPr>
@@ -2456,13 +2370,7 @@
       </p:sp>
       <p:sp>
         <p:nvSpPr>
-          <p:cNvPr id="4" name="灯片编号占位符 3">
-            <a:extLst>
-              <a:ext uri="{FF2B5EF4-FFF2-40B4-BE49-F238E27FC236}">
-                <a16:creationId xmlns:a16="http://schemas.microsoft.com/office/drawing/2014/main" id="{80273D7F-81AD-C738-52E0-DA3331F3A7C3}"/>
-              </a:ext>
-            </a:extLst>
-          </p:cNvPr>
+          <p:cNvPr id="4" name="灯片编号占位符 3"/>
           <p:cNvSpPr>
             <a:spLocks noGrp="1"/>
           </p:cNvSpPr>
@@ -2477,18 +2385,12 @@
           <a:p>
             <a:fld id="{1DE5FF4B-6349-4528-A0D0-65AD1842A02D}" type="slidenum">
               <a:rPr lang="zh-CN" altLang="en-US" smtClean="0"/>
-              <a:t>‹#›</a:t>
             </a:fld>
             <a:endParaRPr lang="zh-CN" altLang="en-US"/>
           </a:p>
         </p:txBody>
       </p:sp>
     </p:spTree>
-    <p:extLst>
-      <p:ext uri="{BB962C8B-B14F-4D97-AF65-F5344CB8AC3E}">
-        <p14:creationId xmlns:p14="http://schemas.microsoft.com/office/powerpoint/2010/main" val="3018791253"/>
-      </p:ext>
-    </p:extLst>
   </p:cSld>
   <p:clrMapOvr>
     <a:masterClrMapping/>
@@ -2496,7 +2398,7 @@
 </p:sldLayout>
 </file>
 
-<file path=ppt/slideLayouts/slideLayout8.xml><?xml version="1.0" encoding="utf-8"?>
+<file path=ppt/slideLayouts/slideLayout19.xml><?xml version="1.0" encoding="utf-8"?>
 <p:sldLayout xmlns:a="http://schemas.openxmlformats.org/drawingml/2006/main" xmlns:r="http://schemas.openxmlformats.org/officeDocument/2006/relationships" xmlns:p="http://schemas.openxmlformats.org/presentationml/2006/main" type="objTx" preserve="1">
   <p:cSld name="内容与标题">
     <p:spTree>
@@ -2515,13 +2417,7 @@
       </p:grpSpPr>
       <p:sp>
         <p:nvSpPr>
-          <p:cNvPr id="2" name="标题 1">
-            <a:extLst>
-              <a:ext uri="{FF2B5EF4-FFF2-40B4-BE49-F238E27FC236}">
-                <a16:creationId xmlns:a16="http://schemas.microsoft.com/office/drawing/2014/main" id="{2E60D4CA-CB1E-BD75-013A-4297B40C5232}"/>
-              </a:ext>
-            </a:extLst>
-          </p:cNvPr>
+          <p:cNvPr id="2" name="标题 1"/>
           <p:cNvSpPr>
             <a:spLocks noGrp="1"/>
           </p:cNvSpPr>
@@ -2547,18 +2443,13 @@
               <a:rPr lang="zh-CN" altLang="en-US"/>
               <a:t>单击此处编辑母版标题样式</a:t>
             </a:r>
-          </a:p>
-        </p:txBody>
-      </p:sp>
-      <p:sp>
-        <p:nvSpPr>
-          <p:cNvPr id="3" name="内容占位符 2">
-            <a:extLst>
-              <a:ext uri="{FF2B5EF4-FFF2-40B4-BE49-F238E27FC236}">
-                <a16:creationId xmlns:a16="http://schemas.microsoft.com/office/drawing/2014/main" id="{A5EC80B4-1473-C835-E674-B56657A1A9D7}"/>
-              </a:ext>
-            </a:extLst>
-          </p:cNvPr>
+            <a:endParaRPr lang="zh-CN" altLang="en-US"/>
+          </a:p>
+        </p:txBody>
+      </p:sp>
+      <p:sp>
+        <p:nvSpPr>
+          <p:cNvPr id="3" name="内容占位符 2"/>
           <p:cNvSpPr>
             <a:spLocks noGrp="1"/>
           </p:cNvSpPr>
@@ -2609,6 +2500,7 @@
               <a:rPr lang="zh-CN" altLang="en-US"/>
               <a:t>单击此处编辑母版文本样式</a:t>
             </a:r>
+            <a:endParaRPr lang="zh-CN" altLang="en-US"/>
           </a:p>
           <a:p>
             <a:pPr lvl="1"/>
@@ -2616,6 +2508,7 @@
               <a:rPr lang="zh-CN" altLang="en-US"/>
               <a:t>二级</a:t>
             </a:r>
+            <a:endParaRPr lang="zh-CN" altLang="en-US"/>
           </a:p>
           <a:p>
             <a:pPr lvl="2"/>
@@ -2623,6 +2516,7 @@
               <a:rPr lang="zh-CN" altLang="en-US"/>
               <a:t>三级</a:t>
             </a:r>
+            <a:endParaRPr lang="zh-CN" altLang="en-US"/>
           </a:p>
           <a:p>
             <a:pPr lvl="3"/>
@@ -2630,6 +2524,7 @@
               <a:rPr lang="zh-CN" altLang="en-US"/>
               <a:t>四级</a:t>
             </a:r>
+            <a:endParaRPr lang="zh-CN" altLang="en-US"/>
           </a:p>
           <a:p>
             <a:pPr lvl="4"/>
@@ -2637,18 +2532,13 @@
               <a:rPr lang="zh-CN" altLang="en-US"/>
               <a:t>五级</a:t>
             </a:r>
-          </a:p>
-        </p:txBody>
-      </p:sp>
-      <p:sp>
-        <p:nvSpPr>
-          <p:cNvPr id="4" name="文本占位符 3">
-            <a:extLst>
-              <a:ext uri="{FF2B5EF4-FFF2-40B4-BE49-F238E27FC236}">
-                <a16:creationId xmlns:a16="http://schemas.microsoft.com/office/drawing/2014/main" id="{AD838F3B-7924-CF07-32F0-D904CFB5425E}"/>
-              </a:ext>
-            </a:extLst>
-          </p:cNvPr>
+            <a:endParaRPr lang="zh-CN" altLang="en-US"/>
+          </a:p>
+        </p:txBody>
+      </p:sp>
+      <p:sp>
+        <p:nvSpPr>
+          <p:cNvPr id="4" name="文本占位符 3"/>
           <p:cNvSpPr>
             <a:spLocks noGrp="1"/>
           </p:cNvSpPr>
@@ -2708,18 +2598,13 @@
               <a:rPr lang="zh-CN" altLang="en-US"/>
               <a:t>单击此处编辑母版文本样式</a:t>
             </a:r>
-          </a:p>
-        </p:txBody>
-      </p:sp>
-      <p:sp>
-        <p:nvSpPr>
-          <p:cNvPr id="5" name="日期占位符 4">
-            <a:extLst>
-              <a:ext uri="{FF2B5EF4-FFF2-40B4-BE49-F238E27FC236}">
-                <a16:creationId xmlns:a16="http://schemas.microsoft.com/office/drawing/2014/main" id="{0251B8DE-F070-92E0-C29C-15FC038E5B66}"/>
-              </a:ext>
-            </a:extLst>
-          </p:cNvPr>
+            <a:endParaRPr lang="zh-CN" altLang="en-US"/>
+          </a:p>
+        </p:txBody>
+      </p:sp>
+      <p:sp>
+        <p:nvSpPr>
+          <p:cNvPr id="5" name="日期占位符 4"/>
           <p:cNvSpPr>
             <a:spLocks noGrp="1"/>
           </p:cNvSpPr>
@@ -2734,7 +2619,6 @@
           <a:p>
             <a:fld id="{275DC738-563F-4FEF-BC8D-311477083EDF}" type="datetimeFigureOut">
               <a:rPr lang="zh-CN" altLang="en-US" smtClean="0"/>
-              <a:t>2024/6/5</a:t>
             </a:fld>
             <a:endParaRPr lang="zh-CN" altLang="en-US"/>
           </a:p>
@@ -2742,13 +2626,7 @@
       </p:sp>
       <p:sp>
         <p:nvSpPr>
-          <p:cNvPr id="6" name="页脚占位符 5">
-            <a:extLst>
-              <a:ext uri="{FF2B5EF4-FFF2-40B4-BE49-F238E27FC236}">
-                <a16:creationId xmlns:a16="http://schemas.microsoft.com/office/drawing/2014/main" id="{BF77D474-4A82-E723-B3AB-104B4432EFC8}"/>
-              </a:ext>
-            </a:extLst>
-          </p:cNvPr>
+          <p:cNvPr id="6" name="页脚占位符 5"/>
           <p:cNvSpPr>
             <a:spLocks noGrp="1"/>
           </p:cNvSpPr>
@@ -2767,13 +2645,7 @@
       </p:sp>
       <p:sp>
         <p:nvSpPr>
-          <p:cNvPr id="7" name="灯片编号占位符 6">
-            <a:extLst>
-              <a:ext uri="{FF2B5EF4-FFF2-40B4-BE49-F238E27FC236}">
-                <a16:creationId xmlns:a16="http://schemas.microsoft.com/office/drawing/2014/main" id="{6C6BF928-47FC-A0E5-62A8-42CC312372FF}"/>
-              </a:ext>
-            </a:extLst>
-          </p:cNvPr>
+          <p:cNvPr id="7" name="灯片编号占位符 6"/>
           <p:cNvSpPr>
             <a:spLocks noGrp="1"/>
           </p:cNvSpPr>
@@ -2788,18 +2660,2087 @@
           <a:p>
             <a:fld id="{1DE5FF4B-6349-4528-A0D0-65AD1842A02D}" type="slidenum">
               <a:rPr lang="zh-CN" altLang="en-US" smtClean="0"/>
-              <a:t>‹#›</a:t>
             </a:fld>
             <a:endParaRPr lang="zh-CN" altLang="en-US"/>
           </a:p>
         </p:txBody>
       </p:sp>
     </p:spTree>
-    <p:extLst>
-      <p:ext uri="{BB962C8B-B14F-4D97-AF65-F5344CB8AC3E}">
-        <p14:creationId xmlns:p14="http://schemas.microsoft.com/office/powerpoint/2010/main" val="3236445645"/>
-      </p:ext>
-    </p:extLst>
+  </p:cSld>
+  <p:clrMapOvr>
+    <a:masterClrMapping/>
+  </p:clrMapOvr>
+</p:sldLayout>
+</file>
+
+<file path=ppt/slideLayouts/slideLayout2.xml><?xml version="1.0" encoding="utf-8"?>
+<p:sldLayout xmlns:a="http://schemas.openxmlformats.org/drawingml/2006/main" xmlns:r="http://schemas.openxmlformats.org/officeDocument/2006/relationships" xmlns:p="http://schemas.openxmlformats.org/presentationml/2006/main" type="obj" preserve="1">
+  <p:cSld name="标题和内容">
+    <p:spTree>
+      <p:nvGrpSpPr>
+        <p:cNvPr id="1" name=""/>
+        <p:cNvGrpSpPr/>
+        <p:nvPr/>
+      </p:nvGrpSpPr>
+      <p:grpSpPr>
+        <a:xfrm>
+          <a:off x="0" y="0"/>
+          <a:ext cx="0" cy="0"/>
+          <a:chOff x="0" y="0"/>
+          <a:chExt cx="0" cy="0"/>
+        </a:xfrm>
+      </p:grpSpPr>
+      <p:sp>
+        <p:nvSpPr>
+          <p:cNvPr id="2" name="标题 1"/>
+          <p:cNvSpPr>
+            <a:spLocks noGrp="1"/>
+          </p:cNvSpPr>
+          <p:nvPr>
+            <p:ph type="title"/>
+          </p:nvPr>
+        </p:nvSpPr>
+        <p:spPr/>
+        <p:txBody>
+          <a:bodyPr/>
+          <a:lstStyle/>
+          <a:p>
+            <a:r>
+              <a:rPr lang="zh-CN" altLang="en-US"/>
+              <a:t>单击此处编辑母版标题样式</a:t>
+            </a:r>
+            <a:endParaRPr lang="zh-CN" altLang="en-US"/>
+          </a:p>
+        </p:txBody>
+      </p:sp>
+      <p:sp>
+        <p:nvSpPr>
+          <p:cNvPr id="3" name="内容占位符 2"/>
+          <p:cNvSpPr>
+            <a:spLocks noGrp="1"/>
+          </p:cNvSpPr>
+          <p:nvPr>
+            <p:ph idx="1"/>
+          </p:nvPr>
+        </p:nvSpPr>
+        <p:spPr/>
+        <p:txBody>
+          <a:bodyPr/>
+          <a:lstStyle/>
+          <a:p>
+            <a:pPr lvl="0"/>
+            <a:r>
+              <a:rPr lang="zh-CN" altLang="en-US"/>
+              <a:t>单击此处编辑母版文本样式</a:t>
+            </a:r>
+            <a:endParaRPr lang="zh-CN" altLang="en-US"/>
+          </a:p>
+          <a:p>
+            <a:pPr lvl="1"/>
+            <a:r>
+              <a:rPr lang="zh-CN" altLang="en-US"/>
+              <a:t>二级</a:t>
+            </a:r>
+            <a:endParaRPr lang="zh-CN" altLang="en-US"/>
+          </a:p>
+          <a:p>
+            <a:pPr lvl="2"/>
+            <a:r>
+              <a:rPr lang="zh-CN" altLang="en-US"/>
+              <a:t>三级</a:t>
+            </a:r>
+            <a:endParaRPr lang="zh-CN" altLang="en-US"/>
+          </a:p>
+          <a:p>
+            <a:pPr lvl="3"/>
+            <a:r>
+              <a:rPr lang="zh-CN" altLang="en-US"/>
+              <a:t>四级</a:t>
+            </a:r>
+            <a:endParaRPr lang="zh-CN" altLang="en-US"/>
+          </a:p>
+          <a:p>
+            <a:pPr lvl="4"/>
+            <a:r>
+              <a:rPr lang="zh-CN" altLang="en-US"/>
+              <a:t>五级</a:t>
+            </a:r>
+            <a:endParaRPr lang="zh-CN" altLang="en-US"/>
+          </a:p>
+        </p:txBody>
+      </p:sp>
+      <p:sp>
+        <p:nvSpPr>
+          <p:cNvPr id="4" name="日期占位符 3"/>
+          <p:cNvSpPr>
+            <a:spLocks noGrp="1"/>
+          </p:cNvSpPr>
+          <p:nvPr>
+            <p:ph type="dt" sz="half" idx="10"/>
+          </p:nvPr>
+        </p:nvSpPr>
+        <p:spPr/>
+        <p:txBody>
+          <a:bodyPr/>
+          <a:lstStyle/>
+          <a:p>
+            <a:fld id="{275DC738-563F-4FEF-BC8D-311477083EDF}" type="datetimeFigureOut">
+              <a:rPr lang="zh-CN" altLang="en-US" smtClean="0"/>
+            </a:fld>
+            <a:endParaRPr lang="zh-CN" altLang="en-US"/>
+          </a:p>
+        </p:txBody>
+      </p:sp>
+      <p:sp>
+        <p:nvSpPr>
+          <p:cNvPr id="5" name="页脚占位符 4"/>
+          <p:cNvSpPr>
+            <a:spLocks noGrp="1"/>
+          </p:cNvSpPr>
+          <p:nvPr>
+            <p:ph type="ftr" sz="quarter" idx="11"/>
+          </p:nvPr>
+        </p:nvSpPr>
+        <p:spPr/>
+        <p:txBody>
+          <a:bodyPr/>
+          <a:lstStyle/>
+          <a:p>
+            <a:endParaRPr lang="zh-CN" altLang="en-US"/>
+          </a:p>
+        </p:txBody>
+      </p:sp>
+      <p:sp>
+        <p:nvSpPr>
+          <p:cNvPr id="6" name="灯片编号占位符 5"/>
+          <p:cNvSpPr>
+            <a:spLocks noGrp="1"/>
+          </p:cNvSpPr>
+          <p:nvPr>
+            <p:ph type="sldNum" sz="quarter" idx="12"/>
+          </p:nvPr>
+        </p:nvSpPr>
+        <p:spPr/>
+        <p:txBody>
+          <a:bodyPr/>
+          <a:lstStyle/>
+          <a:p>
+            <a:fld id="{1DE5FF4B-6349-4528-A0D0-65AD1842A02D}" type="slidenum">
+              <a:rPr lang="zh-CN" altLang="en-US" smtClean="0"/>
+            </a:fld>
+            <a:endParaRPr lang="zh-CN" altLang="en-US"/>
+          </a:p>
+        </p:txBody>
+      </p:sp>
+    </p:spTree>
+  </p:cSld>
+  <p:clrMapOvr>
+    <a:masterClrMapping/>
+  </p:clrMapOvr>
+</p:sldLayout>
+</file>
+
+<file path=ppt/slideLayouts/slideLayout20.xml><?xml version="1.0" encoding="utf-8"?>
+<p:sldLayout xmlns:a="http://schemas.openxmlformats.org/drawingml/2006/main" xmlns:r="http://schemas.openxmlformats.org/officeDocument/2006/relationships" xmlns:p="http://schemas.openxmlformats.org/presentationml/2006/main" type="picTx" preserve="1">
+  <p:cSld name="图片与标题">
+    <p:spTree>
+      <p:nvGrpSpPr>
+        <p:cNvPr id="1" name=""/>
+        <p:cNvGrpSpPr/>
+        <p:nvPr/>
+      </p:nvGrpSpPr>
+      <p:grpSpPr>
+        <a:xfrm>
+          <a:off x="0" y="0"/>
+          <a:ext cx="0" cy="0"/>
+          <a:chOff x="0" y="0"/>
+          <a:chExt cx="0" cy="0"/>
+        </a:xfrm>
+      </p:grpSpPr>
+      <p:sp>
+        <p:nvSpPr>
+          <p:cNvPr id="2" name="标题 1"/>
+          <p:cNvSpPr>
+            <a:spLocks noGrp="1"/>
+          </p:cNvSpPr>
+          <p:nvPr>
+            <p:ph type="title"/>
+          </p:nvPr>
+        </p:nvSpPr>
+        <p:spPr>
+          <a:xfrm>
+            <a:off x="839788" y="457200"/>
+            <a:ext cx="3932237" cy="1600200"/>
+          </a:xfrm>
+        </p:spPr>
+        <p:txBody>
+          <a:bodyPr anchor="b"/>
+          <a:lstStyle>
+            <a:lvl1pPr>
+              <a:defRPr sz="3200"/>
+            </a:lvl1pPr>
+          </a:lstStyle>
+          <a:p>
+            <a:r>
+              <a:rPr lang="zh-CN" altLang="en-US"/>
+              <a:t>单击此处编辑母版标题样式</a:t>
+            </a:r>
+            <a:endParaRPr lang="zh-CN" altLang="en-US"/>
+          </a:p>
+        </p:txBody>
+      </p:sp>
+      <p:sp>
+        <p:nvSpPr>
+          <p:cNvPr id="3" name="图片占位符 2"/>
+          <p:cNvSpPr>
+            <a:spLocks noGrp="1"/>
+          </p:cNvSpPr>
+          <p:nvPr>
+            <p:ph type="pic" idx="1"/>
+          </p:nvPr>
+        </p:nvSpPr>
+        <p:spPr>
+          <a:xfrm>
+            <a:off x="5183188" y="987425"/>
+            <a:ext cx="6172200" cy="4873625"/>
+          </a:xfrm>
+        </p:spPr>
+        <p:txBody>
+          <a:bodyPr/>
+          <a:lstStyle>
+            <a:lvl1pPr marL="0" indent="0">
+              <a:buNone/>
+              <a:defRPr sz="3200"/>
+            </a:lvl1pPr>
+            <a:lvl2pPr marL="457200" indent="0">
+              <a:buNone/>
+              <a:defRPr sz="2800"/>
+            </a:lvl2pPr>
+            <a:lvl3pPr marL="914400" indent="0">
+              <a:buNone/>
+              <a:defRPr sz="2400"/>
+            </a:lvl3pPr>
+            <a:lvl4pPr marL="1371600" indent="0">
+              <a:buNone/>
+              <a:defRPr sz="2000"/>
+            </a:lvl4pPr>
+            <a:lvl5pPr marL="1828800" indent="0">
+              <a:buNone/>
+              <a:defRPr sz="2000"/>
+            </a:lvl5pPr>
+            <a:lvl6pPr marL="2286000" indent="0">
+              <a:buNone/>
+              <a:defRPr sz="2000"/>
+            </a:lvl6pPr>
+            <a:lvl7pPr marL="2743200" indent="0">
+              <a:buNone/>
+              <a:defRPr sz="2000"/>
+            </a:lvl7pPr>
+            <a:lvl8pPr marL="3200400" indent="0">
+              <a:buNone/>
+              <a:defRPr sz="2000"/>
+            </a:lvl8pPr>
+            <a:lvl9pPr marL="3657600" indent="0">
+              <a:buNone/>
+              <a:defRPr sz="2000"/>
+            </a:lvl9pPr>
+          </a:lstStyle>
+          <a:p>
+            <a:endParaRPr lang="zh-CN" altLang="en-US"/>
+          </a:p>
+        </p:txBody>
+      </p:sp>
+      <p:sp>
+        <p:nvSpPr>
+          <p:cNvPr id="4" name="文本占位符 3"/>
+          <p:cNvSpPr>
+            <a:spLocks noGrp="1"/>
+          </p:cNvSpPr>
+          <p:nvPr>
+            <p:ph type="body" sz="half" idx="2"/>
+          </p:nvPr>
+        </p:nvSpPr>
+        <p:spPr>
+          <a:xfrm>
+            <a:off x="839788" y="2057400"/>
+            <a:ext cx="3932237" cy="3811588"/>
+          </a:xfrm>
+        </p:spPr>
+        <p:txBody>
+          <a:bodyPr/>
+          <a:lstStyle>
+            <a:lvl1pPr marL="0" indent="0">
+              <a:buNone/>
+              <a:defRPr sz="1600"/>
+            </a:lvl1pPr>
+            <a:lvl2pPr marL="457200" indent="0">
+              <a:buNone/>
+              <a:defRPr sz="1400"/>
+            </a:lvl2pPr>
+            <a:lvl3pPr marL="914400" indent="0">
+              <a:buNone/>
+              <a:defRPr sz="1200"/>
+            </a:lvl3pPr>
+            <a:lvl4pPr marL="1371600" indent="0">
+              <a:buNone/>
+              <a:defRPr sz="1000"/>
+            </a:lvl4pPr>
+            <a:lvl5pPr marL="1828800" indent="0">
+              <a:buNone/>
+              <a:defRPr sz="1000"/>
+            </a:lvl5pPr>
+            <a:lvl6pPr marL="2286000" indent="0">
+              <a:buNone/>
+              <a:defRPr sz="1000"/>
+            </a:lvl6pPr>
+            <a:lvl7pPr marL="2743200" indent="0">
+              <a:buNone/>
+              <a:defRPr sz="1000"/>
+            </a:lvl7pPr>
+            <a:lvl8pPr marL="3200400" indent="0">
+              <a:buNone/>
+              <a:defRPr sz="1000"/>
+            </a:lvl8pPr>
+            <a:lvl9pPr marL="3657600" indent="0">
+              <a:buNone/>
+              <a:defRPr sz="1000"/>
+            </a:lvl9pPr>
+          </a:lstStyle>
+          <a:p>
+            <a:pPr lvl="0"/>
+            <a:r>
+              <a:rPr lang="zh-CN" altLang="en-US"/>
+              <a:t>单击此处编辑母版文本样式</a:t>
+            </a:r>
+            <a:endParaRPr lang="zh-CN" altLang="en-US"/>
+          </a:p>
+        </p:txBody>
+      </p:sp>
+      <p:sp>
+        <p:nvSpPr>
+          <p:cNvPr id="5" name="日期占位符 4"/>
+          <p:cNvSpPr>
+            <a:spLocks noGrp="1"/>
+          </p:cNvSpPr>
+          <p:nvPr>
+            <p:ph type="dt" sz="half" idx="10"/>
+          </p:nvPr>
+        </p:nvSpPr>
+        <p:spPr/>
+        <p:txBody>
+          <a:bodyPr/>
+          <a:lstStyle/>
+          <a:p>
+            <a:fld id="{275DC738-563F-4FEF-BC8D-311477083EDF}" type="datetimeFigureOut">
+              <a:rPr lang="zh-CN" altLang="en-US" smtClean="0"/>
+            </a:fld>
+            <a:endParaRPr lang="zh-CN" altLang="en-US"/>
+          </a:p>
+        </p:txBody>
+      </p:sp>
+      <p:sp>
+        <p:nvSpPr>
+          <p:cNvPr id="6" name="页脚占位符 5"/>
+          <p:cNvSpPr>
+            <a:spLocks noGrp="1"/>
+          </p:cNvSpPr>
+          <p:nvPr>
+            <p:ph type="ftr" sz="quarter" idx="11"/>
+          </p:nvPr>
+        </p:nvSpPr>
+        <p:spPr/>
+        <p:txBody>
+          <a:bodyPr/>
+          <a:lstStyle/>
+          <a:p>
+            <a:endParaRPr lang="zh-CN" altLang="en-US"/>
+          </a:p>
+        </p:txBody>
+      </p:sp>
+      <p:sp>
+        <p:nvSpPr>
+          <p:cNvPr id="7" name="灯片编号占位符 6"/>
+          <p:cNvSpPr>
+            <a:spLocks noGrp="1"/>
+          </p:cNvSpPr>
+          <p:nvPr>
+            <p:ph type="sldNum" sz="quarter" idx="12"/>
+          </p:nvPr>
+        </p:nvSpPr>
+        <p:spPr/>
+        <p:txBody>
+          <a:bodyPr/>
+          <a:lstStyle/>
+          <a:p>
+            <a:fld id="{1DE5FF4B-6349-4528-A0D0-65AD1842A02D}" type="slidenum">
+              <a:rPr lang="zh-CN" altLang="en-US" smtClean="0"/>
+            </a:fld>
+            <a:endParaRPr lang="zh-CN" altLang="en-US"/>
+          </a:p>
+        </p:txBody>
+      </p:sp>
+    </p:spTree>
+  </p:cSld>
+  <p:clrMapOvr>
+    <a:masterClrMapping/>
+  </p:clrMapOvr>
+</p:sldLayout>
+</file>
+
+<file path=ppt/slideLayouts/slideLayout21.xml><?xml version="1.0" encoding="utf-8"?>
+<p:sldLayout xmlns:a="http://schemas.openxmlformats.org/drawingml/2006/main" xmlns:r="http://schemas.openxmlformats.org/officeDocument/2006/relationships" xmlns:p="http://schemas.openxmlformats.org/presentationml/2006/main" type="vertTx" preserve="1">
+  <p:cSld name="标题和竖排文字">
+    <p:spTree>
+      <p:nvGrpSpPr>
+        <p:cNvPr id="1" name=""/>
+        <p:cNvGrpSpPr/>
+        <p:nvPr/>
+      </p:nvGrpSpPr>
+      <p:grpSpPr>
+        <a:xfrm>
+          <a:off x="0" y="0"/>
+          <a:ext cx="0" cy="0"/>
+          <a:chOff x="0" y="0"/>
+          <a:chExt cx="0" cy="0"/>
+        </a:xfrm>
+      </p:grpSpPr>
+      <p:sp>
+        <p:nvSpPr>
+          <p:cNvPr id="2" name="标题 1"/>
+          <p:cNvSpPr>
+            <a:spLocks noGrp="1"/>
+          </p:cNvSpPr>
+          <p:nvPr>
+            <p:ph type="title"/>
+          </p:nvPr>
+        </p:nvSpPr>
+        <p:spPr/>
+        <p:txBody>
+          <a:bodyPr/>
+          <a:lstStyle/>
+          <a:p>
+            <a:r>
+              <a:rPr lang="zh-CN" altLang="en-US"/>
+              <a:t>单击此处编辑母版标题样式</a:t>
+            </a:r>
+            <a:endParaRPr lang="zh-CN" altLang="en-US"/>
+          </a:p>
+        </p:txBody>
+      </p:sp>
+      <p:sp>
+        <p:nvSpPr>
+          <p:cNvPr id="3" name="竖排文字占位符 2"/>
+          <p:cNvSpPr>
+            <a:spLocks noGrp="1"/>
+          </p:cNvSpPr>
+          <p:nvPr>
+            <p:ph type="body" orient="vert" idx="1"/>
+          </p:nvPr>
+        </p:nvSpPr>
+        <p:spPr/>
+        <p:txBody>
+          <a:bodyPr vert="eaVert"/>
+          <a:lstStyle/>
+          <a:p>
+            <a:pPr lvl="0"/>
+            <a:r>
+              <a:rPr lang="zh-CN" altLang="en-US"/>
+              <a:t>单击此处编辑母版文本样式</a:t>
+            </a:r>
+            <a:endParaRPr lang="zh-CN" altLang="en-US"/>
+          </a:p>
+          <a:p>
+            <a:pPr lvl="1"/>
+            <a:r>
+              <a:rPr lang="zh-CN" altLang="en-US"/>
+              <a:t>二级</a:t>
+            </a:r>
+            <a:endParaRPr lang="zh-CN" altLang="en-US"/>
+          </a:p>
+          <a:p>
+            <a:pPr lvl="2"/>
+            <a:r>
+              <a:rPr lang="zh-CN" altLang="en-US"/>
+              <a:t>三级</a:t>
+            </a:r>
+            <a:endParaRPr lang="zh-CN" altLang="en-US"/>
+          </a:p>
+          <a:p>
+            <a:pPr lvl="3"/>
+            <a:r>
+              <a:rPr lang="zh-CN" altLang="en-US"/>
+              <a:t>四级</a:t>
+            </a:r>
+            <a:endParaRPr lang="zh-CN" altLang="en-US"/>
+          </a:p>
+          <a:p>
+            <a:pPr lvl="4"/>
+            <a:r>
+              <a:rPr lang="zh-CN" altLang="en-US"/>
+              <a:t>五级</a:t>
+            </a:r>
+            <a:endParaRPr lang="zh-CN" altLang="en-US"/>
+          </a:p>
+        </p:txBody>
+      </p:sp>
+      <p:sp>
+        <p:nvSpPr>
+          <p:cNvPr id="4" name="日期占位符 3"/>
+          <p:cNvSpPr>
+            <a:spLocks noGrp="1"/>
+          </p:cNvSpPr>
+          <p:nvPr>
+            <p:ph type="dt" sz="half" idx="10"/>
+          </p:nvPr>
+        </p:nvSpPr>
+        <p:spPr/>
+        <p:txBody>
+          <a:bodyPr/>
+          <a:lstStyle/>
+          <a:p>
+            <a:fld id="{275DC738-563F-4FEF-BC8D-311477083EDF}" type="datetimeFigureOut">
+              <a:rPr lang="zh-CN" altLang="en-US" smtClean="0"/>
+            </a:fld>
+            <a:endParaRPr lang="zh-CN" altLang="en-US"/>
+          </a:p>
+        </p:txBody>
+      </p:sp>
+      <p:sp>
+        <p:nvSpPr>
+          <p:cNvPr id="5" name="页脚占位符 4"/>
+          <p:cNvSpPr>
+            <a:spLocks noGrp="1"/>
+          </p:cNvSpPr>
+          <p:nvPr>
+            <p:ph type="ftr" sz="quarter" idx="11"/>
+          </p:nvPr>
+        </p:nvSpPr>
+        <p:spPr/>
+        <p:txBody>
+          <a:bodyPr/>
+          <a:lstStyle/>
+          <a:p>
+            <a:endParaRPr lang="zh-CN" altLang="en-US"/>
+          </a:p>
+        </p:txBody>
+      </p:sp>
+      <p:sp>
+        <p:nvSpPr>
+          <p:cNvPr id="6" name="灯片编号占位符 5"/>
+          <p:cNvSpPr>
+            <a:spLocks noGrp="1"/>
+          </p:cNvSpPr>
+          <p:nvPr>
+            <p:ph type="sldNum" sz="quarter" idx="12"/>
+          </p:nvPr>
+        </p:nvSpPr>
+        <p:spPr/>
+        <p:txBody>
+          <a:bodyPr/>
+          <a:lstStyle/>
+          <a:p>
+            <a:fld id="{1DE5FF4B-6349-4528-A0D0-65AD1842A02D}" type="slidenum">
+              <a:rPr lang="zh-CN" altLang="en-US" smtClean="0"/>
+            </a:fld>
+            <a:endParaRPr lang="zh-CN" altLang="en-US"/>
+          </a:p>
+        </p:txBody>
+      </p:sp>
+    </p:spTree>
+  </p:cSld>
+  <p:clrMapOvr>
+    <a:masterClrMapping/>
+  </p:clrMapOvr>
+</p:sldLayout>
+</file>
+
+<file path=ppt/slideLayouts/slideLayout22.xml><?xml version="1.0" encoding="utf-8"?>
+<p:sldLayout xmlns:a="http://schemas.openxmlformats.org/drawingml/2006/main" xmlns:r="http://schemas.openxmlformats.org/officeDocument/2006/relationships" xmlns:p="http://schemas.openxmlformats.org/presentationml/2006/main" type="vertTitleAndTx" preserve="1">
+  <p:cSld name="竖排标题与文本">
+    <p:spTree>
+      <p:nvGrpSpPr>
+        <p:cNvPr id="1" name=""/>
+        <p:cNvGrpSpPr/>
+        <p:nvPr/>
+      </p:nvGrpSpPr>
+      <p:grpSpPr>
+        <a:xfrm>
+          <a:off x="0" y="0"/>
+          <a:ext cx="0" cy="0"/>
+          <a:chOff x="0" y="0"/>
+          <a:chExt cx="0" cy="0"/>
+        </a:xfrm>
+      </p:grpSpPr>
+      <p:sp>
+        <p:nvSpPr>
+          <p:cNvPr id="2" name="竖排标题 1"/>
+          <p:cNvSpPr>
+            <a:spLocks noGrp="1"/>
+          </p:cNvSpPr>
+          <p:nvPr>
+            <p:ph type="title" orient="vert"/>
+          </p:nvPr>
+        </p:nvSpPr>
+        <p:spPr>
+          <a:xfrm>
+            <a:off x="8724900" y="365125"/>
+            <a:ext cx="2628900" cy="5811838"/>
+          </a:xfrm>
+        </p:spPr>
+        <p:txBody>
+          <a:bodyPr vert="eaVert"/>
+          <a:lstStyle/>
+          <a:p>
+            <a:r>
+              <a:rPr lang="zh-CN" altLang="en-US"/>
+              <a:t>单击此处编辑母版标题样式</a:t>
+            </a:r>
+            <a:endParaRPr lang="zh-CN" altLang="en-US"/>
+          </a:p>
+        </p:txBody>
+      </p:sp>
+      <p:sp>
+        <p:nvSpPr>
+          <p:cNvPr id="3" name="竖排文字占位符 2"/>
+          <p:cNvSpPr>
+            <a:spLocks noGrp="1"/>
+          </p:cNvSpPr>
+          <p:nvPr>
+            <p:ph type="body" orient="vert" idx="1"/>
+          </p:nvPr>
+        </p:nvSpPr>
+        <p:spPr>
+          <a:xfrm>
+            <a:off x="838200" y="365125"/>
+            <a:ext cx="7734300" cy="5811838"/>
+          </a:xfrm>
+        </p:spPr>
+        <p:txBody>
+          <a:bodyPr vert="eaVert"/>
+          <a:lstStyle/>
+          <a:p>
+            <a:pPr lvl="0"/>
+            <a:r>
+              <a:rPr lang="zh-CN" altLang="en-US"/>
+              <a:t>单击此处编辑母版文本样式</a:t>
+            </a:r>
+            <a:endParaRPr lang="zh-CN" altLang="en-US"/>
+          </a:p>
+          <a:p>
+            <a:pPr lvl="1"/>
+            <a:r>
+              <a:rPr lang="zh-CN" altLang="en-US"/>
+              <a:t>二级</a:t>
+            </a:r>
+            <a:endParaRPr lang="zh-CN" altLang="en-US"/>
+          </a:p>
+          <a:p>
+            <a:pPr lvl="2"/>
+            <a:r>
+              <a:rPr lang="zh-CN" altLang="en-US"/>
+              <a:t>三级</a:t>
+            </a:r>
+            <a:endParaRPr lang="zh-CN" altLang="en-US"/>
+          </a:p>
+          <a:p>
+            <a:pPr lvl="3"/>
+            <a:r>
+              <a:rPr lang="zh-CN" altLang="en-US"/>
+              <a:t>四级</a:t>
+            </a:r>
+            <a:endParaRPr lang="zh-CN" altLang="en-US"/>
+          </a:p>
+          <a:p>
+            <a:pPr lvl="4"/>
+            <a:r>
+              <a:rPr lang="zh-CN" altLang="en-US"/>
+              <a:t>五级</a:t>
+            </a:r>
+            <a:endParaRPr lang="zh-CN" altLang="en-US"/>
+          </a:p>
+        </p:txBody>
+      </p:sp>
+      <p:sp>
+        <p:nvSpPr>
+          <p:cNvPr id="4" name="日期占位符 3"/>
+          <p:cNvSpPr>
+            <a:spLocks noGrp="1"/>
+          </p:cNvSpPr>
+          <p:nvPr>
+            <p:ph type="dt" sz="half" idx="10"/>
+          </p:nvPr>
+        </p:nvSpPr>
+        <p:spPr/>
+        <p:txBody>
+          <a:bodyPr/>
+          <a:lstStyle/>
+          <a:p>
+            <a:fld id="{275DC738-563F-4FEF-BC8D-311477083EDF}" type="datetimeFigureOut">
+              <a:rPr lang="zh-CN" altLang="en-US" smtClean="0"/>
+            </a:fld>
+            <a:endParaRPr lang="zh-CN" altLang="en-US"/>
+          </a:p>
+        </p:txBody>
+      </p:sp>
+      <p:sp>
+        <p:nvSpPr>
+          <p:cNvPr id="5" name="页脚占位符 4"/>
+          <p:cNvSpPr>
+            <a:spLocks noGrp="1"/>
+          </p:cNvSpPr>
+          <p:nvPr>
+            <p:ph type="ftr" sz="quarter" idx="11"/>
+          </p:nvPr>
+        </p:nvSpPr>
+        <p:spPr/>
+        <p:txBody>
+          <a:bodyPr/>
+          <a:lstStyle/>
+          <a:p>
+            <a:endParaRPr lang="zh-CN" altLang="en-US"/>
+          </a:p>
+        </p:txBody>
+      </p:sp>
+      <p:sp>
+        <p:nvSpPr>
+          <p:cNvPr id="6" name="灯片编号占位符 5"/>
+          <p:cNvSpPr>
+            <a:spLocks noGrp="1"/>
+          </p:cNvSpPr>
+          <p:nvPr>
+            <p:ph type="sldNum" sz="quarter" idx="12"/>
+          </p:nvPr>
+        </p:nvSpPr>
+        <p:spPr/>
+        <p:txBody>
+          <a:bodyPr/>
+          <a:lstStyle/>
+          <a:p>
+            <a:fld id="{1DE5FF4B-6349-4528-A0D0-65AD1842A02D}" type="slidenum">
+              <a:rPr lang="zh-CN" altLang="en-US" smtClean="0"/>
+            </a:fld>
+            <a:endParaRPr lang="zh-CN" altLang="en-US"/>
+          </a:p>
+        </p:txBody>
+      </p:sp>
+    </p:spTree>
+  </p:cSld>
+  <p:clrMapOvr>
+    <a:masterClrMapping/>
+  </p:clrMapOvr>
+</p:sldLayout>
+</file>
+
+<file path=ppt/slideLayouts/slideLayout3.xml><?xml version="1.0" encoding="utf-8"?>
+<p:sldLayout xmlns:a="http://schemas.openxmlformats.org/drawingml/2006/main" xmlns:r="http://schemas.openxmlformats.org/officeDocument/2006/relationships" xmlns:p="http://schemas.openxmlformats.org/presentationml/2006/main" type="secHead" preserve="1">
+  <p:cSld name="节标题">
+    <p:spTree>
+      <p:nvGrpSpPr>
+        <p:cNvPr id="1" name=""/>
+        <p:cNvGrpSpPr/>
+        <p:nvPr/>
+      </p:nvGrpSpPr>
+      <p:grpSpPr>
+        <a:xfrm>
+          <a:off x="0" y="0"/>
+          <a:ext cx="0" cy="0"/>
+          <a:chOff x="0" y="0"/>
+          <a:chExt cx="0" cy="0"/>
+        </a:xfrm>
+      </p:grpSpPr>
+      <p:sp>
+        <p:nvSpPr>
+          <p:cNvPr id="2" name="标题 1"/>
+          <p:cNvSpPr>
+            <a:spLocks noGrp="1"/>
+          </p:cNvSpPr>
+          <p:nvPr>
+            <p:ph type="title"/>
+          </p:nvPr>
+        </p:nvSpPr>
+        <p:spPr>
+          <a:xfrm>
+            <a:off x="831850" y="1709738"/>
+            <a:ext cx="10515600" cy="2852737"/>
+          </a:xfrm>
+        </p:spPr>
+        <p:txBody>
+          <a:bodyPr anchor="b"/>
+          <a:lstStyle>
+            <a:lvl1pPr>
+              <a:defRPr sz="6000"/>
+            </a:lvl1pPr>
+          </a:lstStyle>
+          <a:p>
+            <a:r>
+              <a:rPr lang="zh-CN" altLang="en-US"/>
+              <a:t>单击此处编辑母版标题样式</a:t>
+            </a:r>
+            <a:endParaRPr lang="zh-CN" altLang="en-US"/>
+          </a:p>
+        </p:txBody>
+      </p:sp>
+      <p:sp>
+        <p:nvSpPr>
+          <p:cNvPr id="3" name="文本占位符 2"/>
+          <p:cNvSpPr>
+            <a:spLocks noGrp="1"/>
+          </p:cNvSpPr>
+          <p:nvPr>
+            <p:ph type="body" idx="1"/>
+          </p:nvPr>
+        </p:nvSpPr>
+        <p:spPr>
+          <a:xfrm>
+            <a:off x="831850" y="4589463"/>
+            <a:ext cx="10515600" cy="1500187"/>
+          </a:xfrm>
+        </p:spPr>
+        <p:txBody>
+          <a:bodyPr/>
+          <a:lstStyle>
+            <a:lvl1pPr marL="0" indent="0">
+              <a:buNone/>
+              <a:defRPr sz="2400">
+                <a:solidFill>
+                  <a:schemeClr val="tx1">
+                    <a:tint val="75000"/>
+                  </a:schemeClr>
+                </a:solidFill>
+              </a:defRPr>
+            </a:lvl1pPr>
+            <a:lvl2pPr marL="457200" indent="0">
+              <a:buNone/>
+              <a:defRPr sz="2000">
+                <a:solidFill>
+                  <a:schemeClr val="tx1">
+                    <a:tint val="75000"/>
+                  </a:schemeClr>
+                </a:solidFill>
+              </a:defRPr>
+            </a:lvl2pPr>
+            <a:lvl3pPr marL="914400" indent="0">
+              <a:buNone/>
+              <a:defRPr sz="1800">
+                <a:solidFill>
+                  <a:schemeClr val="tx1">
+                    <a:tint val="75000"/>
+                  </a:schemeClr>
+                </a:solidFill>
+              </a:defRPr>
+            </a:lvl3pPr>
+            <a:lvl4pPr marL="1371600" indent="0">
+              <a:buNone/>
+              <a:defRPr sz="1600">
+                <a:solidFill>
+                  <a:schemeClr val="tx1">
+                    <a:tint val="75000"/>
+                  </a:schemeClr>
+                </a:solidFill>
+              </a:defRPr>
+            </a:lvl4pPr>
+            <a:lvl5pPr marL="1828800" indent="0">
+              <a:buNone/>
+              <a:defRPr sz="1600">
+                <a:solidFill>
+                  <a:schemeClr val="tx1">
+                    <a:tint val="75000"/>
+                  </a:schemeClr>
+                </a:solidFill>
+              </a:defRPr>
+            </a:lvl5pPr>
+            <a:lvl6pPr marL="2286000" indent="0">
+              <a:buNone/>
+              <a:defRPr sz="1600">
+                <a:solidFill>
+                  <a:schemeClr val="tx1">
+                    <a:tint val="75000"/>
+                  </a:schemeClr>
+                </a:solidFill>
+              </a:defRPr>
+            </a:lvl6pPr>
+            <a:lvl7pPr marL="2743200" indent="0">
+              <a:buNone/>
+              <a:defRPr sz="1600">
+                <a:solidFill>
+                  <a:schemeClr val="tx1">
+                    <a:tint val="75000"/>
+                  </a:schemeClr>
+                </a:solidFill>
+              </a:defRPr>
+            </a:lvl7pPr>
+            <a:lvl8pPr marL="3200400" indent="0">
+              <a:buNone/>
+              <a:defRPr sz="1600">
+                <a:solidFill>
+                  <a:schemeClr val="tx1">
+                    <a:tint val="75000"/>
+                  </a:schemeClr>
+                </a:solidFill>
+              </a:defRPr>
+            </a:lvl8pPr>
+            <a:lvl9pPr marL="3657600" indent="0">
+              <a:buNone/>
+              <a:defRPr sz="1600">
+                <a:solidFill>
+                  <a:schemeClr val="tx1">
+                    <a:tint val="75000"/>
+                  </a:schemeClr>
+                </a:solidFill>
+              </a:defRPr>
+            </a:lvl9pPr>
+          </a:lstStyle>
+          <a:p>
+            <a:pPr lvl="0"/>
+            <a:r>
+              <a:rPr lang="zh-CN" altLang="en-US"/>
+              <a:t>单击此处编辑母版文本样式</a:t>
+            </a:r>
+            <a:endParaRPr lang="zh-CN" altLang="en-US"/>
+          </a:p>
+        </p:txBody>
+      </p:sp>
+      <p:sp>
+        <p:nvSpPr>
+          <p:cNvPr id="4" name="日期占位符 3"/>
+          <p:cNvSpPr>
+            <a:spLocks noGrp="1"/>
+          </p:cNvSpPr>
+          <p:nvPr>
+            <p:ph type="dt" sz="half" idx="10"/>
+          </p:nvPr>
+        </p:nvSpPr>
+        <p:spPr/>
+        <p:txBody>
+          <a:bodyPr/>
+          <a:lstStyle/>
+          <a:p>
+            <a:fld id="{275DC738-563F-4FEF-BC8D-311477083EDF}" type="datetimeFigureOut">
+              <a:rPr lang="zh-CN" altLang="en-US" smtClean="0"/>
+            </a:fld>
+            <a:endParaRPr lang="zh-CN" altLang="en-US"/>
+          </a:p>
+        </p:txBody>
+      </p:sp>
+      <p:sp>
+        <p:nvSpPr>
+          <p:cNvPr id="5" name="页脚占位符 4"/>
+          <p:cNvSpPr>
+            <a:spLocks noGrp="1"/>
+          </p:cNvSpPr>
+          <p:nvPr>
+            <p:ph type="ftr" sz="quarter" idx="11"/>
+          </p:nvPr>
+        </p:nvSpPr>
+        <p:spPr/>
+        <p:txBody>
+          <a:bodyPr/>
+          <a:lstStyle/>
+          <a:p>
+            <a:endParaRPr lang="zh-CN" altLang="en-US"/>
+          </a:p>
+        </p:txBody>
+      </p:sp>
+      <p:sp>
+        <p:nvSpPr>
+          <p:cNvPr id="6" name="灯片编号占位符 5"/>
+          <p:cNvSpPr>
+            <a:spLocks noGrp="1"/>
+          </p:cNvSpPr>
+          <p:nvPr>
+            <p:ph type="sldNum" sz="quarter" idx="12"/>
+          </p:nvPr>
+        </p:nvSpPr>
+        <p:spPr/>
+        <p:txBody>
+          <a:bodyPr/>
+          <a:lstStyle/>
+          <a:p>
+            <a:fld id="{1DE5FF4B-6349-4528-A0D0-65AD1842A02D}" type="slidenum">
+              <a:rPr lang="zh-CN" altLang="en-US" smtClean="0"/>
+            </a:fld>
+            <a:endParaRPr lang="zh-CN" altLang="en-US"/>
+          </a:p>
+        </p:txBody>
+      </p:sp>
+    </p:spTree>
+  </p:cSld>
+  <p:clrMapOvr>
+    <a:masterClrMapping/>
+  </p:clrMapOvr>
+</p:sldLayout>
+</file>
+
+<file path=ppt/slideLayouts/slideLayout4.xml><?xml version="1.0" encoding="utf-8"?>
+<p:sldLayout xmlns:a="http://schemas.openxmlformats.org/drawingml/2006/main" xmlns:r="http://schemas.openxmlformats.org/officeDocument/2006/relationships" xmlns:p="http://schemas.openxmlformats.org/presentationml/2006/main" type="twoObj" preserve="1">
+  <p:cSld name="两栏内容">
+    <p:spTree>
+      <p:nvGrpSpPr>
+        <p:cNvPr id="1" name=""/>
+        <p:cNvGrpSpPr/>
+        <p:nvPr/>
+      </p:nvGrpSpPr>
+      <p:grpSpPr>
+        <a:xfrm>
+          <a:off x="0" y="0"/>
+          <a:ext cx="0" cy="0"/>
+          <a:chOff x="0" y="0"/>
+          <a:chExt cx="0" cy="0"/>
+        </a:xfrm>
+      </p:grpSpPr>
+      <p:sp>
+        <p:nvSpPr>
+          <p:cNvPr id="2" name="标题 1"/>
+          <p:cNvSpPr>
+            <a:spLocks noGrp="1"/>
+          </p:cNvSpPr>
+          <p:nvPr>
+            <p:ph type="title"/>
+          </p:nvPr>
+        </p:nvSpPr>
+        <p:spPr/>
+        <p:txBody>
+          <a:bodyPr/>
+          <a:lstStyle/>
+          <a:p>
+            <a:r>
+              <a:rPr lang="zh-CN" altLang="en-US"/>
+              <a:t>单击此处编辑母版标题样式</a:t>
+            </a:r>
+            <a:endParaRPr lang="zh-CN" altLang="en-US"/>
+          </a:p>
+        </p:txBody>
+      </p:sp>
+      <p:sp>
+        <p:nvSpPr>
+          <p:cNvPr id="3" name="内容占位符 2"/>
+          <p:cNvSpPr>
+            <a:spLocks noGrp="1"/>
+          </p:cNvSpPr>
+          <p:nvPr>
+            <p:ph sz="half" idx="1"/>
+          </p:nvPr>
+        </p:nvSpPr>
+        <p:spPr>
+          <a:xfrm>
+            <a:off x="838200" y="1825625"/>
+            <a:ext cx="5181600" cy="4351338"/>
+          </a:xfrm>
+        </p:spPr>
+        <p:txBody>
+          <a:bodyPr/>
+          <a:lstStyle/>
+          <a:p>
+            <a:pPr lvl="0"/>
+            <a:r>
+              <a:rPr lang="zh-CN" altLang="en-US"/>
+              <a:t>单击此处编辑母版文本样式</a:t>
+            </a:r>
+            <a:endParaRPr lang="zh-CN" altLang="en-US"/>
+          </a:p>
+          <a:p>
+            <a:pPr lvl="1"/>
+            <a:r>
+              <a:rPr lang="zh-CN" altLang="en-US"/>
+              <a:t>二级</a:t>
+            </a:r>
+            <a:endParaRPr lang="zh-CN" altLang="en-US"/>
+          </a:p>
+          <a:p>
+            <a:pPr lvl="2"/>
+            <a:r>
+              <a:rPr lang="zh-CN" altLang="en-US"/>
+              <a:t>三级</a:t>
+            </a:r>
+            <a:endParaRPr lang="zh-CN" altLang="en-US"/>
+          </a:p>
+          <a:p>
+            <a:pPr lvl="3"/>
+            <a:r>
+              <a:rPr lang="zh-CN" altLang="en-US"/>
+              <a:t>四级</a:t>
+            </a:r>
+            <a:endParaRPr lang="zh-CN" altLang="en-US"/>
+          </a:p>
+          <a:p>
+            <a:pPr lvl="4"/>
+            <a:r>
+              <a:rPr lang="zh-CN" altLang="en-US"/>
+              <a:t>五级</a:t>
+            </a:r>
+            <a:endParaRPr lang="zh-CN" altLang="en-US"/>
+          </a:p>
+        </p:txBody>
+      </p:sp>
+      <p:sp>
+        <p:nvSpPr>
+          <p:cNvPr id="4" name="内容占位符 3"/>
+          <p:cNvSpPr>
+            <a:spLocks noGrp="1"/>
+          </p:cNvSpPr>
+          <p:nvPr>
+            <p:ph sz="half" idx="2"/>
+          </p:nvPr>
+        </p:nvSpPr>
+        <p:spPr>
+          <a:xfrm>
+            <a:off x="6172200" y="1825625"/>
+            <a:ext cx="5181600" cy="4351338"/>
+          </a:xfrm>
+        </p:spPr>
+        <p:txBody>
+          <a:bodyPr/>
+          <a:lstStyle/>
+          <a:p>
+            <a:pPr lvl="0"/>
+            <a:r>
+              <a:rPr lang="zh-CN" altLang="en-US"/>
+              <a:t>单击此处编辑母版文本样式</a:t>
+            </a:r>
+            <a:endParaRPr lang="zh-CN" altLang="en-US"/>
+          </a:p>
+          <a:p>
+            <a:pPr lvl="1"/>
+            <a:r>
+              <a:rPr lang="zh-CN" altLang="en-US"/>
+              <a:t>二级</a:t>
+            </a:r>
+            <a:endParaRPr lang="zh-CN" altLang="en-US"/>
+          </a:p>
+          <a:p>
+            <a:pPr lvl="2"/>
+            <a:r>
+              <a:rPr lang="zh-CN" altLang="en-US"/>
+              <a:t>三级</a:t>
+            </a:r>
+            <a:endParaRPr lang="zh-CN" altLang="en-US"/>
+          </a:p>
+          <a:p>
+            <a:pPr lvl="3"/>
+            <a:r>
+              <a:rPr lang="zh-CN" altLang="en-US"/>
+              <a:t>四级</a:t>
+            </a:r>
+            <a:endParaRPr lang="zh-CN" altLang="en-US"/>
+          </a:p>
+          <a:p>
+            <a:pPr lvl="4"/>
+            <a:r>
+              <a:rPr lang="zh-CN" altLang="en-US"/>
+              <a:t>五级</a:t>
+            </a:r>
+            <a:endParaRPr lang="zh-CN" altLang="en-US"/>
+          </a:p>
+        </p:txBody>
+      </p:sp>
+      <p:sp>
+        <p:nvSpPr>
+          <p:cNvPr id="5" name="日期占位符 4"/>
+          <p:cNvSpPr>
+            <a:spLocks noGrp="1"/>
+          </p:cNvSpPr>
+          <p:nvPr>
+            <p:ph type="dt" sz="half" idx="10"/>
+          </p:nvPr>
+        </p:nvSpPr>
+        <p:spPr/>
+        <p:txBody>
+          <a:bodyPr/>
+          <a:lstStyle/>
+          <a:p>
+            <a:fld id="{275DC738-563F-4FEF-BC8D-311477083EDF}" type="datetimeFigureOut">
+              <a:rPr lang="zh-CN" altLang="en-US" smtClean="0"/>
+            </a:fld>
+            <a:endParaRPr lang="zh-CN" altLang="en-US"/>
+          </a:p>
+        </p:txBody>
+      </p:sp>
+      <p:sp>
+        <p:nvSpPr>
+          <p:cNvPr id="6" name="页脚占位符 5"/>
+          <p:cNvSpPr>
+            <a:spLocks noGrp="1"/>
+          </p:cNvSpPr>
+          <p:nvPr>
+            <p:ph type="ftr" sz="quarter" idx="11"/>
+          </p:nvPr>
+        </p:nvSpPr>
+        <p:spPr/>
+        <p:txBody>
+          <a:bodyPr/>
+          <a:lstStyle/>
+          <a:p>
+            <a:endParaRPr lang="zh-CN" altLang="en-US"/>
+          </a:p>
+        </p:txBody>
+      </p:sp>
+      <p:sp>
+        <p:nvSpPr>
+          <p:cNvPr id="7" name="灯片编号占位符 6"/>
+          <p:cNvSpPr>
+            <a:spLocks noGrp="1"/>
+          </p:cNvSpPr>
+          <p:nvPr>
+            <p:ph type="sldNum" sz="quarter" idx="12"/>
+          </p:nvPr>
+        </p:nvSpPr>
+        <p:spPr/>
+        <p:txBody>
+          <a:bodyPr/>
+          <a:lstStyle/>
+          <a:p>
+            <a:fld id="{1DE5FF4B-6349-4528-A0D0-65AD1842A02D}" type="slidenum">
+              <a:rPr lang="zh-CN" altLang="en-US" smtClean="0"/>
+            </a:fld>
+            <a:endParaRPr lang="zh-CN" altLang="en-US"/>
+          </a:p>
+        </p:txBody>
+      </p:sp>
+    </p:spTree>
+  </p:cSld>
+  <p:clrMapOvr>
+    <a:masterClrMapping/>
+  </p:clrMapOvr>
+</p:sldLayout>
+</file>
+
+<file path=ppt/slideLayouts/slideLayout5.xml><?xml version="1.0" encoding="utf-8"?>
+<p:sldLayout xmlns:a="http://schemas.openxmlformats.org/drawingml/2006/main" xmlns:r="http://schemas.openxmlformats.org/officeDocument/2006/relationships" xmlns:p="http://schemas.openxmlformats.org/presentationml/2006/main" type="twoTxTwoObj" preserve="1">
+  <p:cSld name="比较">
+    <p:spTree>
+      <p:nvGrpSpPr>
+        <p:cNvPr id="1" name=""/>
+        <p:cNvGrpSpPr/>
+        <p:nvPr/>
+      </p:nvGrpSpPr>
+      <p:grpSpPr>
+        <a:xfrm>
+          <a:off x="0" y="0"/>
+          <a:ext cx="0" cy="0"/>
+          <a:chOff x="0" y="0"/>
+          <a:chExt cx="0" cy="0"/>
+        </a:xfrm>
+      </p:grpSpPr>
+      <p:sp>
+        <p:nvSpPr>
+          <p:cNvPr id="2" name="标题 1"/>
+          <p:cNvSpPr>
+            <a:spLocks noGrp="1"/>
+          </p:cNvSpPr>
+          <p:nvPr>
+            <p:ph type="title"/>
+          </p:nvPr>
+        </p:nvSpPr>
+        <p:spPr>
+          <a:xfrm>
+            <a:off x="839788" y="365125"/>
+            <a:ext cx="10515600" cy="1325563"/>
+          </a:xfrm>
+        </p:spPr>
+        <p:txBody>
+          <a:bodyPr/>
+          <a:lstStyle/>
+          <a:p>
+            <a:r>
+              <a:rPr lang="zh-CN" altLang="en-US"/>
+              <a:t>单击此处编辑母版标题样式</a:t>
+            </a:r>
+            <a:endParaRPr lang="zh-CN" altLang="en-US"/>
+          </a:p>
+        </p:txBody>
+      </p:sp>
+      <p:sp>
+        <p:nvSpPr>
+          <p:cNvPr id="3" name="文本占位符 2"/>
+          <p:cNvSpPr>
+            <a:spLocks noGrp="1"/>
+          </p:cNvSpPr>
+          <p:nvPr>
+            <p:ph type="body" idx="1"/>
+          </p:nvPr>
+        </p:nvSpPr>
+        <p:spPr>
+          <a:xfrm>
+            <a:off x="839788" y="1681163"/>
+            <a:ext cx="5157787" cy="823912"/>
+          </a:xfrm>
+        </p:spPr>
+        <p:txBody>
+          <a:bodyPr anchor="b"/>
+          <a:lstStyle>
+            <a:lvl1pPr marL="0" indent="0">
+              <a:buNone/>
+              <a:defRPr sz="2400" b="1"/>
+            </a:lvl1pPr>
+            <a:lvl2pPr marL="457200" indent="0">
+              <a:buNone/>
+              <a:defRPr sz="2000" b="1"/>
+            </a:lvl2pPr>
+            <a:lvl3pPr marL="914400" indent="0">
+              <a:buNone/>
+              <a:defRPr sz="1800" b="1"/>
+            </a:lvl3pPr>
+            <a:lvl4pPr marL="1371600" indent="0">
+              <a:buNone/>
+              <a:defRPr sz="1600" b="1"/>
+            </a:lvl4pPr>
+            <a:lvl5pPr marL="1828800" indent="0">
+              <a:buNone/>
+              <a:defRPr sz="1600" b="1"/>
+            </a:lvl5pPr>
+            <a:lvl6pPr marL="2286000" indent="0">
+              <a:buNone/>
+              <a:defRPr sz="1600" b="1"/>
+            </a:lvl6pPr>
+            <a:lvl7pPr marL="2743200" indent="0">
+              <a:buNone/>
+              <a:defRPr sz="1600" b="1"/>
+            </a:lvl7pPr>
+            <a:lvl8pPr marL="3200400" indent="0">
+              <a:buNone/>
+              <a:defRPr sz="1600" b="1"/>
+            </a:lvl8pPr>
+            <a:lvl9pPr marL="3657600" indent="0">
+              <a:buNone/>
+              <a:defRPr sz="1600" b="1"/>
+            </a:lvl9pPr>
+          </a:lstStyle>
+          <a:p>
+            <a:pPr lvl="0"/>
+            <a:r>
+              <a:rPr lang="zh-CN" altLang="en-US"/>
+              <a:t>单击此处编辑母版文本样式</a:t>
+            </a:r>
+            <a:endParaRPr lang="zh-CN" altLang="en-US"/>
+          </a:p>
+        </p:txBody>
+      </p:sp>
+      <p:sp>
+        <p:nvSpPr>
+          <p:cNvPr id="4" name="内容占位符 3"/>
+          <p:cNvSpPr>
+            <a:spLocks noGrp="1"/>
+          </p:cNvSpPr>
+          <p:nvPr>
+            <p:ph sz="half" idx="2"/>
+          </p:nvPr>
+        </p:nvSpPr>
+        <p:spPr>
+          <a:xfrm>
+            <a:off x="839788" y="2505075"/>
+            <a:ext cx="5157787" cy="3684588"/>
+          </a:xfrm>
+        </p:spPr>
+        <p:txBody>
+          <a:bodyPr/>
+          <a:lstStyle/>
+          <a:p>
+            <a:pPr lvl="0"/>
+            <a:r>
+              <a:rPr lang="zh-CN" altLang="en-US"/>
+              <a:t>单击此处编辑母版文本样式</a:t>
+            </a:r>
+            <a:endParaRPr lang="zh-CN" altLang="en-US"/>
+          </a:p>
+          <a:p>
+            <a:pPr lvl="1"/>
+            <a:r>
+              <a:rPr lang="zh-CN" altLang="en-US"/>
+              <a:t>二级</a:t>
+            </a:r>
+            <a:endParaRPr lang="zh-CN" altLang="en-US"/>
+          </a:p>
+          <a:p>
+            <a:pPr lvl="2"/>
+            <a:r>
+              <a:rPr lang="zh-CN" altLang="en-US"/>
+              <a:t>三级</a:t>
+            </a:r>
+            <a:endParaRPr lang="zh-CN" altLang="en-US"/>
+          </a:p>
+          <a:p>
+            <a:pPr lvl="3"/>
+            <a:r>
+              <a:rPr lang="zh-CN" altLang="en-US"/>
+              <a:t>四级</a:t>
+            </a:r>
+            <a:endParaRPr lang="zh-CN" altLang="en-US"/>
+          </a:p>
+          <a:p>
+            <a:pPr lvl="4"/>
+            <a:r>
+              <a:rPr lang="zh-CN" altLang="en-US"/>
+              <a:t>五级</a:t>
+            </a:r>
+            <a:endParaRPr lang="zh-CN" altLang="en-US"/>
+          </a:p>
+        </p:txBody>
+      </p:sp>
+      <p:sp>
+        <p:nvSpPr>
+          <p:cNvPr id="5" name="文本占位符 4"/>
+          <p:cNvSpPr>
+            <a:spLocks noGrp="1"/>
+          </p:cNvSpPr>
+          <p:nvPr>
+            <p:ph type="body" sz="quarter" idx="3"/>
+          </p:nvPr>
+        </p:nvSpPr>
+        <p:spPr>
+          <a:xfrm>
+            <a:off x="6172200" y="1681163"/>
+            <a:ext cx="5183188" cy="823912"/>
+          </a:xfrm>
+        </p:spPr>
+        <p:txBody>
+          <a:bodyPr anchor="b"/>
+          <a:lstStyle>
+            <a:lvl1pPr marL="0" indent="0">
+              <a:buNone/>
+              <a:defRPr sz="2400" b="1"/>
+            </a:lvl1pPr>
+            <a:lvl2pPr marL="457200" indent="0">
+              <a:buNone/>
+              <a:defRPr sz="2000" b="1"/>
+            </a:lvl2pPr>
+            <a:lvl3pPr marL="914400" indent="0">
+              <a:buNone/>
+              <a:defRPr sz="1800" b="1"/>
+            </a:lvl3pPr>
+            <a:lvl4pPr marL="1371600" indent="0">
+              <a:buNone/>
+              <a:defRPr sz="1600" b="1"/>
+            </a:lvl4pPr>
+            <a:lvl5pPr marL="1828800" indent="0">
+              <a:buNone/>
+              <a:defRPr sz="1600" b="1"/>
+            </a:lvl5pPr>
+            <a:lvl6pPr marL="2286000" indent="0">
+              <a:buNone/>
+              <a:defRPr sz="1600" b="1"/>
+            </a:lvl6pPr>
+            <a:lvl7pPr marL="2743200" indent="0">
+              <a:buNone/>
+              <a:defRPr sz="1600" b="1"/>
+            </a:lvl7pPr>
+            <a:lvl8pPr marL="3200400" indent="0">
+              <a:buNone/>
+              <a:defRPr sz="1600" b="1"/>
+            </a:lvl8pPr>
+            <a:lvl9pPr marL="3657600" indent="0">
+              <a:buNone/>
+              <a:defRPr sz="1600" b="1"/>
+            </a:lvl9pPr>
+          </a:lstStyle>
+          <a:p>
+            <a:pPr lvl="0"/>
+            <a:r>
+              <a:rPr lang="zh-CN" altLang="en-US"/>
+              <a:t>单击此处编辑母版文本样式</a:t>
+            </a:r>
+            <a:endParaRPr lang="zh-CN" altLang="en-US"/>
+          </a:p>
+        </p:txBody>
+      </p:sp>
+      <p:sp>
+        <p:nvSpPr>
+          <p:cNvPr id="6" name="内容占位符 5"/>
+          <p:cNvSpPr>
+            <a:spLocks noGrp="1"/>
+          </p:cNvSpPr>
+          <p:nvPr>
+            <p:ph sz="quarter" idx="4"/>
+          </p:nvPr>
+        </p:nvSpPr>
+        <p:spPr>
+          <a:xfrm>
+            <a:off x="6172200" y="2505075"/>
+            <a:ext cx="5183188" cy="3684588"/>
+          </a:xfrm>
+        </p:spPr>
+        <p:txBody>
+          <a:bodyPr/>
+          <a:lstStyle/>
+          <a:p>
+            <a:pPr lvl="0"/>
+            <a:r>
+              <a:rPr lang="zh-CN" altLang="en-US"/>
+              <a:t>单击此处编辑母版文本样式</a:t>
+            </a:r>
+            <a:endParaRPr lang="zh-CN" altLang="en-US"/>
+          </a:p>
+          <a:p>
+            <a:pPr lvl="1"/>
+            <a:r>
+              <a:rPr lang="zh-CN" altLang="en-US"/>
+              <a:t>二级</a:t>
+            </a:r>
+            <a:endParaRPr lang="zh-CN" altLang="en-US"/>
+          </a:p>
+          <a:p>
+            <a:pPr lvl="2"/>
+            <a:r>
+              <a:rPr lang="zh-CN" altLang="en-US"/>
+              <a:t>三级</a:t>
+            </a:r>
+            <a:endParaRPr lang="zh-CN" altLang="en-US"/>
+          </a:p>
+          <a:p>
+            <a:pPr lvl="3"/>
+            <a:r>
+              <a:rPr lang="zh-CN" altLang="en-US"/>
+              <a:t>四级</a:t>
+            </a:r>
+            <a:endParaRPr lang="zh-CN" altLang="en-US"/>
+          </a:p>
+          <a:p>
+            <a:pPr lvl="4"/>
+            <a:r>
+              <a:rPr lang="zh-CN" altLang="en-US"/>
+              <a:t>五级</a:t>
+            </a:r>
+            <a:endParaRPr lang="zh-CN" altLang="en-US"/>
+          </a:p>
+        </p:txBody>
+      </p:sp>
+      <p:sp>
+        <p:nvSpPr>
+          <p:cNvPr id="7" name="日期占位符 6"/>
+          <p:cNvSpPr>
+            <a:spLocks noGrp="1"/>
+          </p:cNvSpPr>
+          <p:nvPr>
+            <p:ph type="dt" sz="half" idx="10"/>
+          </p:nvPr>
+        </p:nvSpPr>
+        <p:spPr/>
+        <p:txBody>
+          <a:bodyPr/>
+          <a:lstStyle/>
+          <a:p>
+            <a:fld id="{275DC738-563F-4FEF-BC8D-311477083EDF}" type="datetimeFigureOut">
+              <a:rPr lang="zh-CN" altLang="en-US" smtClean="0"/>
+            </a:fld>
+            <a:endParaRPr lang="zh-CN" altLang="en-US"/>
+          </a:p>
+        </p:txBody>
+      </p:sp>
+      <p:sp>
+        <p:nvSpPr>
+          <p:cNvPr id="8" name="页脚占位符 7"/>
+          <p:cNvSpPr>
+            <a:spLocks noGrp="1"/>
+          </p:cNvSpPr>
+          <p:nvPr>
+            <p:ph type="ftr" sz="quarter" idx="11"/>
+          </p:nvPr>
+        </p:nvSpPr>
+        <p:spPr/>
+        <p:txBody>
+          <a:bodyPr/>
+          <a:lstStyle/>
+          <a:p>
+            <a:endParaRPr lang="zh-CN" altLang="en-US"/>
+          </a:p>
+        </p:txBody>
+      </p:sp>
+      <p:sp>
+        <p:nvSpPr>
+          <p:cNvPr id="9" name="灯片编号占位符 8"/>
+          <p:cNvSpPr>
+            <a:spLocks noGrp="1"/>
+          </p:cNvSpPr>
+          <p:nvPr>
+            <p:ph type="sldNum" sz="quarter" idx="12"/>
+          </p:nvPr>
+        </p:nvSpPr>
+        <p:spPr/>
+        <p:txBody>
+          <a:bodyPr/>
+          <a:lstStyle/>
+          <a:p>
+            <a:fld id="{1DE5FF4B-6349-4528-A0D0-65AD1842A02D}" type="slidenum">
+              <a:rPr lang="zh-CN" altLang="en-US" smtClean="0"/>
+            </a:fld>
+            <a:endParaRPr lang="zh-CN" altLang="en-US"/>
+          </a:p>
+        </p:txBody>
+      </p:sp>
+    </p:spTree>
+  </p:cSld>
+  <p:clrMapOvr>
+    <a:masterClrMapping/>
+  </p:clrMapOvr>
+</p:sldLayout>
+</file>
+
+<file path=ppt/slideLayouts/slideLayout6.xml><?xml version="1.0" encoding="utf-8"?>
+<p:sldLayout xmlns:a="http://schemas.openxmlformats.org/drawingml/2006/main" xmlns:r="http://schemas.openxmlformats.org/officeDocument/2006/relationships" xmlns:p="http://schemas.openxmlformats.org/presentationml/2006/main" type="titleOnly" preserve="1">
+  <p:cSld name="仅标题">
+    <p:spTree>
+      <p:nvGrpSpPr>
+        <p:cNvPr id="1" name=""/>
+        <p:cNvGrpSpPr/>
+        <p:nvPr/>
+      </p:nvGrpSpPr>
+      <p:grpSpPr>
+        <a:xfrm>
+          <a:off x="0" y="0"/>
+          <a:ext cx="0" cy="0"/>
+          <a:chOff x="0" y="0"/>
+          <a:chExt cx="0" cy="0"/>
+        </a:xfrm>
+      </p:grpSpPr>
+      <p:sp>
+        <p:nvSpPr>
+          <p:cNvPr id="2" name="标题 1"/>
+          <p:cNvSpPr>
+            <a:spLocks noGrp="1"/>
+          </p:cNvSpPr>
+          <p:nvPr>
+            <p:ph type="title"/>
+          </p:nvPr>
+        </p:nvSpPr>
+        <p:spPr/>
+        <p:txBody>
+          <a:bodyPr/>
+          <a:lstStyle/>
+          <a:p>
+            <a:r>
+              <a:rPr lang="zh-CN" altLang="en-US"/>
+              <a:t>单击此处编辑母版标题样式</a:t>
+            </a:r>
+            <a:endParaRPr lang="zh-CN" altLang="en-US"/>
+          </a:p>
+        </p:txBody>
+      </p:sp>
+      <p:sp>
+        <p:nvSpPr>
+          <p:cNvPr id="3" name="日期占位符 2"/>
+          <p:cNvSpPr>
+            <a:spLocks noGrp="1"/>
+          </p:cNvSpPr>
+          <p:nvPr>
+            <p:ph type="dt" sz="half" idx="10"/>
+          </p:nvPr>
+        </p:nvSpPr>
+        <p:spPr/>
+        <p:txBody>
+          <a:bodyPr/>
+          <a:lstStyle/>
+          <a:p>
+            <a:fld id="{275DC738-563F-4FEF-BC8D-311477083EDF}" type="datetimeFigureOut">
+              <a:rPr lang="zh-CN" altLang="en-US" smtClean="0"/>
+            </a:fld>
+            <a:endParaRPr lang="zh-CN" altLang="en-US"/>
+          </a:p>
+        </p:txBody>
+      </p:sp>
+      <p:sp>
+        <p:nvSpPr>
+          <p:cNvPr id="4" name="页脚占位符 3"/>
+          <p:cNvSpPr>
+            <a:spLocks noGrp="1"/>
+          </p:cNvSpPr>
+          <p:nvPr>
+            <p:ph type="ftr" sz="quarter" idx="11"/>
+          </p:nvPr>
+        </p:nvSpPr>
+        <p:spPr/>
+        <p:txBody>
+          <a:bodyPr/>
+          <a:lstStyle/>
+          <a:p>
+            <a:endParaRPr lang="zh-CN" altLang="en-US"/>
+          </a:p>
+        </p:txBody>
+      </p:sp>
+      <p:sp>
+        <p:nvSpPr>
+          <p:cNvPr id="5" name="灯片编号占位符 4"/>
+          <p:cNvSpPr>
+            <a:spLocks noGrp="1"/>
+          </p:cNvSpPr>
+          <p:nvPr>
+            <p:ph type="sldNum" sz="quarter" idx="12"/>
+          </p:nvPr>
+        </p:nvSpPr>
+        <p:spPr/>
+        <p:txBody>
+          <a:bodyPr/>
+          <a:lstStyle/>
+          <a:p>
+            <a:fld id="{1DE5FF4B-6349-4528-A0D0-65AD1842A02D}" type="slidenum">
+              <a:rPr lang="zh-CN" altLang="en-US" smtClean="0"/>
+            </a:fld>
+            <a:endParaRPr lang="zh-CN" altLang="en-US"/>
+          </a:p>
+        </p:txBody>
+      </p:sp>
+    </p:spTree>
+  </p:cSld>
+  <p:clrMapOvr>
+    <a:masterClrMapping/>
+  </p:clrMapOvr>
+</p:sldLayout>
+</file>
+
+<file path=ppt/slideLayouts/slideLayout7.xml><?xml version="1.0" encoding="utf-8"?>
+<p:sldLayout xmlns:a="http://schemas.openxmlformats.org/drawingml/2006/main" xmlns:r="http://schemas.openxmlformats.org/officeDocument/2006/relationships" xmlns:p="http://schemas.openxmlformats.org/presentationml/2006/main" type="blank" preserve="1">
+  <p:cSld name="空白">
+    <p:spTree>
+      <p:nvGrpSpPr>
+        <p:cNvPr id="1" name=""/>
+        <p:cNvGrpSpPr/>
+        <p:nvPr/>
+      </p:nvGrpSpPr>
+      <p:grpSpPr>
+        <a:xfrm>
+          <a:off x="0" y="0"/>
+          <a:ext cx="0" cy="0"/>
+          <a:chOff x="0" y="0"/>
+          <a:chExt cx="0" cy="0"/>
+        </a:xfrm>
+      </p:grpSpPr>
+      <p:sp>
+        <p:nvSpPr>
+          <p:cNvPr id="2" name="日期占位符 1"/>
+          <p:cNvSpPr>
+            <a:spLocks noGrp="1"/>
+          </p:cNvSpPr>
+          <p:nvPr>
+            <p:ph type="dt" sz="half" idx="10"/>
+          </p:nvPr>
+        </p:nvSpPr>
+        <p:spPr/>
+        <p:txBody>
+          <a:bodyPr/>
+          <a:lstStyle/>
+          <a:p>
+            <a:fld id="{275DC738-563F-4FEF-BC8D-311477083EDF}" type="datetimeFigureOut">
+              <a:rPr lang="zh-CN" altLang="en-US" smtClean="0"/>
+            </a:fld>
+            <a:endParaRPr lang="zh-CN" altLang="en-US"/>
+          </a:p>
+        </p:txBody>
+      </p:sp>
+      <p:sp>
+        <p:nvSpPr>
+          <p:cNvPr id="3" name="页脚占位符 2"/>
+          <p:cNvSpPr>
+            <a:spLocks noGrp="1"/>
+          </p:cNvSpPr>
+          <p:nvPr>
+            <p:ph type="ftr" sz="quarter" idx="11"/>
+          </p:nvPr>
+        </p:nvSpPr>
+        <p:spPr/>
+        <p:txBody>
+          <a:bodyPr/>
+          <a:lstStyle/>
+          <a:p>
+            <a:endParaRPr lang="zh-CN" altLang="en-US"/>
+          </a:p>
+        </p:txBody>
+      </p:sp>
+      <p:sp>
+        <p:nvSpPr>
+          <p:cNvPr id="4" name="灯片编号占位符 3"/>
+          <p:cNvSpPr>
+            <a:spLocks noGrp="1"/>
+          </p:cNvSpPr>
+          <p:nvPr>
+            <p:ph type="sldNum" sz="quarter" idx="12"/>
+          </p:nvPr>
+        </p:nvSpPr>
+        <p:spPr/>
+        <p:txBody>
+          <a:bodyPr/>
+          <a:lstStyle/>
+          <a:p>
+            <a:fld id="{1DE5FF4B-6349-4528-A0D0-65AD1842A02D}" type="slidenum">
+              <a:rPr lang="zh-CN" altLang="en-US" smtClean="0"/>
+            </a:fld>
+            <a:endParaRPr lang="zh-CN" altLang="en-US"/>
+          </a:p>
+        </p:txBody>
+      </p:sp>
+    </p:spTree>
+  </p:cSld>
+  <p:clrMapOvr>
+    <a:masterClrMapping/>
+  </p:clrMapOvr>
+</p:sldLayout>
+</file>
+
+<file path=ppt/slideLayouts/slideLayout8.xml><?xml version="1.0" encoding="utf-8"?>
+<p:sldLayout xmlns:a="http://schemas.openxmlformats.org/drawingml/2006/main" xmlns:r="http://schemas.openxmlformats.org/officeDocument/2006/relationships" xmlns:p="http://schemas.openxmlformats.org/presentationml/2006/main" type="objTx" preserve="1">
+  <p:cSld name="内容与标题">
+    <p:spTree>
+      <p:nvGrpSpPr>
+        <p:cNvPr id="1" name=""/>
+        <p:cNvGrpSpPr/>
+        <p:nvPr/>
+      </p:nvGrpSpPr>
+      <p:grpSpPr>
+        <a:xfrm>
+          <a:off x="0" y="0"/>
+          <a:ext cx="0" cy="0"/>
+          <a:chOff x="0" y="0"/>
+          <a:chExt cx="0" cy="0"/>
+        </a:xfrm>
+      </p:grpSpPr>
+      <p:sp>
+        <p:nvSpPr>
+          <p:cNvPr id="2" name="标题 1"/>
+          <p:cNvSpPr>
+            <a:spLocks noGrp="1"/>
+          </p:cNvSpPr>
+          <p:nvPr>
+            <p:ph type="title"/>
+          </p:nvPr>
+        </p:nvSpPr>
+        <p:spPr>
+          <a:xfrm>
+            <a:off x="839788" y="457200"/>
+            <a:ext cx="3932237" cy="1600200"/>
+          </a:xfrm>
+        </p:spPr>
+        <p:txBody>
+          <a:bodyPr anchor="b"/>
+          <a:lstStyle>
+            <a:lvl1pPr>
+              <a:defRPr sz="3200"/>
+            </a:lvl1pPr>
+          </a:lstStyle>
+          <a:p>
+            <a:r>
+              <a:rPr lang="zh-CN" altLang="en-US"/>
+              <a:t>单击此处编辑母版标题样式</a:t>
+            </a:r>
+            <a:endParaRPr lang="zh-CN" altLang="en-US"/>
+          </a:p>
+        </p:txBody>
+      </p:sp>
+      <p:sp>
+        <p:nvSpPr>
+          <p:cNvPr id="3" name="内容占位符 2"/>
+          <p:cNvSpPr>
+            <a:spLocks noGrp="1"/>
+          </p:cNvSpPr>
+          <p:nvPr>
+            <p:ph idx="1"/>
+          </p:nvPr>
+        </p:nvSpPr>
+        <p:spPr>
+          <a:xfrm>
+            <a:off x="5183188" y="987425"/>
+            <a:ext cx="6172200" cy="4873625"/>
+          </a:xfrm>
+        </p:spPr>
+        <p:txBody>
+          <a:bodyPr/>
+          <a:lstStyle>
+            <a:lvl1pPr>
+              <a:defRPr sz="3200"/>
+            </a:lvl1pPr>
+            <a:lvl2pPr>
+              <a:defRPr sz="2800"/>
+            </a:lvl2pPr>
+            <a:lvl3pPr>
+              <a:defRPr sz="2400"/>
+            </a:lvl3pPr>
+            <a:lvl4pPr>
+              <a:defRPr sz="2000"/>
+            </a:lvl4pPr>
+            <a:lvl5pPr>
+              <a:defRPr sz="2000"/>
+            </a:lvl5pPr>
+            <a:lvl6pPr>
+              <a:defRPr sz="2000"/>
+            </a:lvl6pPr>
+            <a:lvl7pPr>
+              <a:defRPr sz="2000"/>
+            </a:lvl7pPr>
+            <a:lvl8pPr>
+              <a:defRPr sz="2000"/>
+            </a:lvl8pPr>
+            <a:lvl9pPr>
+              <a:defRPr sz="2000"/>
+            </a:lvl9pPr>
+          </a:lstStyle>
+          <a:p>
+            <a:pPr lvl="0"/>
+            <a:r>
+              <a:rPr lang="zh-CN" altLang="en-US"/>
+              <a:t>单击此处编辑母版文本样式</a:t>
+            </a:r>
+            <a:endParaRPr lang="zh-CN" altLang="en-US"/>
+          </a:p>
+          <a:p>
+            <a:pPr lvl="1"/>
+            <a:r>
+              <a:rPr lang="zh-CN" altLang="en-US"/>
+              <a:t>二级</a:t>
+            </a:r>
+            <a:endParaRPr lang="zh-CN" altLang="en-US"/>
+          </a:p>
+          <a:p>
+            <a:pPr lvl="2"/>
+            <a:r>
+              <a:rPr lang="zh-CN" altLang="en-US"/>
+              <a:t>三级</a:t>
+            </a:r>
+            <a:endParaRPr lang="zh-CN" altLang="en-US"/>
+          </a:p>
+          <a:p>
+            <a:pPr lvl="3"/>
+            <a:r>
+              <a:rPr lang="zh-CN" altLang="en-US"/>
+              <a:t>四级</a:t>
+            </a:r>
+            <a:endParaRPr lang="zh-CN" altLang="en-US"/>
+          </a:p>
+          <a:p>
+            <a:pPr lvl="4"/>
+            <a:r>
+              <a:rPr lang="zh-CN" altLang="en-US"/>
+              <a:t>五级</a:t>
+            </a:r>
+            <a:endParaRPr lang="zh-CN" altLang="en-US"/>
+          </a:p>
+        </p:txBody>
+      </p:sp>
+      <p:sp>
+        <p:nvSpPr>
+          <p:cNvPr id="4" name="文本占位符 3"/>
+          <p:cNvSpPr>
+            <a:spLocks noGrp="1"/>
+          </p:cNvSpPr>
+          <p:nvPr>
+            <p:ph type="body" sz="half" idx="2"/>
+          </p:nvPr>
+        </p:nvSpPr>
+        <p:spPr>
+          <a:xfrm>
+            <a:off x="839788" y="2057400"/>
+            <a:ext cx="3932237" cy="3811588"/>
+          </a:xfrm>
+        </p:spPr>
+        <p:txBody>
+          <a:bodyPr/>
+          <a:lstStyle>
+            <a:lvl1pPr marL="0" indent="0">
+              <a:buNone/>
+              <a:defRPr sz="1600"/>
+            </a:lvl1pPr>
+            <a:lvl2pPr marL="457200" indent="0">
+              <a:buNone/>
+              <a:defRPr sz="1400"/>
+            </a:lvl2pPr>
+            <a:lvl3pPr marL="914400" indent="0">
+              <a:buNone/>
+              <a:defRPr sz="1200"/>
+            </a:lvl3pPr>
+            <a:lvl4pPr marL="1371600" indent="0">
+              <a:buNone/>
+              <a:defRPr sz="1000"/>
+            </a:lvl4pPr>
+            <a:lvl5pPr marL="1828800" indent="0">
+              <a:buNone/>
+              <a:defRPr sz="1000"/>
+            </a:lvl5pPr>
+            <a:lvl6pPr marL="2286000" indent="0">
+              <a:buNone/>
+              <a:defRPr sz="1000"/>
+            </a:lvl6pPr>
+            <a:lvl7pPr marL="2743200" indent="0">
+              <a:buNone/>
+              <a:defRPr sz="1000"/>
+            </a:lvl7pPr>
+            <a:lvl8pPr marL="3200400" indent="0">
+              <a:buNone/>
+              <a:defRPr sz="1000"/>
+            </a:lvl8pPr>
+            <a:lvl9pPr marL="3657600" indent="0">
+              <a:buNone/>
+              <a:defRPr sz="1000"/>
+            </a:lvl9pPr>
+          </a:lstStyle>
+          <a:p>
+            <a:pPr lvl="0"/>
+            <a:r>
+              <a:rPr lang="zh-CN" altLang="en-US"/>
+              <a:t>单击此处编辑母版文本样式</a:t>
+            </a:r>
+            <a:endParaRPr lang="zh-CN" altLang="en-US"/>
+          </a:p>
+        </p:txBody>
+      </p:sp>
+      <p:sp>
+        <p:nvSpPr>
+          <p:cNvPr id="5" name="日期占位符 4"/>
+          <p:cNvSpPr>
+            <a:spLocks noGrp="1"/>
+          </p:cNvSpPr>
+          <p:nvPr>
+            <p:ph type="dt" sz="half" idx="10"/>
+          </p:nvPr>
+        </p:nvSpPr>
+        <p:spPr/>
+        <p:txBody>
+          <a:bodyPr/>
+          <a:lstStyle/>
+          <a:p>
+            <a:fld id="{275DC738-563F-4FEF-BC8D-311477083EDF}" type="datetimeFigureOut">
+              <a:rPr lang="zh-CN" altLang="en-US" smtClean="0"/>
+            </a:fld>
+            <a:endParaRPr lang="zh-CN" altLang="en-US"/>
+          </a:p>
+        </p:txBody>
+      </p:sp>
+      <p:sp>
+        <p:nvSpPr>
+          <p:cNvPr id="6" name="页脚占位符 5"/>
+          <p:cNvSpPr>
+            <a:spLocks noGrp="1"/>
+          </p:cNvSpPr>
+          <p:nvPr>
+            <p:ph type="ftr" sz="quarter" idx="11"/>
+          </p:nvPr>
+        </p:nvSpPr>
+        <p:spPr/>
+        <p:txBody>
+          <a:bodyPr/>
+          <a:lstStyle/>
+          <a:p>
+            <a:endParaRPr lang="zh-CN" altLang="en-US"/>
+          </a:p>
+        </p:txBody>
+      </p:sp>
+      <p:sp>
+        <p:nvSpPr>
+          <p:cNvPr id="7" name="灯片编号占位符 6"/>
+          <p:cNvSpPr>
+            <a:spLocks noGrp="1"/>
+          </p:cNvSpPr>
+          <p:nvPr>
+            <p:ph type="sldNum" sz="quarter" idx="12"/>
+          </p:nvPr>
+        </p:nvSpPr>
+        <p:spPr/>
+        <p:txBody>
+          <a:bodyPr/>
+          <a:lstStyle/>
+          <a:p>
+            <a:fld id="{1DE5FF4B-6349-4528-A0D0-65AD1842A02D}" type="slidenum">
+              <a:rPr lang="zh-CN" altLang="en-US" smtClean="0"/>
+            </a:fld>
+            <a:endParaRPr lang="zh-CN" altLang="en-US"/>
+          </a:p>
+        </p:txBody>
+      </p:sp>
+    </p:spTree>
   </p:cSld>
   <p:clrMapOvr>
     <a:masterClrMapping/>
@@ -2826,13 +4767,7 @@
       </p:grpSpPr>
       <p:sp>
         <p:nvSpPr>
-          <p:cNvPr id="2" name="标题 1">
-            <a:extLst>
-              <a:ext uri="{FF2B5EF4-FFF2-40B4-BE49-F238E27FC236}">
-                <a16:creationId xmlns:a16="http://schemas.microsoft.com/office/drawing/2014/main" id="{9D42BF1E-6F22-AD29-42B9-AE390F76E82F}"/>
-              </a:ext>
-            </a:extLst>
-          </p:cNvPr>
+          <p:cNvPr id="2" name="标题 1"/>
           <p:cNvSpPr>
             <a:spLocks noGrp="1"/>
           </p:cNvSpPr>
@@ -2858,18 +4793,13 @@
               <a:rPr lang="zh-CN" altLang="en-US"/>
               <a:t>单击此处编辑母版标题样式</a:t>
             </a:r>
-          </a:p>
-        </p:txBody>
-      </p:sp>
-      <p:sp>
-        <p:nvSpPr>
-          <p:cNvPr id="3" name="图片占位符 2">
-            <a:extLst>
-              <a:ext uri="{FF2B5EF4-FFF2-40B4-BE49-F238E27FC236}">
-                <a16:creationId xmlns:a16="http://schemas.microsoft.com/office/drawing/2014/main" id="{3865E2E0-3817-7AEE-B0DA-19748294D62A}"/>
-              </a:ext>
-            </a:extLst>
-          </p:cNvPr>
+            <a:endParaRPr lang="zh-CN" altLang="en-US"/>
+          </a:p>
+        </p:txBody>
+      </p:sp>
+      <p:sp>
+        <p:nvSpPr>
+          <p:cNvPr id="3" name="图片占位符 2"/>
           <p:cNvSpPr>
             <a:spLocks noGrp="1"/>
           </p:cNvSpPr>
@@ -2930,13 +4860,7 @@
       </p:sp>
       <p:sp>
         <p:nvSpPr>
-          <p:cNvPr id="4" name="文本占位符 3">
-            <a:extLst>
-              <a:ext uri="{FF2B5EF4-FFF2-40B4-BE49-F238E27FC236}">
-                <a16:creationId xmlns:a16="http://schemas.microsoft.com/office/drawing/2014/main" id="{977681B4-CB2F-A238-2610-0D07D52CDA7C}"/>
-              </a:ext>
-            </a:extLst>
-          </p:cNvPr>
+          <p:cNvPr id="4" name="文本占位符 3"/>
           <p:cNvSpPr>
             <a:spLocks noGrp="1"/>
           </p:cNvSpPr>
@@ -2996,18 +4920,13 @@
               <a:rPr lang="zh-CN" altLang="en-US"/>
               <a:t>单击此处编辑母版文本样式</a:t>
             </a:r>
-          </a:p>
-        </p:txBody>
-      </p:sp>
-      <p:sp>
-        <p:nvSpPr>
-          <p:cNvPr id="5" name="日期占位符 4">
-            <a:extLst>
-              <a:ext uri="{FF2B5EF4-FFF2-40B4-BE49-F238E27FC236}">
-                <a16:creationId xmlns:a16="http://schemas.microsoft.com/office/drawing/2014/main" id="{4BCFA959-DDD7-D910-4CA1-D6D7F1553249}"/>
-              </a:ext>
-            </a:extLst>
-          </p:cNvPr>
+            <a:endParaRPr lang="zh-CN" altLang="en-US"/>
+          </a:p>
+        </p:txBody>
+      </p:sp>
+      <p:sp>
+        <p:nvSpPr>
+          <p:cNvPr id="5" name="日期占位符 4"/>
           <p:cNvSpPr>
             <a:spLocks noGrp="1"/>
           </p:cNvSpPr>
@@ -3022,7 +4941,6 @@
           <a:p>
             <a:fld id="{275DC738-563F-4FEF-BC8D-311477083EDF}" type="datetimeFigureOut">
               <a:rPr lang="zh-CN" altLang="en-US" smtClean="0"/>
-              <a:t>2024/6/5</a:t>
             </a:fld>
             <a:endParaRPr lang="zh-CN" altLang="en-US"/>
           </a:p>
@@ -3030,13 +4948,7 @@
       </p:sp>
       <p:sp>
         <p:nvSpPr>
-          <p:cNvPr id="6" name="页脚占位符 5">
-            <a:extLst>
-              <a:ext uri="{FF2B5EF4-FFF2-40B4-BE49-F238E27FC236}">
-                <a16:creationId xmlns:a16="http://schemas.microsoft.com/office/drawing/2014/main" id="{A5FB01AE-3A0A-D134-0E23-7AD07D0005B7}"/>
-              </a:ext>
-            </a:extLst>
-          </p:cNvPr>
+          <p:cNvPr id="6" name="页脚占位符 5"/>
           <p:cNvSpPr>
             <a:spLocks noGrp="1"/>
           </p:cNvSpPr>
@@ -3055,13 +4967,7 @@
       </p:sp>
       <p:sp>
         <p:nvSpPr>
-          <p:cNvPr id="7" name="灯片编号占位符 6">
-            <a:extLst>
-              <a:ext uri="{FF2B5EF4-FFF2-40B4-BE49-F238E27FC236}">
-                <a16:creationId xmlns:a16="http://schemas.microsoft.com/office/drawing/2014/main" id="{6743CA1F-76C7-6C32-7AC7-EE8CDD188D0C}"/>
-              </a:ext>
-            </a:extLst>
-          </p:cNvPr>
+          <p:cNvPr id="7" name="灯片编号占位符 6"/>
           <p:cNvSpPr>
             <a:spLocks noGrp="1"/>
           </p:cNvSpPr>
@@ -3076,18 +4982,12 @@
           <a:p>
             <a:fld id="{1DE5FF4B-6349-4528-A0D0-65AD1842A02D}" type="slidenum">
               <a:rPr lang="zh-CN" altLang="en-US" smtClean="0"/>
-              <a:t>‹#›</a:t>
             </a:fld>
             <a:endParaRPr lang="zh-CN" altLang="en-US"/>
           </a:p>
         </p:txBody>
       </p:sp>
     </p:spTree>
-    <p:extLst>
-      <p:ext uri="{BB962C8B-B14F-4D97-AF65-F5344CB8AC3E}">
-        <p14:creationId xmlns:p14="http://schemas.microsoft.com/office/powerpoint/2010/main" val="72765505"/>
-      </p:ext>
-    </p:extLst>
   </p:cSld>
   <p:clrMapOvr>
     <a:masterClrMapping/>
@@ -3119,13 +5019,7 @@
       </p:grpSpPr>
       <p:sp>
         <p:nvSpPr>
-          <p:cNvPr id="2" name="标题占位符 1">
-            <a:extLst>
-              <a:ext uri="{FF2B5EF4-FFF2-40B4-BE49-F238E27FC236}">
-                <a16:creationId xmlns:a16="http://schemas.microsoft.com/office/drawing/2014/main" id="{8A4E5DE9-EE95-C907-79A8-4E9B8F3985BE}"/>
-              </a:ext>
-            </a:extLst>
-          </p:cNvPr>
+          <p:cNvPr id="2" name="标题占位符 1"/>
           <p:cNvSpPr>
             <a:spLocks noGrp="1"/>
           </p:cNvSpPr>
@@ -3152,18 +5046,13 @@
               <a:rPr lang="zh-CN" altLang="en-US"/>
               <a:t>单击此处编辑母版标题样式</a:t>
             </a:r>
-          </a:p>
-        </p:txBody>
-      </p:sp>
-      <p:sp>
-        <p:nvSpPr>
-          <p:cNvPr id="3" name="文本占位符 2">
-            <a:extLst>
-              <a:ext uri="{FF2B5EF4-FFF2-40B4-BE49-F238E27FC236}">
-                <a16:creationId xmlns:a16="http://schemas.microsoft.com/office/drawing/2014/main" id="{63FE655B-9A9D-9372-62F7-05AF9EC93607}"/>
-              </a:ext>
-            </a:extLst>
-          </p:cNvPr>
+            <a:endParaRPr lang="zh-CN" altLang="en-US"/>
+          </a:p>
+        </p:txBody>
+      </p:sp>
+      <p:sp>
+        <p:nvSpPr>
+          <p:cNvPr id="3" name="文本占位符 2"/>
           <p:cNvSpPr>
             <a:spLocks noGrp="1"/>
           </p:cNvSpPr>
@@ -3191,6 +5080,7 @@
               <a:rPr lang="zh-CN" altLang="en-US"/>
               <a:t>单击此处编辑母版文本样式</a:t>
             </a:r>
+            <a:endParaRPr lang="zh-CN" altLang="en-US"/>
           </a:p>
           <a:p>
             <a:pPr lvl="1"/>
@@ -3198,6 +5088,7 @@
               <a:rPr lang="zh-CN" altLang="en-US"/>
               <a:t>二级</a:t>
             </a:r>
+            <a:endParaRPr lang="zh-CN" altLang="en-US"/>
           </a:p>
           <a:p>
             <a:pPr lvl="2"/>
@@ -3205,6 +5096,7 @@
               <a:rPr lang="zh-CN" altLang="en-US"/>
               <a:t>三级</a:t>
             </a:r>
+            <a:endParaRPr lang="zh-CN" altLang="en-US"/>
           </a:p>
           <a:p>
             <a:pPr lvl="3"/>
@@ -3212,6 +5104,7 @@
               <a:rPr lang="zh-CN" altLang="en-US"/>
               <a:t>四级</a:t>
             </a:r>
+            <a:endParaRPr lang="zh-CN" altLang="en-US"/>
           </a:p>
           <a:p>
             <a:pPr lvl="4"/>
@@ -3219,18 +5112,13 @@
               <a:rPr lang="zh-CN" altLang="en-US"/>
               <a:t>五级</a:t>
             </a:r>
-          </a:p>
-        </p:txBody>
-      </p:sp>
-      <p:sp>
-        <p:nvSpPr>
-          <p:cNvPr id="4" name="日期占位符 3">
-            <a:extLst>
-              <a:ext uri="{FF2B5EF4-FFF2-40B4-BE49-F238E27FC236}">
-                <a16:creationId xmlns:a16="http://schemas.microsoft.com/office/drawing/2014/main" id="{42D9666E-95C7-65FF-CC05-6A61DC8BFB5E}"/>
-              </a:ext>
-            </a:extLst>
-          </p:cNvPr>
+            <a:endParaRPr lang="zh-CN" altLang="en-US"/>
+          </a:p>
+        </p:txBody>
+      </p:sp>
+      <p:sp>
+        <p:nvSpPr>
+          <p:cNvPr id="4" name="日期占位符 3"/>
           <p:cNvSpPr>
             <a:spLocks noGrp="1"/>
           </p:cNvSpPr>
@@ -3263,7 +5151,6 @@
           <a:p>
             <a:fld id="{275DC738-563F-4FEF-BC8D-311477083EDF}" type="datetimeFigureOut">
               <a:rPr lang="zh-CN" altLang="en-US" smtClean="0"/>
-              <a:t>2024/6/5</a:t>
             </a:fld>
             <a:endParaRPr lang="zh-CN" altLang="en-US"/>
           </a:p>
@@ -3271,13 +5158,7 @@
       </p:sp>
       <p:sp>
         <p:nvSpPr>
-          <p:cNvPr id="5" name="页脚占位符 4">
-            <a:extLst>
-              <a:ext uri="{FF2B5EF4-FFF2-40B4-BE49-F238E27FC236}">
-                <a16:creationId xmlns:a16="http://schemas.microsoft.com/office/drawing/2014/main" id="{73E863F9-2EBF-1CD8-FA25-DFA17BEEB0B7}"/>
-              </a:ext>
-            </a:extLst>
-          </p:cNvPr>
+          <p:cNvPr id="5" name="页脚占位符 4"/>
           <p:cNvSpPr>
             <a:spLocks noGrp="1"/>
           </p:cNvSpPr>
@@ -3314,13 +5195,7 @@
       </p:sp>
       <p:sp>
         <p:nvSpPr>
-          <p:cNvPr id="6" name="灯片编号占位符 5">
-            <a:extLst>
-              <a:ext uri="{FF2B5EF4-FFF2-40B4-BE49-F238E27FC236}">
-                <a16:creationId xmlns:a16="http://schemas.microsoft.com/office/drawing/2014/main" id="{5DBC7E89-0F8F-8820-0DE2-86DA40856759}"/>
-              </a:ext>
-            </a:extLst>
-          </p:cNvPr>
+          <p:cNvPr id="6" name="灯片编号占位符 5"/>
           <p:cNvSpPr>
             <a:spLocks noGrp="1"/>
           </p:cNvSpPr>
@@ -3353,18 +5228,12 @@
           <a:p>
             <a:fld id="{1DE5FF4B-6349-4528-A0D0-65AD1842A02D}" type="slidenum">
               <a:rPr lang="zh-CN" altLang="en-US" smtClean="0"/>
-              <a:t>‹#›</a:t>
             </a:fld>
             <a:endParaRPr lang="zh-CN" altLang="en-US"/>
           </a:p>
         </p:txBody>
       </p:sp>
     </p:spTree>
-    <p:extLst>
-      <p:ext uri="{BB962C8B-B14F-4D97-AF65-F5344CB8AC3E}">
-        <p14:creationId xmlns:p14="http://schemas.microsoft.com/office/powerpoint/2010/main" val="3908472533"/>
-      </p:ext>
-    </p:extLst>
   </p:cSld>
   <p:clrMap bg1="lt1" tx1="dk1" bg2="lt2" tx2="dk2" accent1="accent1" accent2="accent2" accent3="accent3" accent4="accent4" accent5="accent5" accent6="accent6" hlink="hlink" folHlink="folHlink"/>
   <p:sldLayoutIdLst>
@@ -3379,6 +5248,543 @@
     <p:sldLayoutId id="2147483657" r:id="rId9"/>
     <p:sldLayoutId id="2147483658" r:id="rId10"/>
     <p:sldLayoutId id="2147483659" r:id="rId11"/>
+  </p:sldLayoutIdLst>
+  <p:txStyles>
+    <p:titleStyle>
+      <a:lvl1pPr algn="l" defTabSz="914400" rtl="0" eaLnBrk="1" latinLnBrk="0" hangingPunct="1">
+        <a:lnSpc>
+          <a:spcPct val="90000"/>
+        </a:lnSpc>
+        <a:spcBef>
+          <a:spcPct val="0"/>
+        </a:spcBef>
+        <a:buNone/>
+        <a:defRPr sz="4400" kern="1200">
+          <a:solidFill>
+            <a:schemeClr val="tx1"/>
+          </a:solidFill>
+          <a:latin typeface="+mj-lt"/>
+          <a:ea typeface="+mj-ea"/>
+          <a:cs typeface="+mj-cs"/>
+        </a:defRPr>
+      </a:lvl1pPr>
+    </p:titleStyle>
+    <p:bodyStyle>
+      <a:lvl1pPr marL="228600" indent="-228600" algn="l" defTabSz="914400" rtl="0" eaLnBrk="1" latinLnBrk="0" hangingPunct="1">
+        <a:lnSpc>
+          <a:spcPct val="90000"/>
+        </a:lnSpc>
+        <a:spcBef>
+          <a:spcPts val="1000"/>
+        </a:spcBef>
+        <a:buFont typeface="Arial" panose="020B0604020202020204" pitchFamily="34" charset="0"/>
+        <a:buChar char="•"/>
+        <a:defRPr sz="2800" kern="1200">
+          <a:solidFill>
+            <a:schemeClr val="tx1"/>
+          </a:solidFill>
+          <a:latin typeface="+mn-lt"/>
+          <a:ea typeface="+mn-ea"/>
+          <a:cs typeface="+mn-cs"/>
+        </a:defRPr>
+      </a:lvl1pPr>
+      <a:lvl2pPr marL="685800" indent="-228600" algn="l" defTabSz="914400" rtl="0" eaLnBrk="1" latinLnBrk="0" hangingPunct="1">
+        <a:lnSpc>
+          <a:spcPct val="90000"/>
+        </a:lnSpc>
+        <a:spcBef>
+          <a:spcPts val="500"/>
+        </a:spcBef>
+        <a:buFont typeface="Arial" panose="020B0604020202020204" pitchFamily="34" charset="0"/>
+        <a:buChar char="•"/>
+        <a:defRPr sz="2400" kern="1200">
+          <a:solidFill>
+            <a:schemeClr val="tx1"/>
+          </a:solidFill>
+          <a:latin typeface="+mn-lt"/>
+          <a:ea typeface="+mn-ea"/>
+          <a:cs typeface="+mn-cs"/>
+        </a:defRPr>
+      </a:lvl2pPr>
+      <a:lvl3pPr marL="1143000" indent="-228600" algn="l" defTabSz="914400" rtl="0" eaLnBrk="1" latinLnBrk="0" hangingPunct="1">
+        <a:lnSpc>
+          <a:spcPct val="90000"/>
+        </a:lnSpc>
+        <a:spcBef>
+          <a:spcPts val="500"/>
+        </a:spcBef>
+        <a:buFont typeface="Arial" panose="020B0604020202020204" pitchFamily="34" charset="0"/>
+        <a:buChar char="•"/>
+        <a:defRPr sz="2000" kern="1200">
+          <a:solidFill>
+            <a:schemeClr val="tx1"/>
+          </a:solidFill>
+          <a:latin typeface="+mn-lt"/>
+          <a:ea typeface="+mn-ea"/>
+          <a:cs typeface="+mn-cs"/>
+        </a:defRPr>
+      </a:lvl3pPr>
+      <a:lvl4pPr marL="1600200" indent="-228600" algn="l" defTabSz="914400" rtl="0" eaLnBrk="1" latinLnBrk="0" hangingPunct="1">
+        <a:lnSpc>
+          <a:spcPct val="90000"/>
+        </a:lnSpc>
+        <a:spcBef>
+          <a:spcPts val="500"/>
+        </a:spcBef>
+        <a:buFont typeface="Arial" panose="020B0604020202020204" pitchFamily="34" charset="0"/>
+        <a:buChar char="•"/>
+        <a:defRPr sz="1800" kern="1200">
+          <a:solidFill>
+            <a:schemeClr val="tx1"/>
+          </a:solidFill>
+          <a:latin typeface="+mn-lt"/>
+          <a:ea typeface="+mn-ea"/>
+          <a:cs typeface="+mn-cs"/>
+        </a:defRPr>
+      </a:lvl4pPr>
+      <a:lvl5pPr marL="2057400" indent="-228600" algn="l" defTabSz="914400" rtl="0" eaLnBrk="1" latinLnBrk="0" hangingPunct="1">
+        <a:lnSpc>
+          <a:spcPct val="90000"/>
+        </a:lnSpc>
+        <a:spcBef>
+          <a:spcPts val="500"/>
+        </a:spcBef>
+        <a:buFont typeface="Arial" panose="020B0604020202020204" pitchFamily="34" charset="0"/>
+        <a:buChar char="•"/>
+        <a:defRPr sz="1800" kern="1200">
+          <a:solidFill>
+            <a:schemeClr val="tx1"/>
+          </a:solidFill>
+          <a:latin typeface="+mn-lt"/>
+          <a:ea typeface="+mn-ea"/>
+          <a:cs typeface="+mn-cs"/>
+        </a:defRPr>
+      </a:lvl5pPr>
+      <a:lvl6pPr marL="2514600" indent="-228600" algn="l" defTabSz="914400" rtl="0" eaLnBrk="1" latinLnBrk="0" hangingPunct="1">
+        <a:lnSpc>
+          <a:spcPct val="90000"/>
+        </a:lnSpc>
+        <a:spcBef>
+          <a:spcPts val="500"/>
+        </a:spcBef>
+        <a:buFont typeface="Arial" panose="020B0604020202020204" pitchFamily="34" charset="0"/>
+        <a:buChar char="•"/>
+        <a:defRPr sz="1800" kern="1200">
+          <a:solidFill>
+            <a:schemeClr val="tx1"/>
+          </a:solidFill>
+          <a:latin typeface="+mn-lt"/>
+          <a:ea typeface="+mn-ea"/>
+          <a:cs typeface="+mn-cs"/>
+        </a:defRPr>
+      </a:lvl6pPr>
+      <a:lvl7pPr marL="2971800" indent="-228600" algn="l" defTabSz="914400" rtl="0" eaLnBrk="1" latinLnBrk="0" hangingPunct="1">
+        <a:lnSpc>
+          <a:spcPct val="90000"/>
+        </a:lnSpc>
+        <a:spcBef>
+          <a:spcPts val="500"/>
+        </a:spcBef>
+        <a:buFont typeface="Arial" panose="020B0604020202020204" pitchFamily="34" charset="0"/>
+        <a:buChar char="•"/>
+        <a:defRPr sz="1800" kern="1200">
+          <a:solidFill>
+            <a:schemeClr val="tx1"/>
+          </a:solidFill>
+          <a:latin typeface="+mn-lt"/>
+          <a:ea typeface="+mn-ea"/>
+          <a:cs typeface="+mn-cs"/>
+        </a:defRPr>
+      </a:lvl7pPr>
+      <a:lvl8pPr marL="3429000" indent="-228600" algn="l" defTabSz="914400" rtl="0" eaLnBrk="1" latinLnBrk="0" hangingPunct="1">
+        <a:lnSpc>
+          <a:spcPct val="90000"/>
+        </a:lnSpc>
+        <a:spcBef>
+          <a:spcPts val="500"/>
+        </a:spcBef>
+        <a:buFont typeface="Arial" panose="020B0604020202020204" pitchFamily="34" charset="0"/>
+        <a:buChar char="•"/>
+        <a:defRPr sz="1800" kern="1200">
+          <a:solidFill>
+            <a:schemeClr val="tx1"/>
+          </a:solidFill>
+          <a:latin typeface="+mn-lt"/>
+          <a:ea typeface="+mn-ea"/>
+          <a:cs typeface="+mn-cs"/>
+        </a:defRPr>
+      </a:lvl8pPr>
+      <a:lvl9pPr marL="3886200" indent="-228600" algn="l" defTabSz="914400" rtl="0" eaLnBrk="1" latinLnBrk="0" hangingPunct="1">
+        <a:lnSpc>
+          <a:spcPct val="90000"/>
+        </a:lnSpc>
+        <a:spcBef>
+          <a:spcPts val="500"/>
+        </a:spcBef>
+        <a:buFont typeface="Arial" panose="020B0604020202020204" pitchFamily="34" charset="0"/>
+        <a:buChar char="•"/>
+        <a:defRPr sz="1800" kern="1200">
+          <a:solidFill>
+            <a:schemeClr val="tx1"/>
+          </a:solidFill>
+          <a:latin typeface="+mn-lt"/>
+          <a:ea typeface="+mn-ea"/>
+          <a:cs typeface="+mn-cs"/>
+        </a:defRPr>
+      </a:lvl9pPr>
+    </p:bodyStyle>
+    <p:otherStyle>
+      <a:defPPr>
+        <a:defRPr lang="zh-CN"/>
+      </a:defPPr>
+      <a:lvl1pPr marL="0" algn="l" defTabSz="914400" rtl="0" eaLnBrk="1" latinLnBrk="0" hangingPunct="1">
+        <a:defRPr sz="1800" kern="1200">
+          <a:solidFill>
+            <a:schemeClr val="tx1"/>
+          </a:solidFill>
+          <a:latin typeface="+mn-lt"/>
+          <a:ea typeface="+mn-ea"/>
+          <a:cs typeface="+mn-cs"/>
+        </a:defRPr>
+      </a:lvl1pPr>
+      <a:lvl2pPr marL="457200" algn="l" defTabSz="914400" rtl="0" eaLnBrk="1" latinLnBrk="0" hangingPunct="1">
+        <a:defRPr sz="1800" kern="1200">
+          <a:solidFill>
+            <a:schemeClr val="tx1"/>
+          </a:solidFill>
+          <a:latin typeface="+mn-lt"/>
+          <a:ea typeface="+mn-ea"/>
+          <a:cs typeface="+mn-cs"/>
+        </a:defRPr>
+      </a:lvl2pPr>
+      <a:lvl3pPr marL="914400" algn="l" defTabSz="914400" rtl="0" eaLnBrk="1" latinLnBrk="0" hangingPunct="1">
+        <a:defRPr sz="1800" kern="1200">
+          <a:solidFill>
+            <a:schemeClr val="tx1"/>
+          </a:solidFill>
+          <a:latin typeface="+mn-lt"/>
+          <a:ea typeface="+mn-ea"/>
+          <a:cs typeface="+mn-cs"/>
+        </a:defRPr>
+      </a:lvl3pPr>
+      <a:lvl4pPr marL="1371600" algn="l" defTabSz="914400" rtl="0" eaLnBrk="1" latinLnBrk="0" hangingPunct="1">
+        <a:defRPr sz="1800" kern="1200">
+          <a:solidFill>
+            <a:schemeClr val="tx1"/>
+          </a:solidFill>
+          <a:latin typeface="+mn-lt"/>
+          <a:ea typeface="+mn-ea"/>
+          <a:cs typeface="+mn-cs"/>
+        </a:defRPr>
+      </a:lvl4pPr>
+      <a:lvl5pPr marL="1828800" algn="l" defTabSz="914400" rtl="0" eaLnBrk="1" latinLnBrk="0" hangingPunct="1">
+        <a:defRPr sz="1800" kern="1200">
+          <a:solidFill>
+            <a:schemeClr val="tx1"/>
+          </a:solidFill>
+          <a:latin typeface="+mn-lt"/>
+          <a:ea typeface="+mn-ea"/>
+          <a:cs typeface="+mn-cs"/>
+        </a:defRPr>
+      </a:lvl5pPr>
+      <a:lvl6pPr marL="2286000" algn="l" defTabSz="914400" rtl="0" eaLnBrk="1" latinLnBrk="0" hangingPunct="1">
+        <a:defRPr sz="1800" kern="1200">
+          <a:solidFill>
+            <a:schemeClr val="tx1"/>
+          </a:solidFill>
+          <a:latin typeface="+mn-lt"/>
+          <a:ea typeface="+mn-ea"/>
+          <a:cs typeface="+mn-cs"/>
+        </a:defRPr>
+      </a:lvl6pPr>
+      <a:lvl7pPr marL="2743200" algn="l" defTabSz="914400" rtl="0" eaLnBrk="1" latinLnBrk="0" hangingPunct="1">
+        <a:defRPr sz="1800" kern="1200">
+          <a:solidFill>
+            <a:schemeClr val="tx1"/>
+          </a:solidFill>
+          <a:latin typeface="+mn-lt"/>
+          <a:ea typeface="+mn-ea"/>
+          <a:cs typeface="+mn-cs"/>
+        </a:defRPr>
+      </a:lvl7pPr>
+      <a:lvl8pPr marL="3200400" algn="l" defTabSz="914400" rtl="0" eaLnBrk="1" latinLnBrk="0" hangingPunct="1">
+        <a:defRPr sz="1800" kern="1200">
+          <a:solidFill>
+            <a:schemeClr val="tx1"/>
+          </a:solidFill>
+          <a:latin typeface="+mn-lt"/>
+          <a:ea typeface="+mn-ea"/>
+          <a:cs typeface="+mn-cs"/>
+        </a:defRPr>
+      </a:lvl8pPr>
+      <a:lvl9pPr marL="3657600" algn="l" defTabSz="914400" rtl="0" eaLnBrk="1" latinLnBrk="0" hangingPunct="1">
+        <a:defRPr sz="1800" kern="1200">
+          <a:solidFill>
+            <a:schemeClr val="tx1"/>
+          </a:solidFill>
+          <a:latin typeface="+mn-lt"/>
+          <a:ea typeface="+mn-ea"/>
+          <a:cs typeface="+mn-cs"/>
+        </a:defRPr>
+      </a:lvl9pPr>
+    </p:otherStyle>
+  </p:txStyles>
+</p:sldMaster>
+</file>
+
+<file path=ppt/slideMasters/slideMaster2.xml><?xml version="1.0" encoding="utf-8"?>
+<p:sldMaster xmlns:a="http://schemas.openxmlformats.org/drawingml/2006/main" xmlns:r="http://schemas.openxmlformats.org/officeDocument/2006/relationships" xmlns:p="http://schemas.openxmlformats.org/presentationml/2006/main">
+  <p:cSld>
+    <p:bg>
+      <p:bgRef idx="1001">
+        <a:schemeClr val="bg1"/>
+      </p:bgRef>
+    </p:bg>
+    <p:spTree>
+      <p:nvGrpSpPr>
+        <p:cNvPr id="1" name=""/>
+        <p:cNvGrpSpPr/>
+        <p:nvPr/>
+      </p:nvGrpSpPr>
+      <p:grpSpPr>
+        <a:xfrm>
+          <a:off x="0" y="0"/>
+          <a:ext cx="0" cy="0"/>
+          <a:chOff x="0" y="0"/>
+          <a:chExt cx="0" cy="0"/>
+        </a:xfrm>
+      </p:grpSpPr>
+      <p:sp>
+        <p:nvSpPr>
+          <p:cNvPr id="2" name="标题占位符 1"/>
+          <p:cNvSpPr>
+            <a:spLocks noGrp="1"/>
+          </p:cNvSpPr>
+          <p:nvPr>
+            <p:ph type="title"/>
+          </p:nvPr>
+        </p:nvSpPr>
+        <p:spPr>
+          <a:xfrm>
+            <a:off x="838200" y="365125"/>
+            <a:ext cx="10515600" cy="1325563"/>
+          </a:xfrm>
+          <a:prstGeom prst="rect">
+            <a:avLst/>
+          </a:prstGeom>
+        </p:spPr>
+        <p:txBody>
+          <a:bodyPr vert="horz" lIns="91440" tIns="45720" rIns="91440" bIns="45720" rtlCol="0" anchor="ctr">
+            <a:normAutofit/>
+          </a:bodyPr>
+          <a:lstStyle/>
+          <a:p>
+            <a:r>
+              <a:rPr lang="zh-CN" altLang="en-US"/>
+              <a:t>单击此处编辑母版标题样式</a:t>
+            </a:r>
+            <a:endParaRPr lang="zh-CN" altLang="en-US"/>
+          </a:p>
+        </p:txBody>
+      </p:sp>
+      <p:sp>
+        <p:nvSpPr>
+          <p:cNvPr id="3" name="文本占位符 2"/>
+          <p:cNvSpPr>
+            <a:spLocks noGrp="1"/>
+          </p:cNvSpPr>
+          <p:nvPr>
+            <p:ph type="body" idx="1"/>
+          </p:nvPr>
+        </p:nvSpPr>
+        <p:spPr>
+          <a:xfrm>
+            <a:off x="838200" y="1825625"/>
+            <a:ext cx="10515600" cy="4351338"/>
+          </a:xfrm>
+          <a:prstGeom prst="rect">
+            <a:avLst/>
+          </a:prstGeom>
+        </p:spPr>
+        <p:txBody>
+          <a:bodyPr vert="horz" lIns="91440" tIns="45720" rIns="91440" bIns="45720" rtlCol="0">
+            <a:normAutofit/>
+          </a:bodyPr>
+          <a:lstStyle/>
+          <a:p>
+            <a:pPr lvl="0"/>
+            <a:r>
+              <a:rPr lang="zh-CN" altLang="en-US"/>
+              <a:t>单击此处编辑母版文本样式</a:t>
+            </a:r>
+            <a:endParaRPr lang="zh-CN" altLang="en-US"/>
+          </a:p>
+          <a:p>
+            <a:pPr lvl="1"/>
+            <a:r>
+              <a:rPr lang="zh-CN" altLang="en-US"/>
+              <a:t>二级</a:t>
+            </a:r>
+            <a:endParaRPr lang="zh-CN" altLang="en-US"/>
+          </a:p>
+          <a:p>
+            <a:pPr lvl="2"/>
+            <a:r>
+              <a:rPr lang="zh-CN" altLang="en-US"/>
+              <a:t>三级</a:t>
+            </a:r>
+            <a:endParaRPr lang="zh-CN" altLang="en-US"/>
+          </a:p>
+          <a:p>
+            <a:pPr lvl="3"/>
+            <a:r>
+              <a:rPr lang="zh-CN" altLang="en-US"/>
+              <a:t>四级</a:t>
+            </a:r>
+            <a:endParaRPr lang="zh-CN" altLang="en-US"/>
+          </a:p>
+          <a:p>
+            <a:pPr lvl="4"/>
+            <a:r>
+              <a:rPr lang="zh-CN" altLang="en-US"/>
+              <a:t>五级</a:t>
+            </a:r>
+            <a:endParaRPr lang="zh-CN" altLang="en-US"/>
+          </a:p>
+        </p:txBody>
+      </p:sp>
+      <p:sp>
+        <p:nvSpPr>
+          <p:cNvPr id="4" name="日期占位符 3"/>
+          <p:cNvSpPr>
+            <a:spLocks noGrp="1"/>
+          </p:cNvSpPr>
+          <p:nvPr>
+            <p:ph type="dt" sz="half" idx="2"/>
+          </p:nvPr>
+        </p:nvSpPr>
+        <p:spPr>
+          <a:xfrm>
+            <a:off x="838200" y="6356350"/>
+            <a:ext cx="2743200" cy="365125"/>
+          </a:xfrm>
+          <a:prstGeom prst="rect">
+            <a:avLst/>
+          </a:prstGeom>
+        </p:spPr>
+        <p:txBody>
+          <a:bodyPr vert="horz" lIns="91440" tIns="45720" rIns="91440" bIns="45720" rtlCol="0" anchor="ctr"/>
+          <a:lstStyle>
+            <a:lvl1pPr algn="l">
+              <a:defRPr sz="1200">
+                <a:solidFill>
+                  <a:schemeClr val="tx1">
+                    <a:tint val="75000"/>
+                  </a:schemeClr>
+                </a:solidFill>
+              </a:defRPr>
+            </a:lvl1pPr>
+          </a:lstStyle>
+          <a:p>
+            <a:fld id="{275DC738-563F-4FEF-BC8D-311477083EDF}" type="datetimeFigureOut">
+              <a:rPr lang="zh-CN" altLang="en-US" smtClean="0"/>
+            </a:fld>
+            <a:endParaRPr lang="zh-CN" altLang="en-US"/>
+          </a:p>
+        </p:txBody>
+      </p:sp>
+      <p:sp>
+        <p:nvSpPr>
+          <p:cNvPr id="5" name="页脚占位符 4"/>
+          <p:cNvSpPr>
+            <a:spLocks noGrp="1"/>
+          </p:cNvSpPr>
+          <p:nvPr>
+            <p:ph type="ftr" sz="quarter" idx="3"/>
+          </p:nvPr>
+        </p:nvSpPr>
+        <p:spPr>
+          <a:xfrm>
+            <a:off x="4038600" y="6356350"/>
+            <a:ext cx="4114800" cy="365125"/>
+          </a:xfrm>
+          <a:prstGeom prst="rect">
+            <a:avLst/>
+          </a:prstGeom>
+        </p:spPr>
+        <p:txBody>
+          <a:bodyPr vert="horz" lIns="91440" tIns="45720" rIns="91440" bIns="45720" rtlCol="0" anchor="ctr"/>
+          <a:lstStyle>
+            <a:lvl1pPr algn="ctr">
+              <a:defRPr sz="1200">
+                <a:solidFill>
+                  <a:schemeClr val="tx1">
+                    <a:tint val="75000"/>
+                  </a:schemeClr>
+                </a:solidFill>
+              </a:defRPr>
+            </a:lvl1pPr>
+          </a:lstStyle>
+          <a:p>
+            <a:endParaRPr lang="zh-CN" altLang="en-US"/>
+          </a:p>
+        </p:txBody>
+      </p:sp>
+      <p:sp>
+        <p:nvSpPr>
+          <p:cNvPr id="6" name="灯片编号占位符 5"/>
+          <p:cNvSpPr>
+            <a:spLocks noGrp="1"/>
+          </p:cNvSpPr>
+          <p:nvPr>
+            <p:ph type="sldNum" sz="quarter" idx="4"/>
+          </p:nvPr>
+        </p:nvSpPr>
+        <p:spPr>
+          <a:xfrm>
+            <a:off x="8610600" y="6356350"/>
+            <a:ext cx="2743200" cy="365125"/>
+          </a:xfrm>
+          <a:prstGeom prst="rect">
+            <a:avLst/>
+          </a:prstGeom>
+        </p:spPr>
+        <p:txBody>
+          <a:bodyPr vert="horz" lIns="91440" tIns="45720" rIns="91440" bIns="45720" rtlCol="0" anchor="ctr"/>
+          <a:lstStyle>
+            <a:lvl1pPr algn="r">
+              <a:defRPr sz="1200">
+                <a:solidFill>
+                  <a:schemeClr val="tx1">
+                    <a:tint val="75000"/>
+                  </a:schemeClr>
+                </a:solidFill>
+              </a:defRPr>
+            </a:lvl1pPr>
+          </a:lstStyle>
+          <a:p>
+            <a:fld id="{1DE5FF4B-6349-4528-A0D0-65AD1842A02D}" type="slidenum">
+              <a:rPr lang="zh-CN" altLang="en-US" smtClean="0"/>
+            </a:fld>
+            <a:endParaRPr lang="zh-CN" altLang="en-US"/>
+          </a:p>
+        </p:txBody>
+      </p:sp>
+    </p:spTree>
+  </p:cSld>
+  <p:clrMap bg1="lt1" tx1="dk1" bg2="lt2" tx2="dk2" accent1="accent1" accent2="accent2" accent3="accent3" accent4="accent4" accent5="accent5" accent6="accent6" hlink="hlink" folHlink="folHlink"/>
+  <p:sldLayoutIdLst>
+    <p:sldLayoutId id="2147483661" r:id="rId1"/>
+    <p:sldLayoutId id="2147483662" r:id="rId2"/>
+    <p:sldLayoutId id="2147483663" r:id="rId3"/>
+    <p:sldLayoutId id="2147483664" r:id="rId4"/>
+    <p:sldLayoutId id="2147483665" r:id="rId5"/>
+    <p:sldLayoutId id="2147483666" r:id="rId6"/>
+    <p:sldLayoutId id="2147483667" r:id="rId7"/>
+    <p:sldLayoutId id="2147483668" r:id="rId8"/>
+    <p:sldLayoutId id="2147483669" r:id="rId9"/>
+    <p:sldLayoutId id="2147483670" r:id="rId10"/>
+    <p:sldLayoutId id="2147483671" r:id="rId11"/>
   </p:sldLayoutIdLst>
   <p:txStyles>
     <p:titleStyle>
@@ -3682,13 +6088,7 @@
       </p:grpSpPr>
       <p:sp>
         <p:nvSpPr>
-          <p:cNvPr id="2" name="标题 1">
-            <a:extLst>
-              <a:ext uri="{FF2B5EF4-FFF2-40B4-BE49-F238E27FC236}">
-                <a16:creationId xmlns:a16="http://schemas.microsoft.com/office/drawing/2014/main" id="{B6673F52-AED5-B0EA-6D73-CF06400B24F4}"/>
-              </a:ext>
-            </a:extLst>
-          </p:cNvPr>
+          <p:cNvPr id="2" name="标题 1"/>
           <p:cNvSpPr>
             <a:spLocks noGrp="1"/>
           </p:cNvSpPr>
@@ -3725,15 +6125,575 @@
               </a:rPr>
               <a:t>期末复习</a:t>
             </a:r>
+            <a:endParaRPr lang="zh-CN" altLang="en-US" b="1" dirty="0">
+              <a:effectLst>
+                <a:outerShdw blurRad="38100" dist="38100" dir="2700000" algn="tl">
+                  <a:srgbClr val="000000">
+                    <a:alpha val="43137"/>
+                  </a:srgbClr>
+                </a:outerShdw>
+              </a:effectLst>
+            </a:endParaRPr>
           </a:p>
         </p:txBody>
       </p:sp>
     </p:spTree>
-    <p:extLst>
-      <p:ext uri="{BB962C8B-B14F-4D97-AF65-F5344CB8AC3E}">
-        <p14:creationId xmlns:p14="http://schemas.microsoft.com/office/powerpoint/2010/main" val="1195562753"/>
-      </p:ext>
-    </p:extLst>
+  </p:cSld>
+  <p:clrMapOvr>
+    <a:masterClrMapping/>
+  </p:clrMapOvr>
+</p:sld>
+</file>
+
+<file path=ppt/slides/slide10.xml><?xml version="1.0" encoding="utf-8"?>
+<p:sld xmlns:a="http://schemas.openxmlformats.org/drawingml/2006/main" xmlns:r="http://schemas.openxmlformats.org/officeDocument/2006/relationships" xmlns:p="http://schemas.openxmlformats.org/presentationml/2006/main">
+  <p:cSld>
+    <p:spTree>
+      <p:nvGrpSpPr>
+        <p:cNvPr id="1" name=""/>
+        <p:cNvGrpSpPr/>
+        <p:nvPr/>
+      </p:nvGrpSpPr>
+      <p:grpSpPr>
+        <a:xfrm>
+          <a:off x="0" y="0"/>
+          <a:ext cx="0" cy="0"/>
+          <a:chOff x="0" y="0"/>
+          <a:chExt cx="0" cy="0"/>
+        </a:xfrm>
+      </p:grpSpPr>
+      <p:sp>
+        <p:nvSpPr>
+          <p:cNvPr id="5" name="文本框 4"/>
+          <p:cNvSpPr txBox="1"/>
+          <p:nvPr/>
+        </p:nvSpPr>
+        <p:spPr>
+          <a:xfrm>
+            <a:off x="818865" y="473065"/>
+            <a:ext cx="7623175" cy="521970"/>
+          </a:xfrm>
+          <a:prstGeom prst="rect">
+            <a:avLst/>
+          </a:prstGeom>
+          <a:noFill/>
+        </p:spPr>
+        <p:txBody>
+          <a:bodyPr wrap="none" rtlCol="0">
+            <a:spAutoFit/>
+          </a:bodyPr>
+          <a:lstStyle/>
+          <a:p>
+            <a:pPr marL="457200" indent="-457200">
+              <a:buFont typeface="Arial" panose="020B0604020202020204" pitchFamily="34" charset="0"/>
+              <a:buChar char="•"/>
+            </a:pPr>
+            <a:r>
+              <a:rPr lang="zh-CN" altLang="en-US" sz="2800" b="1" dirty="0"/>
+              <a:t>手写代码题 </a:t>
+            </a:r>
+            <a:r>
+              <a:rPr lang="en-US" altLang="zh-CN" sz="2800" b="1" dirty="0"/>
+              <a:t>– 4 * 5p = 10 points + 10 </a:t>
+            </a:r>
+            <a:r>
+              <a:rPr lang="en-US" altLang="zh-CN" sz="2800" b="1" dirty="0"/>
+              <a:t>bonus</a:t>
+            </a:r>
+            <a:endParaRPr lang="en-US" altLang="zh-CN" sz="2800" b="1" dirty="0"/>
+          </a:p>
+        </p:txBody>
+      </p:sp>
+      <p:pic>
+        <p:nvPicPr>
+          <p:cNvPr id="3" name="图片 2"/>
+          <p:cNvPicPr>
+            <a:picLocks noChangeAspect="1"/>
+          </p:cNvPicPr>
+          <p:nvPr/>
+        </p:nvPicPr>
+        <p:blipFill>
+          <a:blip r:embed="rId1"/>
+          <a:stretch>
+            <a:fillRect/>
+          </a:stretch>
+        </p:blipFill>
+        <p:spPr>
+          <a:xfrm>
+            <a:off x="2043430" y="1341120"/>
+            <a:ext cx="8105140" cy="2199005"/>
+          </a:xfrm>
+          <a:prstGeom prst="rect">
+            <a:avLst/>
+          </a:prstGeom>
+        </p:spPr>
+      </p:pic>
+    </p:spTree>
+  </p:cSld>
+  <p:clrMapOvr>
+    <a:masterClrMapping/>
+  </p:clrMapOvr>
+</p:sld>
+</file>
+
+<file path=ppt/slides/slide11.xml><?xml version="1.0" encoding="utf-8"?>
+<p:sld xmlns:a="http://schemas.openxmlformats.org/drawingml/2006/main" xmlns:r="http://schemas.openxmlformats.org/officeDocument/2006/relationships" xmlns:p="http://schemas.openxmlformats.org/presentationml/2006/main">
+  <p:cSld>
+    <p:spTree>
+      <p:nvGrpSpPr>
+        <p:cNvPr id="1" name=""/>
+        <p:cNvGrpSpPr/>
+        <p:nvPr/>
+      </p:nvGrpSpPr>
+      <p:grpSpPr>
+        <a:xfrm>
+          <a:off x="0" y="0"/>
+          <a:ext cx="0" cy="0"/>
+          <a:chOff x="0" y="0"/>
+          <a:chExt cx="0" cy="0"/>
+        </a:xfrm>
+      </p:grpSpPr>
+      <p:sp>
+        <p:nvSpPr>
+          <p:cNvPr id="5" name="文本框 4"/>
+          <p:cNvSpPr txBox="1"/>
+          <p:nvPr/>
+        </p:nvSpPr>
+        <p:spPr>
+          <a:xfrm>
+            <a:off x="818865" y="473065"/>
+            <a:ext cx="7623175" cy="521970"/>
+          </a:xfrm>
+          <a:prstGeom prst="rect">
+            <a:avLst/>
+          </a:prstGeom>
+          <a:noFill/>
+        </p:spPr>
+        <p:txBody>
+          <a:bodyPr wrap="none" rtlCol="0">
+            <a:spAutoFit/>
+          </a:bodyPr>
+          <a:lstStyle/>
+          <a:p>
+            <a:pPr marL="457200" indent="-457200" algn="l">
+              <a:buFont typeface="Arial" panose="020B0604020202020204" pitchFamily="34" charset="0"/>
+              <a:buChar char="•"/>
+            </a:pPr>
+            <a:r>
+              <a:rPr lang="zh-CN" altLang="en-US" sz="2800" b="1" dirty="0"/>
+              <a:t>手写代码题 </a:t>
+            </a:r>
+            <a:r>
+              <a:rPr lang="en-US" altLang="zh-CN" sz="2800" b="1" dirty="0"/>
+              <a:t>– </a:t>
+            </a:r>
+            <a:r>
+              <a:rPr lang="en-US" altLang="zh-CN" sz="2800" b="1" dirty="0">
+                <a:sym typeface="+mn-ea"/>
+              </a:rPr>
+              <a:t>4 * 5p = 10 points + 10 bonus</a:t>
+            </a:r>
+            <a:endParaRPr lang="en-US" altLang="zh-CN" sz="2800" b="1" dirty="0"/>
+          </a:p>
+        </p:txBody>
+      </p:sp>
+      <p:pic>
+        <p:nvPicPr>
+          <p:cNvPr id="2" name="图片 1"/>
+          <p:cNvPicPr>
+            <a:picLocks noChangeAspect="1"/>
+          </p:cNvPicPr>
+          <p:nvPr/>
+        </p:nvPicPr>
+        <p:blipFill>
+          <a:blip r:embed="rId1"/>
+          <a:stretch>
+            <a:fillRect/>
+          </a:stretch>
+        </p:blipFill>
+        <p:spPr>
+          <a:xfrm>
+            <a:off x="1947545" y="1196975"/>
+            <a:ext cx="8297545" cy="4667885"/>
+          </a:xfrm>
+          <a:prstGeom prst="rect">
+            <a:avLst/>
+          </a:prstGeom>
+        </p:spPr>
+      </p:pic>
+    </p:spTree>
+  </p:cSld>
+  <p:clrMapOvr>
+    <a:masterClrMapping/>
+  </p:clrMapOvr>
+</p:sld>
+</file>
+
+<file path=ppt/slides/slide12.xml><?xml version="1.0" encoding="utf-8"?>
+<p:sld xmlns:a="http://schemas.openxmlformats.org/drawingml/2006/main" xmlns:r="http://schemas.openxmlformats.org/officeDocument/2006/relationships" xmlns:p="http://schemas.openxmlformats.org/presentationml/2006/main">
+  <p:cSld>
+    <p:spTree>
+      <p:nvGrpSpPr>
+        <p:cNvPr id="1" name=""/>
+        <p:cNvGrpSpPr/>
+        <p:nvPr/>
+      </p:nvGrpSpPr>
+      <p:grpSpPr>
+        <a:xfrm>
+          <a:off x="0" y="0"/>
+          <a:ext cx="0" cy="0"/>
+          <a:chOff x="0" y="0"/>
+          <a:chExt cx="0" cy="0"/>
+        </a:xfrm>
+      </p:grpSpPr>
+      <p:sp>
+        <p:nvSpPr>
+          <p:cNvPr id="5" name="文本框 4"/>
+          <p:cNvSpPr txBox="1"/>
+          <p:nvPr/>
+        </p:nvSpPr>
+        <p:spPr>
+          <a:xfrm>
+            <a:off x="818865" y="473065"/>
+            <a:ext cx="7623175" cy="521970"/>
+          </a:xfrm>
+          <a:prstGeom prst="rect">
+            <a:avLst/>
+          </a:prstGeom>
+          <a:noFill/>
+        </p:spPr>
+        <p:txBody>
+          <a:bodyPr wrap="none" rtlCol="0">
+            <a:spAutoFit/>
+          </a:bodyPr>
+          <a:lstStyle/>
+          <a:p>
+            <a:pPr marL="457200" indent="-457200" algn="l">
+              <a:buFont typeface="Arial" panose="020B0604020202020204" pitchFamily="34" charset="0"/>
+              <a:buChar char="•"/>
+            </a:pPr>
+            <a:r>
+              <a:rPr lang="zh-CN" altLang="en-US" sz="2800" b="1" dirty="0"/>
+              <a:t>手写代码题 </a:t>
+            </a:r>
+            <a:r>
+              <a:rPr lang="en-US" altLang="zh-CN" sz="2800" b="1" dirty="0"/>
+              <a:t>– </a:t>
+            </a:r>
+            <a:r>
+              <a:rPr lang="en-US" altLang="zh-CN" sz="2800" b="1" dirty="0">
+                <a:sym typeface="+mn-ea"/>
+              </a:rPr>
+              <a:t>4 * 5p = 10 points + 10 bonus</a:t>
+            </a:r>
+            <a:endParaRPr lang="en-US" altLang="zh-CN" sz="2800" b="1" dirty="0"/>
+          </a:p>
+        </p:txBody>
+      </p:sp>
+      <p:pic>
+        <p:nvPicPr>
+          <p:cNvPr id="3" name="图片 2"/>
+          <p:cNvPicPr>
+            <a:picLocks noChangeAspect="1"/>
+          </p:cNvPicPr>
+          <p:nvPr/>
+        </p:nvPicPr>
+        <p:blipFill>
+          <a:blip r:embed="rId1"/>
+          <a:stretch>
+            <a:fillRect/>
+          </a:stretch>
+        </p:blipFill>
+        <p:spPr>
+          <a:xfrm>
+            <a:off x="1960245" y="1222375"/>
+            <a:ext cx="8270875" cy="4413250"/>
+          </a:xfrm>
+          <a:prstGeom prst="rect">
+            <a:avLst/>
+          </a:prstGeom>
+        </p:spPr>
+      </p:pic>
+    </p:spTree>
+  </p:cSld>
+  <p:clrMapOvr>
+    <a:masterClrMapping/>
+  </p:clrMapOvr>
+</p:sld>
+</file>
+
+<file path=ppt/slides/slide13.xml><?xml version="1.0" encoding="utf-8"?>
+<p:sld xmlns:a="http://schemas.openxmlformats.org/drawingml/2006/main" xmlns:r="http://schemas.openxmlformats.org/officeDocument/2006/relationships" xmlns:p="http://schemas.openxmlformats.org/presentationml/2006/main">
+  <p:cSld>
+    <p:spTree>
+      <p:nvGrpSpPr>
+        <p:cNvPr id="1" name=""/>
+        <p:cNvGrpSpPr/>
+        <p:nvPr/>
+      </p:nvGrpSpPr>
+      <p:grpSpPr>
+        <a:xfrm>
+          <a:off x="0" y="0"/>
+          <a:ext cx="0" cy="0"/>
+          <a:chOff x="0" y="0"/>
+          <a:chExt cx="0" cy="0"/>
+        </a:xfrm>
+      </p:grpSpPr>
+      <p:sp>
+        <p:nvSpPr>
+          <p:cNvPr id="5" name="文本框 4"/>
+          <p:cNvSpPr txBox="1"/>
+          <p:nvPr/>
+        </p:nvSpPr>
+        <p:spPr>
+          <a:xfrm>
+            <a:off x="818865" y="473065"/>
+            <a:ext cx="7623175" cy="521970"/>
+          </a:xfrm>
+          <a:prstGeom prst="rect">
+            <a:avLst/>
+          </a:prstGeom>
+          <a:noFill/>
+        </p:spPr>
+        <p:txBody>
+          <a:bodyPr wrap="none" rtlCol="0">
+            <a:spAutoFit/>
+          </a:bodyPr>
+          <a:lstStyle/>
+          <a:p>
+            <a:pPr marL="457200" indent="-457200" algn="l">
+              <a:buFont typeface="Arial" panose="020B0604020202020204" pitchFamily="34" charset="0"/>
+              <a:buChar char="•"/>
+            </a:pPr>
+            <a:r>
+              <a:rPr lang="zh-CN" altLang="en-US" sz="2800" b="1" dirty="0"/>
+              <a:t>手写代码题 </a:t>
+            </a:r>
+            <a:r>
+              <a:rPr lang="en-US" altLang="zh-CN" sz="2800" b="1" dirty="0"/>
+              <a:t>– </a:t>
+            </a:r>
+            <a:r>
+              <a:rPr lang="en-US" altLang="zh-CN" sz="2800" b="1" dirty="0">
+                <a:sym typeface="+mn-ea"/>
+              </a:rPr>
+              <a:t>4 * 5p = 10 points + 10 bonus</a:t>
+            </a:r>
+            <a:endParaRPr lang="en-US" altLang="zh-CN" sz="2800" b="1" dirty="0"/>
+          </a:p>
+        </p:txBody>
+      </p:sp>
+      <p:pic>
+        <p:nvPicPr>
+          <p:cNvPr id="2" name="图片 1"/>
+          <p:cNvPicPr>
+            <a:picLocks noChangeAspect="1"/>
+          </p:cNvPicPr>
+          <p:nvPr/>
+        </p:nvPicPr>
+        <p:blipFill>
+          <a:blip r:embed="rId1"/>
+          <a:stretch>
+            <a:fillRect/>
+          </a:stretch>
+        </p:blipFill>
+        <p:spPr>
+          <a:xfrm>
+            <a:off x="1591945" y="2329815"/>
+            <a:ext cx="9008110" cy="2198370"/>
+          </a:xfrm>
+          <a:prstGeom prst="rect">
+            <a:avLst/>
+          </a:prstGeom>
+        </p:spPr>
+      </p:pic>
+    </p:spTree>
+  </p:cSld>
+  <p:clrMapOvr>
+    <a:masterClrMapping/>
+  </p:clrMapOvr>
+</p:sld>
+</file>
+
+<file path=ppt/slides/slide14.xml><?xml version="1.0" encoding="utf-8"?>
+<p:sld xmlns:a="http://schemas.openxmlformats.org/drawingml/2006/main" xmlns:r="http://schemas.openxmlformats.org/officeDocument/2006/relationships" xmlns:p="http://schemas.openxmlformats.org/presentationml/2006/main">
+  <p:cSld>
+    <p:spTree>
+      <p:nvGrpSpPr>
+        <p:cNvPr id="1" name=""/>
+        <p:cNvGrpSpPr/>
+        <p:nvPr/>
+      </p:nvGrpSpPr>
+      <p:grpSpPr>
+        <a:xfrm>
+          <a:off x="0" y="0"/>
+          <a:ext cx="0" cy="0"/>
+          <a:chOff x="0" y="0"/>
+          <a:chExt cx="0" cy="0"/>
+        </a:xfrm>
+      </p:grpSpPr>
+      <p:sp>
+        <p:nvSpPr>
+          <p:cNvPr id="5" name="文本框 4"/>
+          <p:cNvSpPr txBox="1"/>
+          <p:nvPr/>
+        </p:nvSpPr>
+        <p:spPr>
+          <a:xfrm>
+            <a:off x="818865" y="473065"/>
+            <a:ext cx="7623175" cy="521970"/>
+          </a:xfrm>
+          <a:prstGeom prst="rect">
+            <a:avLst/>
+          </a:prstGeom>
+          <a:noFill/>
+        </p:spPr>
+        <p:txBody>
+          <a:bodyPr wrap="none" rtlCol="0">
+            <a:spAutoFit/>
+          </a:bodyPr>
+          <a:lstStyle/>
+          <a:p>
+            <a:pPr marL="457200" indent="-457200" algn="l">
+              <a:buFont typeface="Arial" panose="020B0604020202020204" pitchFamily="34" charset="0"/>
+              <a:buChar char="•"/>
+            </a:pPr>
+            <a:r>
+              <a:rPr lang="zh-CN" altLang="en-US" sz="2800" b="1" dirty="0"/>
+              <a:t>手写代码题 </a:t>
+            </a:r>
+            <a:r>
+              <a:rPr lang="en-US" altLang="zh-CN" sz="2800" b="1" dirty="0"/>
+              <a:t>– </a:t>
+            </a:r>
+            <a:r>
+              <a:rPr lang="en-US" altLang="zh-CN" sz="2800" b="1" dirty="0">
+                <a:sym typeface="+mn-ea"/>
+              </a:rPr>
+              <a:t>4 * 5p = 10 points + 10 bonus</a:t>
+            </a:r>
+            <a:endParaRPr lang="en-US" altLang="zh-CN" sz="2800" b="1" dirty="0"/>
+          </a:p>
+        </p:txBody>
+      </p:sp>
+      <p:pic>
+        <p:nvPicPr>
+          <p:cNvPr id="3" name="图片 2"/>
+          <p:cNvPicPr>
+            <a:picLocks noChangeAspect="1"/>
+          </p:cNvPicPr>
+          <p:nvPr/>
+        </p:nvPicPr>
+        <p:blipFill>
+          <a:blip r:embed="rId1"/>
+          <a:stretch>
+            <a:fillRect/>
+          </a:stretch>
+        </p:blipFill>
+        <p:spPr>
+          <a:xfrm>
+            <a:off x="2061845" y="1852295"/>
+            <a:ext cx="8068310" cy="3154045"/>
+          </a:xfrm>
+          <a:prstGeom prst="rect">
+            <a:avLst/>
+          </a:prstGeom>
+        </p:spPr>
+      </p:pic>
+    </p:spTree>
+  </p:cSld>
+  <p:clrMapOvr>
+    <a:masterClrMapping/>
+  </p:clrMapOvr>
+</p:sld>
+</file>
+
+<file path=ppt/slides/slide15.xml><?xml version="1.0" encoding="utf-8"?>
+<p:sld xmlns:a="http://schemas.openxmlformats.org/drawingml/2006/main" xmlns:r="http://schemas.openxmlformats.org/officeDocument/2006/relationships" xmlns:p="http://schemas.openxmlformats.org/presentationml/2006/main">
+  <p:cSld>
+    <p:spTree>
+      <p:nvGrpSpPr>
+        <p:cNvPr id="1" name=""/>
+        <p:cNvGrpSpPr/>
+        <p:nvPr/>
+      </p:nvGrpSpPr>
+      <p:grpSpPr>
+        <a:xfrm>
+          <a:off x="0" y="0"/>
+          <a:ext cx="0" cy="0"/>
+          <a:chOff x="0" y="0"/>
+          <a:chExt cx="0" cy="0"/>
+        </a:xfrm>
+      </p:grpSpPr>
+      <p:sp>
+        <p:nvSpPr>
+          <p:cNvPr id="5" name="文本框 4"/>
+          <p:cNvSpPr txBox="1"/>
+          <p:nvPr/>
+        </p:nvSpPr>
+        <p:spPr>
+          <a:xfrm>
+            <a:off x="818865" y="473065"/>
+            <a:ext cx="7623175" cy="521970"/>
+          </a:xfrm>
+          <a:prstGeom prst="rect">
+            <a:avLst/>
+          </a:prstGeom>
+          <a:noFill/>
+        </p:spPr>
+        <p:txBody>
+          <a:bodyPr wrap="none" rtlCol="0">
+            <a:spAutoFit/>
+          </a:bodyPr>
+          <a:lstStyle/>
+          <a:p>
+            <a:pPr marL="457200" indent="-457200" algn="l">
+              <a:buFont typeface="Arial" panose="020B0604020202020204" pitchFamily="34" charset="0"/>
+              <a:buChar char="•"/>
+            </a:pPr>
+            <a:r>
+              <a:rPr lang="zh-CN" altLang="en-US" sz="2800" b="1" dirty="0"/>
+              <a:t>手写代码题 </a:t>
+            </a:r>
+            <a:r>
+              <a:rPr lang="en-US" altLang="zh-CN" sz="2800" b="1" dirty="0"/>
+              <a:t>– </a:t>
+            </a:r>
+            <a:r>
+              <a:rPr lang="en-US" altLang="zh-CN" sz="2800" b="1" dirty="0">
+                <a:sym typeface="+mn-ea"/>
+              </a:rPr>
+              <a:t>4 * 5p = 10 points + 10 bonus</a:t>
+            </a:r>
+            <a:endParaRPr lang="en-US" altLang="zh-CN" sz="2800" b="1" dirty="0"/>
+          </a:p>
+        </p:txBody>
+      </p:sp>
+      <p:pic>
+        <p:nvPicPr>
+          <p:cNvPr id="2" name="图片 1"/>
+          <p:cNvPicPr>
+            <a:picLocks noChangeAspect="1"/>
+          </p:cNvPicPr>
+          <p:nvPr/>
+        </p:nvPicPr>
+        <p:blipFill>
+          <a:blip r:embed="rId1"/>
+          <a:stretch>
+            <a:fillRect/>
+          </a:stretch>
+        </p:blipFill>
+        <p:spPr>
+          <a:xfrm>
+            <a:off x="1909445" y="1713230"/>
+            <a:ext cx="8373110" cy="3827145"/>
+          </a:xfrm>
+          <a:prstGeom prst="rect">
+            <a:avLst/>
+          </a:prstGeom>
+        </p:spPr>
+      </p:pic>
+    </p:spTree>
   </p:cSld>
   <p:clrMapOvr>
     <a:masterClrMapping/>
@@ -3760,13 +6720,7 @@
       </p:grpSpPr>
       <p:sp>
         <p:nvSpPr>
-          <p:cNvPr id="5" name="文本框 4">
-            <a:extLst>
-              <a:ext uri="{FF2B5EF4-FFF2-40B4-BE49-F238E27FC236}">
-                <a16:creationId xmlns:a16="http://schemas.microsoft.com/office/drawing/2014/main" id="{2410DBDF-DABB-EFB2-7DE4-31C062AB696D}"/>
-              </a:ext>
-            </a:extLst>
-          </p:cNvPr>
+          <p:cNvPr id="5" name="文本框 4"/>
           <p:cNvSpPr txBox="1"/>
           <p:nvPr/>
         </p:nvSpPr>
@@ -3798,18 +6752,13 @@
               <a:rPr lang="en-US" altLang="zh-CN" sz="2800" b="1" dirty="0"/>
               <a:t>– 15 * 1p = 15 points</a:t>
             </a:r>
-          </a:p>
-        </p:txBody>
-      </p:sp>
-      <p:sp>
-        <p:nvSpPr>
-          <p:cNvPr id="6" name="文本框 5">
-            <a:extLst>
-              <a:ext uri="{FF2B5EF4-FFF2-40B4-BE49-F238E27FC236}">
-                <a16:creationId xmlns:a16="http://schemas.microsoft.com/office/drawing/2014/main" id="{9CF0AB8F-9622-7137-642A-0CDE2FE3C9E3}"/>
-              </a:ext>
-            </a:extLst>
-          </p:cNvPr>
+            <a:endParaRPr lang="en-US" altLang="zh-CN" sz="2800" b="1" dirty="0"/>
+          </a:p>
+        </p:txBody>
+      </p:sp>
+      <p:sp>
+        <p:nvSpPr>
+          <p:cNvPr id="6" name="文本框 5"/>
           <p:cNvSpPr txBox="1"/>
           <p:nvPr/>
         </p:nvSpPr>
@@ -3847,13 +6796,7 @@
       </p:sp>
       <p:sp>
         <p:nvSpPr>
-          <p:cNvPr id="7" name="文本框 6">
-            <a:extLst>
-              <a:ext uri="{FF2B5EF4-FFF2-40B4-BE49-F238E27FC236}">
-                <a16:creationId xmlns:a16="http://schemas.microsoft.com/office/drawing/2014/main" id="{B97059A1-82FC-B9D8-7193-66E4868A250A}"/>
-              </a:ext>
-            </a:extLst>
-          </p:cNvPr>
+          <p:cNvPr id="7" name="文本框 6"/>
           <p:cNvSpPr txBox="1"/>
           <p:nvPr/>
         </p:nvSpPr>
@@ -3891,13 +6834,7 @@
       </p:sp>
       <p:sp>
         <p:nvSpPr>
-          <p:cNvPr id="8" name="文本框 7">
-            <a:extLst>
-              <a:ext uri="{FF2B5EF4-FFF2-40B4-BE49-F238E27FC236}">
-                <a16:creationId xmlns:a16="http://schemas.microsoft.com/office/drawing/2014/main" id="{08747C79-9922-FE62-4965-89B682A1A99C}"/>
-              </a:ext>
-            </a:extLst>
-          </p:cNvPr>
+          <p:cNvPr id="8" name="文本框 7"/>
           <p:cNvSpPr txBox="1"/>
           <p:nvPr/>
         </p:nvSpPr>
@@ -3929,18 +6866,13 @@
               <a:rPr lang="en-US" altLang="zh-CN" sz="2800" b="1" dirty="0"/>
               <a:t>– 10 * 3p = 30 points</a:t>
             </a:r>
-          </a:p>
-        </p:txBody>
-      </p:sp>
-      <p:sp>
-        <p:nvSpPr>
-          <p:cNvPr id="9" name="文本框 8">
-            <a:extLst>
-              <a:ext uri="{FF2B5EF4-FFF2-40B4-BE49-F238E27FC236}">
-                <a16:creationId xmlns:a16="http://schemas.microsoft.com/office/drawing/2014/main" id="{1A333BAB-185B-02AF-751D-0246EC824E8F}"/>
-              </a:ext>
-            </a:extLst>
-          </p:cNvPr>
+            <a:endParaRPr lang="en-US" altLang="zh-CN" sz="2800" b="1" dirty="0"/>
+          </a:p>
+        </p:txBody>
+      </p:sp>
+      <p:sp>
+        <p:nvSpPr>
+          <p:cNvPr id="9" name="文本框 8"/>
           <p:cNvSpPr txBox="1"/>
           <p:nvPr/>
         </p:nvSpPr>
@@ -3972,15 +6904,11 @@
               <a:rPr lang="en-US" altLang="zh-CN" sz="2800" b="1" dirty="0"/>
               <a:t>– 4 * 5p = 10 points + 10 bonus</a:t>
             </a:r>
+            <a:endParaRPr lang="en-US" altLang="zh-CN" sz="2800" b="1" dirty="0"/>
           </a:p>
         </p:txBody>
       </p:sp>
     </p:spTree>
-    <p:extLst>
-      <p:ext uri="{BB962C8B-B14F-4D97-AF65-F5344CB8AC3E}">
-        <p14:creationId xmlns:p14="http://schemas.microsoft.com/office/powerpoint/2010/main" val="615899434"/>
-      </p:ext>
-    </p:extLst>
   </p:cSld>
   <p:clrMapOvr>
     <a:masterClrMapping/>
@@ -4007,13 +6935,7 @@
       </p:grpSpPr>
       <p:sp>
         <p:nvSpPr>
-          <p:cNvPr id="5" name="文本框 4">
-            <a:extLst>
-              <a:ext uri="{FF2B5EF4-FFF2-40B4-BE49-F238E27FC236}">
-                <a16:creationId xmlns:a16="http://schemas.microsoft.com/office/drawing/2014/main" id="{2410DBDF-DABB-EFB2-7DE4-31C062AB696D}"/>
-              </a:ext>
-            </a:extLst>
-          </p:cNvPr>
+          <p:cNvPr id="5" name="文本框 4"/>
           <p:cNvSpPr txBox="1"/>
           <p:nvPr/>
         </p:nvSpPr>
@@ -4045,18 +6967,13 @@
               <a:rPr lang="en-US" altLang="zh-CN" sz="2800" b="1" dirty="0"/>
               <a:t>– 15 * 1p = 15 points</a:t>
             </a:r>
-          </a:p>
-        </p:txBody>
-      </p:sp>
-      <p:sp>
-        <p:nvSpPr>
-          <p:cNvPr id="2" name="文本框 1">
-            <a:extLst>
-              <a:ext uri="{FF2B5EF4-FFF2-40B4-BE49-F238E27FC236}">
-                <a16:creationId xmlns:a16="http://schemas.microsoft.com/office/drawing/2014/main" id="{D7AC54BF-2B2B-54FB-E25A-7DD85887AE6C}"/>
-              </a:ext>
-            </a:extLst>
-          </p:cNvPr>
+            <a:endParaRPr lang="en-US" altLang="zh-CN" sz="2800" b="1" dirty="0"/>
+          </a:p>
+        </p:txBody>
+      </p:sp>
+      <p:sp>
+        <p:nvSpPr>
+          <p:cNvPr id="2" name="文本框 1"/>
           <p:cNvSpPr txBox="1"/>
           <p:nvPr/>
         </p:nvSpPr>
@@ -4084,6 +7001,7 @@
               <a:rPr lang="en-US" altLang="zh-CN" sz="2400" dirty="0"/>
               <a:t>Assignment operator is evaluated from left to right ( ? )</a:t>
             </a:r>
+            <a:endParaRPr lang="en-US" altLang="zh-CN" sz="2400" dirty="0"/>
           </a:p>
           <a:p>
             <a:pPr marL="342900" indent="-342900">
@@ -4094,6 +7012,7 @@
               <a:rPr lang="en-US" altLang="zh-CN" sz="2400" dirty="0"/>
               <a:t>The expression (y &gt;= z &amp;&amp; a == b) is evaluated by first evaluating y &gt;= z and then evaluating a == b ( ? )</a:t>
             </a:r>
+            <a:endParaRPr lang="en-US" altLang="zh-CN" sz="2400" dirty="0"/>
           </a:p>
           <a:p>
             <a:pPr marL="342900" indent="-342900">
@@ -4104,6 +7023,7 @@
               <a:rPr lang="en-US" altLang="zh-CN" sz="2400" dirty="0"/>
               <a:t>The == operator can be used to compare two String objects. The result is true if the two strings are identical ( ? )</a:t>
             </a:r>
+            <a:endParaRPr lang="en-US" altLang="zh-CN" sz="2400" dirty="0"/>
           </a:p>
           <a:p>
             <a:pPr marL="342900" indent="-342900">
@@ -4114,6 +7034,7 @@
               <a:rPr lang="en-US" altLang="zh-CN" sz="2400" dirty="0"/>
               <a:t>Java programs cannot be executed on a computer unless JDK is installed. ( ? )</a:t>
             </a:r>
+            <a:endParaRPr lang="en-US" altLang="zh-CN" sz="2400" dirty="0"/>
           </a:p>
           <a:p>
             <a:pPr marL="342900" indent="-342900">
@@ -4124,6 +7045,7 @@
               <a:rPr lang="en-US" altLang="zh-CN" sz="2400" dirty="0"/>
               <a:t>Calls to overloaded methods are resolved(determine the called method) at compile time ( ? )</a:t>
             </a:r>
+            <a:endParaRPr lang="en-US" altLang="zh-CN" sz="2400" dirty="0"/>
           </a:p>
           <a:p>
             <a:pPr marL="342900" indent="-342900">
@@ -4139,15 +7061,338 @@
         </p:txBody>
       </p:sp>
     </p:spTree>
-    <p:extLst>
-      <p:ext uri="{BB962C8B-B14F-4D97-AF65-F5344CB8AC3E}">
-        <p14:creationId xmlns:p14="http://schemas.microsoft.com/office/powerpoint/2010/main" val="2483068420"/>
-      </p:ext>
-    </p:extLst>
   </p:cSld>
   <p:clrMapOvr>
     <a:masterClrMapping/>
   </p:clrMapOvr>
+  <p:timing>
+    <p:tnLst>
+      <p:par>
+        <p:cTn id="1" dur="indefinite" restart="never" nodeType="tmRoot">
+          <p:childTnLst>
+            <p:seq concurrent="1" nextAc="seek">
+              <p:cTn id="2" dur="indefinite" nodeType="mainSeq">
+                <p:childTnLst>
+                  <p:par>
+                    <p:cTn id="3" fill="hold">
+                      <p:stCondLst>
+                        <p:cond delay="indefinite"/>
+                      </p:stCondLst>
+                      <p:childTnLst>
+                        <p:par>
+                          <p:cTn id="4" fill="hold">
+                            <p:stCondLst>
+                              <p:cond delay="0"/>
+                            </p:stCondLst>
+                            <p:childTnLst>
+                              <p:par>
+                                <p:cTn id="5" presetID="1" presetClass="entr" presetSubtype="0" fill="hold" grpId="0" nodeType="clickEffect">
+                                  <p:stCondLst>
+                                    <p:cond delay="0"/>
+                                  </p:stCondLst>
+                                  <p:childTnLst>
+                                    <p:set>
+                                      <p:cBhvr>
+                                        <p:cTn id="6" dur="1" fill="hold">
+                                          <p:stCondLst>
+                                            <p:cond delay="0"/>
+                                          </p:stCondLst>
+                                        </p:cTn>
+                                        <p:tgtEl>
+                                          <p:spTgt spid="2">
+                                            <p:txEl>
+                                              <p:pRg st="0" end="0"/>
+                                            </p:txEl>
+                                          </p:spTgt>
+                                        </p:tgtEl>
+                                        <p:attrNameLst>
+                                          <p:attrName>style.visibility</p:attrName>
+                                        </p:attrNameLst>
+                                      </p:cBhvr>
+                                      <p:to>
+                                        <p:strVal val="visible"/>
+                                      </p:to>
+                                    </p:set>
+                                  </p:childTnLst>
+                                </p:cTn>
+                              </p:par>
+                            </p:childTnLst>
+                          </p:cTn>
+                        </p:par>
+                      </p:childTnLst>
+                    </p:cTn>
+                  </p:par>
+                  <p:par>
+                    <p:cTn id="7" fill="hold">
+                      <p:stCondLst>
+                        <p:cond delay="indefinite"/>
+                      </p:stCondLst>
+                      <p:childTnLst>
+                        <p:par>
+                          <p:cTn id="8" fill="hold">
+                            <p:stCondLst>
+                              <p:cond delay="0"/>
+                            </p:stCondLst>
+                            <p:childTnLst>
+                              <p:par>
+                                <p:cTn id="9" presetID="1" presetClass="entr" presetSubtype="0" fill="hold" grpId="0" nodeType="clickEffect">
+                                  <p:stCondLst>
+                                    <p:cond delay="0"/>
+                                  </p:stCondLst>
+                                  <p:childTnLst>
+                                    <p:set>
+                                      <p:cBhvr>
+                                        <p:cTn id="10" dur="1" fill="hold">
+                                          <p:stCondLst>
+                                            <p:cond delay="0"/>
+                                          </p:stCondLst>
+                                        </p:cTn>
+                                        <p:tgtEl>
+                                          <p:spTgt spid="2">
+                                            <p:txEl>
+                                              <p:pRg st="1" end="1"/>
+                                            </p:txEl>
+                                          </p:spTgt>
+                                        </p:tgtEl>
+                                        <p:attrNameLst>
+                                          <p:attrName>style.visibility</p:attrName>
+                                        </p:attrNameLst>
+                                      </p:cBhvr>
+                                      <p:to>
+                                        <p:strVal val="visible"/>
+                                      </p:to>
+                                    </p:set>
+                                  </p:childTnLst>
+                                </p:cTn>
+                              </p:par>
+                            </p:childTnLst>
+                          </p:cTn>
+                        </p:par>
+                      </p:childTnLst>
+                    </p:cTn>
+                  </p:par>
+                  <p:par>
+                    <p:cTn id="11" fill="hold">
+                      <p:stCondLst>
+                        <p:cond delay="indefinite"/>
+                      </p:stCondLst>
+                      <p:childTnLst>
+                        <p:par>
+                          <p:cTn id="12" fill="hold">
+                            <p:stCondLst>
+                              <p:cond delay="0"/>
+                            </p:stCondLst>
+                            <p:childTnLst>
+                              <p:par>
+                                <p:cTn id="13" presetID="1" presetClass="entr" presetSubtype="0" fill="hold" grpId="0" nodeType="clickEffect">
+                                  <p:stCondLst>
+                                    <p:cond delay="0"/>
+                                  </p:stCondLst>
+                                  <p:childTnLst>
+                                    <p:set>
+                                      <p:cBhvr>
+                                        <p:cTn id="14" dur="1" fill="hold">
+                                          <p:stCondLst>
+                                            <p:cond delay="0"/>
+                                          </p:stCondLst>
+                                        </p:cTn>
+                                        <p:tgtEl>
+                                          <p:spTgt spid="2">
+                                            <p:txEl>
+                                              <p:pRg st="2" end="2"/>
+                                            </p:txEl>
+                                          </p:spTgt>
+                                        </p:tgtEl>
+                                        <p:attrNameLst>
+                                          <p:attrName>style.visibility</p:attrName>
+                                        </p:attrNameLst>
+                                      </p:cBhvr>
+                                      <p:to>
+                                        <p:strVal val="visible"/>
+                                      </p:to>
+                                    </p:set>
+                                  </p:childTnLst>
+                                </p:cTn>
+                              </p:par>
+                            </p:childTnLst>
+                          </p:cTn>
+                        </p:par>
+                      </p:childTnLst>
+                    </p:cTn>
+                  </p:par>
+                  <p:par>
+                    <p:cTn id="15" fill="hold">
+                      <p:stCondLst>
+                        <p:cond delay="indefinite"/>
+                      </p:stCondLst>
+                      <p:childTnLst>
+                        <p:par>
+                          <p:cTn id="16" fill="hold">
+                            <p:stCondLst>
+                              <p:cond delay="0"/>
+                            </p:stCondLst>
+                            <p:childTnLst>
+                              <p:par>
+                                <p:cTn id="17" presetID="1" presetClass="entr" presetSubtype="0" fill="hold" grpId="0" nodeType="clickEffect">
+                                  <p:stCondLst>
+                                    <p:cond delay="0"/>
+                                  </p:stCondLst>
+                                  <p:childTnLst>
+                                    <p:set>
+                                      <p:cBhvr>
+                                        <p:cTn id="18" dur="1" fill="hold">
+                                          <p:stCondLst>
+                                            <p:cond delay="0"/>
+                                          </p:stCondLst>
+                                        </p:cTn>
+                                        <p:tgtEl>
+                                          <p:spTgt spid="2">
+                                            <p:txEl>
+                                              <p:pRg st="3" end="3"/>
+                                            </p:txEl>
+                                          </p:spTgt>
+                                        </p:tgtEl>
+                                        <p:attrNameLst>
+                                          <p:attrName>style.visibility</p:attrName>
+                                        </p:attrNameLst>
+                                      </p:cBhvr>
+                                      <p:to>
+                                        <p:strVal val="visible"/>
+                                      </p:to>
+                                    </p:set>
+                                  </p:childTnLst>
+                                </p:cTn>
+                              </p:par>
+                            </p:childTnLst>
+                          </p:cTn>
+                        </p:par>
+                      </p:childTnLst>
+                    </p:cTn>
+                  </p:par>
+                  <p:par>
+                    <p:cTn id="19" fill="hold">
+                      <p:stCondLst>
+                        <p:cond delay="indefinite"/>
+                      </p:stCondLst>
+                      <p:childTnLst>
+                        <p:par>
+                          <p:cTn id="20" fill="hold">
+                            <p:stCondLst>
+                              <p:cond delay="0"/>
+                            </p:stCondLst>
+                            <p:childTnLst>
+                              <p:par>
+                                <p:cTn id="21" presetID="1" presetClass="entr" presetSubtype="0" fill="hold" grpId="0" nodeType="clickEffect">
+                                  <p:stCondLst>
+                                    <p:cond delay="0"/>
+                                  </p:stCondLst>
+                                  <p:childTnLst>
+                                    <p:set>
+                                      <p:cBhvr>
+                                        <p:cTn id="22" dur="1" fill="hold">
+                                          <p:stCondLst>
+                                            <p:cond delay="0"/>
+                                          </p:stCondLst>
+                                        </p:cTn>
+                                        <p:tgtEl>
+                                          <p:spTgt spid="2">
+                                            <p:txEl>
+                                              <p:pRg st="4" end="4"/>
+                                            </p:txEl>
+                                          </p:spTgt>
+                                        </p:tgtEl>
+                                        <p:attrNameLst>
+                                          <p:attrName>style.visibility</p:attrName>
+                                        </p:attrNameLst>
+                                      </p:cBhvr>
+                                      <p:to>
+                                        <p:strVal val="visible"/>
+                                      </p:to>
+                                    </p:set>
+                                  </p:childTnLst>
+                                </p:cTn>
+                              </p:par>
+                            </p:childTnLst>
+                          </p:cTn>
+                        </p:par>
+                      </p:childTnLst>
+                    </p:cTn>
+                  </p:par>
+                  <p:par>
+                    <p:cTn id="23" fill="hold">
+                      <p:stCondLst>
+                        <p:cond delay="indefinite"/>
+                      </p:stCondLst>
+                      <p:childTnLst>
+                        <p:par>
+                          <p:cTn id="24" fill="hold">
+                            <p:stCondLst>
+                              <p:cond delay="0"/>
+                            </p:stCondLst>
+                            <p:childTnLst>
+                              <p:par>
+                                <p:cTn id="25" presetID="1" presetClass="entr" presetSubtype="0" fill="hold" grpId="0" nodeType="clickEffect">
+                                  <p:stCondLst>
+                                    <p:cond delay="0"/>
+                                  </p:stCondLst>
+                                  <p:childTnLst>
+                                    <p:set>
+                                      <p:cBhvr>
+                                        <p:cTn id="26" dur="1" fill="hold">
+                                          <p:stCondLst>
+                                            <p:cond delay="0"/>
+                                          </p:stCondLst>
+                                        </p:cTn>
+                                        <p:tgtEl>
+                                          <p:spTgt spid="2">
+                                            <p:txEl>
+                                              <p:pRg st="5" end="5"/>
+                                            </p:txEl>
+                                          </p:spTgt>
+                                        </p:tgtEl>
+                                        <p:attrNameLst>
+                                          <p:attrName>style.visibility</p:attrName>
+                                        </p:attrNameLst>
+                                      </p:cBhvr>
+                                      <p:to>
+                                        <p:strVal val="visible"/>
+                                      </p:to>
+                                    </p:set>
+                                  </p:childTnLst>
+                                </p:cTn>
+                              </p:par>
+                            </p:childTnLst>
+                          </p:cTn>
+                        </p:par>
+                      </p:childTnLst>
+                    </p:cTn>
+                  </p:par>
+                </p:childTnLst>
+              </p:cTn>
+              <p:prevCondLst>
+                <p:cond evt="onPrev" delay="0">
+                  <p:tgtEl>
+                    <p:sldTgt/>
+                  </p:tgtEl>
+                </p:cond>
+              </p:prevCondLst>
+              <p:nextCondLst>
+                <p:cond evt="onNext" delay="0">
+                  <p:tgtEl>
+                    <p:sldTgt/>
+                  </p:tgtEl>
+                </p:cond>
+              </p:nextCondLst>
+            </p:seq>
+          </p:childTnLst>
+        </p:cTn>
+      </p:par>
+    </p:tnLst>
+    <p:bldLst>
+      <p:bldP spid="2" grpId="0" uiExpand="1" build="p"/>
+      <p:bldP spid="2" grpId="1"/>
+    </p:bldLst>
+  </p:timing>
 </p:sld>
 </file>
 
@@ -4170,13 +7415,7 @@
       </p:grpSpPr>
       <p:sp>
         <p:nvSpPr>
-          <p:cNvPr id="5" name="文本框 4">
-            <a:extLst>
-              <a:ext uri="{FF2B5EF4-FFF2-40B4-BE49-F238E27FC236}">
-                <a16:creationId xmlns:a16="http://schemas.microsoft.com/office/drawing/2014/main" id="{2410DBDF-DABB-EFB2-7DE4-31C062AB696D}"/>
-              </a:ext>
-            </a:extLst>
-          </p:cNvPr>
+          <p:cNvPr id="5" name="文本框 4"/>
           <p:cNvSpPr txBox="1"/>
           <p:nvPr/>
         </p:nvSpPr>
@@ -4214,13 +7453,7 @@
       </p:sp>
       <p:sp>
         <p:nvSpPr>
-          <p:cNvPr id="2" name="文本框 1">
-            <a:extLst>
-              <a:ext uri="{FF2B5EF4-FFF2-40B4-BE49-F238E27FC236}">
-                <a16:creationId xmlns:a16="http://schemas.microsoft.com/office/drawing/2014/main" id="{D7AC54BF-2B2B-54FB-E25A-7DD85887AE6C}"/>
-              </a:ext>
-            </a:extLst>
-          </p:cNvPr>
+          <p:cNvPr id="2" name="文本框 1"/>
           <p:cNvSpPr txBox="1"/>
           <p:nvPr/>
         </p:nvSpPr>
@@ -4248,6 +7481,7 @@
               <a:rPr lang="en-US" altLang="zh-CN" sz="2400" dirty="0"/>
               <a:t>The _______ keyword is an access modifier used for attributes, methods and constructors, making them accessible in the same package and subclasses.</a:t>
             </a:r>
+            <a:endParaRPr lang="en-US" altLang="zh-CN" sz="2400" dirty="0"/>
           </a:p>
           <a:p>
             <a:pPr marL="342900" indent="-342900">
@@ -4258,6 +7492,7 @@
               <a:rPr lang="en-US" altLang="zh-CN" sz="2400" dirty="0"/>
               <a:t>You can’t instantiate a(n) _______ class or a(n) _______ .</a:t>
             </a:r>
+            <a:endParaRPr lang="en-US" altLang="zh-CN" sz="2400" dirty="0"/>
           </a:p>
           <a:p>
             <a:pPr marL="342900" indent="-342900">
@@ -4268,6 +7503,7 @@
               <a:rPr lang="en-US" altLang="zh-CN" sz="2400" dirty="0"/>
               <a:t>Two or more methods may have the same name if they differ in parameters. These methods are called ________ methods.</a:t>
             </a:r>
+            <a:endParaRPr lang="en-US" altLang="zh-CN" sz="2400" dirty="0"/>
           </a:p>
           <a:p>
             <a:pPr marL="342900" indent="-342900">
@@ -4318,11 +7554,6 @@
         </p:txBody>
       </p:sp>
     </p:spTree>
-    <p:extLst>
-      <p:ext uri="{BB962C8B-B14F-4D97-AF65-F5344CB8AC3E}">
-        <p14:creationId xmlns:p14="http://schemas.microsoft.com/office/powerpoint/2010/main" val="3233751061"/>
-      </p:ext>
-    </p:extLst>
   </p:cSld>
   <p:clrMapOvr>
     <a:masterClrMapping/>
@@ -4349,13 +7580,7 @@
       </p:grpSpPr>
       <p:sp>
         <p:nvSpPr>
-          <p:cNvPr id="5" name="文本框 4">
-            <a:extLst>
-              <a:ext uri="{FF2B5EF4-FFF2-40B4-BE49-F238E27FC236}">
-                <a16:creationId xmlns:a16="http://schemas.microsoft.com/office/drawing/2014/main" id="{2410DBDF-DABB-EFB2-7DE4-31C062AB696D}"/>
-              </a:ext>
-            </a:extLst>
-          </p:cNvPr>
+          <p:cNvPr id="5" name="文本框 4"/>
           <p:cNvSpPr txBox="1"/>
           <p:nvPr/>
         </p:nvSpPr>
@@ -4393,13 +7618,7 @@
       </p:sp>
       <p:sp>
         <p:nvSpPr>
-          <p:cNvPr id="2" name="文本框 1">
-            <a:extLst>
-              <a:ext uri="{FF2B5EF4-FFF2-40B4-BE49-F238E27FC236}">
-                <a16:creationId xmlns:a16="http://schemas.microsoft.com/office/drawing/2014/main" id="{D7AC54BF-2B2B-54FB-E25A-7DD85887AE6C}"/>
-              </a:ext>
-            </a:extLst>
-          </p:cNvPr>
+          <p:cNvPr id="2" name="文本框 1"/>
           <p:cNvSpPr txBox="1"/>
           <p:nvPr/>
         </p:nvSpPr>
@@ -4427,39 +7646,39 @@
               <a:rPr lang="en-US" altLang="zh-CN" sz="2400" dirty="0"/>
               <a:t>Which of the following statement is true?</a:t>
             </a:r>
+            <a:endParaRPr lang="en-US" altLang="zh-CN" sz="2400" dirty="0"/>
           </a:p>
           <a:p>
             <a:r>
               <a:rPr lang="en-US" altLang="zh-CN" sz="2400" dirty="0"/>
               <a:t>A. In case of overloading, binding of objects with methods happens at runtime.</a:t>
             </a:r>
+            <a:endParaRPr lang="en-US" altLang="zh-CN" sz="2400" dirty="0"/>
           </a:p>
           <a:p>
             <a:r>
               <a:rPr lang="en-US" altLang="zh-CN" sz="2400" dirty="0"/>
               <a:t>B. In the case of dynamic polymorphism, method choice is decided at runtime.</a:t>
             </a:r>
+            <a:endParaRPr lang="en-US" altLang="zh-CN" sz="2400" dirty="0"/>
           </a:p>
           <a:p>
             <a:r>
               <a:rPr lang="en-US" altLang="zh-CN" sz="2400" dirty="0"/>
               <a:t>C. In the case of overriding, the creation of objects happen at compile time and these objects are used for calling objects at runtime.</a:t>
             </a:r>
+            <a:endParaRPr lang="en-US" altLang="zh-CN" sz="2400" dirty="0"/>
           </a:p>
           <a:p>
             <a:r>
               <a:rPr lang="en-US" altLang="zh-CN" sz="2400" dirty="0"/>
               <a:t>D. In the case of overriding, it is the responsibility of the compiler to bind the method calls with the method body.</a:t>
             </a:r>
+            <a:endParaRPr lang="en-US" altLang="zh-CN" sz="2400" dirty="0"/>
           </a:p>
         </p:txBody>
       </p:sp>
     </p:spTree>
-    <p:extLst>
-      <p:ext uri="{BB962C8B-B14F-4D97-AF65-F5344CB8AC3E}">
-        <p14:creationId xmlns:p14="http://schemas.microsoft.com/office/powerpoint/2010/main" val="2349029350"/>
-      </p:ext>
-    </p:extLst>
   </p:cSld>
   <p:clrMapOvr>
     <a:masterClrMapping/>
@@ -4486,13 +7705,7 @@
       </p:grpSpPr>
       <p:sp>
         <p:nvSpPr>
-          <p:cNvPr id="5" name="文本框 4">
-            <a:extLst>
-              <a:ext uri="{FF2B5EF4-FFF2-40B4-BE49-F238E27FC236}">
-                <a16:creationId xmlns:a16="http://schemas.microsoft.com/office/drawing/2014/main" id="{2410DBDF-DABB-EFB2-7DE4-31C062AB696D}"/>
-              </a:ext>
-            </a:extLst>
-          </p:cNvPr>
+          <p:cNvPr id="5" name="文本框 4"/>
           <p:cNvSpPr txBox="1"/>
           <p:nvPr/>
         </p:nvSpPr>
@@ -4530,13 +7743,7 @@
       </p:sp>
       <p:sp>
         <p:nvSpPr>
-          <p:cNvPr id="2" name="文本框 1">
-            <a:extLst>
-              <a:ext uri="{FF2B5EF4-FFF2-40B4-BE49-F238E27FC236}">
-                <a16:creationId xmlns:a16="http://schemas.microsoft.com/office/drawing/2014/main" id="{D7AC54BF-2B2B-54FB-E25A-7DD85887AE6C}"/>
-              </a:ext>
-            </a:extLst>
-          </p:cNvPr>
+          <p:cNvPr id="2" name="文本框 1"/>
           <p:cNvSpPr txBox="1"/>
           <p:nvPr/>
         </p:nvSpPr>
@@ -4564,6 +7771,7 @@
               <a:rPr lang="en-US" altLang="zh-CN" sz="2400" dirty="0"/>
               <a:t>Which line of the following contains a compilation error?</a:t>
             </a:r>
+            <a:endParaRPr lang="en-US" altLang="zh-CN" sz="2400" dirty="0"/>
           </a:p>
           <a:p>
             <a:endParaRPr lang="en-US" altLang="zh-CN" sz="2400" dirty="0"/>
@@ -4573,18 +7781,21 @@
               <a:rPr lang="en-US" altLang="zh-CN" sz="2400" dirty="0"/>
               <a:t>Line1: Public class Test {</a:t>
             </a:r>
+            <a:endParaRPr lang="en-US" altLang="zh-CN" sz="2400" dirty="0"/>
           </a:p>
           <a:p>
             <a:r>
               <a:rPr lang="en-US" altLang="zh-CN" sz="2400" dirty="0"/>
               <a:t>Line2:    Test() {}</a:t>
             </a:r>
+            <a:endParaRPr lang="en-US" altLang="zh-CN" sz="2400" dirty="0"/>
           </a:p>
           <a:p>
             <a:r>
               <a:rPr lang="en-US" altLang="zh-CN" sz="2400" dirty="0"/>
               <a:t>Line3:    static void Test() { this(); }</a:t>
             </a:r>
+            <a:endParaRPr lang="en-US" altLang="zh-CN" sz="2400" dirty="0"/>
           </a:p>
           <a:p>
             <a:r>
@@ -4599,24 +7810,28 @@
               <a:rPr lang="en-US" altLang="zh-CN" sz="2400" dirty="0"/>
               <a:t>) {</a:t>
             </a:r>
+            <a:endParaRPr lang="en-US" altLang="zh-CN" sz="2400" dirty="0"/>
           </a:p>
           <a:p>
             <a:r>
               <a:rPr lang="en-US" altLang="zh-CN" sz="2400" dirty="0"/>
               <a:t>Line5:        Test();</a:t>
             </a:r>
+            <a:endParaRPr lang="en-US" altLang="zh-CN" sz="2400" dirty="0"/>
           </a:p>
           <a:p>
             <a:r>
               <a:rPr lang="en-US" altLang="zh-CN" sz="2400" dirty="0"/>
               <a:t>Line6:    }</a:t>
             </a:r>
+            <a:endParaRPr lang="en-US" altLang="zh-CN" sz="2400" dirty="0"/>
           </a:p>
           <a:p>
             <a:r>
               <a:rPr lang="en-US" altLang="zh-CN" sz="2400" dirty="0"/>
               <a:t>Line7: }</a:t>
             </a:r>
+            <a:endParaRPr lang="en-US" altLang="zh-CN" sz="2400" dirty="0"/>
           </a:p>
           <a:p>
             <a:endParaRPr lang="en-US" altLang="zh-CN" sz="2400" dirty="0"/>
@@ -4629,6 +7844,7 @@
               <a:rPr lang="en-US" altLang="zh-CN" sz="2400" dirty="0"/>
               <a:t>At Line2</a:t>
             </a:r>
+            <a:endParaRPr lang="en-US" altLang="zh-CN" sz="2400" dirty="0"/>
           </a:p>
           <a:p>
             <a:pPr marL="457200" indent="-457200">
@@ -4638,6 +7854,7 @@
               <a:rPr lang="en-US" altLang="zh-CN" sz="2400" dirty="0"/>
               <a:t>At Line3</a:t>
             </a:r>
+            <a:endParaRPr lang="en-US" altLang="zh-CN" sz="2400" dirty="0"/>
           </a:p>
           <a:p>
             <a:pPr marL="457200" indent="-457200">
@@ -4647,15 +7864,11 @@
               <a:rPr lang="en-US" altLang="zh-CN" sz="2400" dirty="0"/>
               <a:t>At Line5</a:t>
             </a:r>
+            <a:endParaRPr lang="en-US" altLang="zh-CN" sz="2400" dirty="0"/>
           </a:p>
         </p:txBody>
       </p:sp>
     </p:spTree>
-    <p:extLst>
-      <p:ext uri="{BB962C8B-B14F-4D97-AF65-F5344CB8AC3E}">
-        <p14:creationId xmlns:p14="http://schemas.microsoft.com/office/powerpoint/2010/main" val="919459291"/>
-      </p:ext>
-    </p:extLst>
   </p:cSld>
   <p:clrMapOvr>
     <a:masterClrMapping/>
@@ -4682,13 +7895,7 @@
       </p:grpSpPr>
       <p:sp>
         <p:nvSpPr>
-          <p:cNvPr id="5" name="文本框 4">
-            <a:extLst>
-              <a:ext uri="{FF2B5EF4-FFF2-40B4-BE49-F238E27FC236}">
-                <a16:creationId xmlns:a16="http://schemas.microsoft.com/office/drawing/2014/main" id="{2410DBDF-DABB-EFB2-7DE4-31C062AB696D}"/>
-              </a:ext>
-            </a:extLst>
-          </p:cNvPr>
+          <p:cNvPr id="5" name="文本框 4"/>
           <p:cNvSpPr txBox="1"/>
           <p:nvPr/>
         </p:nvSpPr>
@@ -4726,13 +7933,7 @@
       </p:sp>
       <p:sp>
         <p:nvSpPr>
-          <p:cNvPr id="2" name="文本框 1">
-            <a:extLst>
-              <a:ext uri="{FF2B5EF4-FFF2-40B4-BE49-F238E27FC236}">
-                <a16:creationId xmlns:a16="http://schemas.microsoft.com/office/drawing/2014/main" id="{D7AC54BF-2B2B-54FB-E25A-7DD85887AE6C}"/>
-              </a:ext>
-            </a:extLst>
-          </p:cNvPr>
+          <p:cNvPr id="2" name="文本框 1"/>
           <p:cNvSpPr txBox="1"/>
           <p:nvPr/>
         </p:nvSpPr>
@@ -4760,6 +7961,7 @@
               <a:rPr lang="en-US" altLang="zh-CN" sz="2400" dirty="0"/>
               <a:t>Which line of the following statements is true?</a:t>
             </a:r>
+            <a:endParaRPr lang="en-US" altLang="zh-CN" sz="2400" dirty="0"/>
           </a:p>
           <a:p>
             <a:pPr marL="457200" indent="-457200">
@@ -4769,6 +7971,7 @@
               <a:rPr lang="en-US" altLang="zh-CN" sz="2400" dirty="0"/>
               <a:t>X extends Y is correct if and only if X is a class and Y is an interface.</a:t>
             </a:r>
+            <a:endParaRPr lang="en-US" altLang="zh-CN" sz="2400" dirty="0"/>
           </a:p>
           <a:p>
             <a:pPr marL="457200" indent="-457200">
@@ -4778,6 +7981,7 @@
               <a:rPr lang="en-US" altLang="zh-CN" sz="2400" dirty="0"/>
               <a:t>X extends Y is correct if and only if X is an interface and Y is a class.</a:t>
             </a:r>
+            <a:endParaRPr lang="en-US" altLang="zh-CN" sz="2400" dirty="0"/>
           </a:p>
           <a:p>
             <a:pPr marL="457200" indent="-457200">
@@ -4787,6 +7991,7 @@
               <a:rPr lang="en-US" altLang="zh-CN" sz="2400" dirty="0"/>
               <a:t>X extends Y is correct if X and Y are either both classes or both interfaces.</a:t>
             </a:r>
+            <a:endParaRPr lang="en-US" altLang="zh-CN" sz="2400" dirty="0"/>
           </a:p>
           <a:p>
             <a:pPr marL="457200" indent="-457200">
@@ -4796,15 +8001,11 @@
               <a:rPr lang="en-US" altLang="zh-CN" sz="2400" dirty="0"/>
               <a:t>X extends Y is correct for all combinations of X and Y being classes and/or interfaces.</a:t>
             </a:r>
+            <a:endParaRPr lang="en-US" altLang="zh-CN" sz="2400" dirty="0"/>
           </a:p>
         </p:txBody>
       </p:sp>
     </p:spTree>
-    <p:extLst>
-      <p:ext uri="{BB962C8B-B14F-4D97-AF65-F5344CB8AC3E}">
-        <p14:creationId xmlns:p14="http://schemas.microsoft.com/office/powerpoint/2010/main" val="39691830"/>
-      </p:ext>
-    </p:extLst>
   </p:cSld>
   <p:clrMapOvr>
     <a:masterClrMapping/>
@@ -4831,13 +8032,7 @@
       </p:grpSpPr>
       <p:sp>
         <p:nvSpPr>
-          <p:cNvPr id="5" name="文本框 4">
-            <a:extLst>
-              <a:ext uri="{FF2B5EF4-FFF2-40B4-BE49-F238E27FC236}">
-                <a16:creationId xmlns:a16="http://schemas.microsoft.com/office/drawing/2014/main" id="{2410DBDF-DABB-EFB2-7DE4-31C062AB696D}"/>
-              </a:ext>
-            </a:extLst>
-          </p:cNvPr>
+          <p:cNvPr id="5" name="文本框 4"/>
           <p:cNvSpPr txBox="1"/>
           <p:nvPr/>
         </p:nvSpPr>
@@ -4869,25 +8064,69 @@
               <a:rPr lang="en-US" altLang="zh-CN" sz="2800" b="1" dirty="0"/>
               <a:t>– 10 * 3p = 30 points</a:t>
             </a:r>
-          </a:p>
-        </p:txBody>
-      </p:sp>
-      <p:sp>
-        <p:nvSpPr>
-          <p:cNvPr id="2" name="文本框 1">
-            <a:extLst>
-              <a:ext uri="{FF2B5EF4-FFF2-40B4-BE49-F238E27FC236}">
-                <a16:creationId xmlns:a16="http://schemas.microsoft.com/office/drawing/2014/main" id="{D7AC54BF-2B2B-54FB-E25A-7DD85887AE6C}"/>
-              </a:ext>
-            </a:extLst>
-          </p:cNvPr>
+            <a:endParaRPr lang="en-US" altLang="zh-CN" sz="2800" b="1" dirty="0"/>
+          </a:p>
+        </p:txBody>
+      </p:sp>
+      <p:pic>
+        <p:nvPicPr>
+          <p:cNvPr id="3" name="图片 2"/>
+          <p:cNvPicPr>
+            <a:picLocks noChangeAspect="1"/>
+          </p:cNvPicPr>
+          <p:nvPr/>
+        </p:nvPicPr>
+        <p:blipFill>
+          <a:blip r:embed="rId1"/>
+          <a:stretch>
+            <a:fillRect/>
+          </a:stretch>
+        </p:blipFill>
+        <p:spPr>
+          <a:xfrm>
+            <a:off x="2430780" y="1211580"/>
+            <a:ext cx="7330440" cy="4904740"/>
+          </a:xfrm>
+          <a:prstGeom prst="rect">
+            <a:avLst/>
+          </a:prstGeom>
+        </p:spPr>
+      </p:pic>
+    </p:spTree>
+  </p:cSld>
+  <p:clrMapOvr>
+    <a:masterClrMapping/>
+  </p:clrMapOvr>
+</p:sld>
+</file>
+
+<file path=ppt/slides/slide9.xml><?xml version="1.0" encoding="utf-8"?>
+<p:sld xmlns:a="http://schemas.openxmlformats.org/drawingml/2006/main" xmlns:r="http://schemas.openxmlformats.org/officeDocument/2006/relationships" xmlns:p="http://schemas.openxmlformats.org/presentationml/2006/main">
+  <p:cSld>
+    <p:spTree>
+      <p:nvGrpSpPr>
+        <p:cNvPr id="1" name=""/>
+        <p:cNvGrpSpPr/>
+        <p:nvPr/>
+      </p:nvGrpSpPr>
+      <p:grpSpPr>
+        <a:xfrm>
+          <a:off x="0" y="0"/>
+          <a:ext cx="0" cy="0"/>
+          <a:chOff x="0" y="0"/>
+          <a:chExt cx="0" cy="0"/>
+        </a:xfrm>
+      </p:grpSpPr>
+      <p:sp>
+        <p:nvSpPr>
+          <p:cNvPr id="5" name="文本框 4"/>
           <p:cNvSpPr txBox="1"/>
           <p:nvPr/>
         </p:nvSpPr>
         <p:spPr>
           <a:xfrm>
-            <a:off x="1260629" y="1194180"/>
-            <a:ext cx="10830757" cy="461665"/>
+            <a:off x="818865" y="473065"/>
+            <a:ext cx="5953874" cy="523220"/>
           </a:xfrm>
           <a:prstGeom prst="rect">
             <a:avLst/>
@@ -4895,30 +8134,63 @@
           <a:noFill/>
         </p:spPr>
         <p:txBody>
-          <a:bodyPr wrap="square" rtlCol="0">
+          <a:bodyPr wrap="none" rtlCol="0">
             <a:spAutoFit/>
           </a:bodyPr>
           <a:lstStyle/>
           <a:p>
-            <a:pPr marL="342900" indent="-342900">
+            <a:pPr marL="457200" indent="-457200">
               <a:buFont typeface="Arial" panose="020B0604020202020204" pitchFamily="34" charset="0"/>
               <a:buChar char="•"/>
             </a:pPr>
-            <a:endParaRPr lang="en-US" altLang="zh-CN" sz="2400" dirty="0"/>
-          </a:p>
-        </p:txBody>
-      </p:sp>
+            <a:r>
+              <a:rPr lang="zh-CN" altLang="en-US" sz="2800" b="1" dirty="0"/>
+              <a:t>模拟运行题 </a:t>
+            </a:r>
+            <a:r>
+              <a:rPr lang="en-US" altLang="zh-CN" sz="2800" b="1" dirty="0"/>
+              <a:t>– 10 * 3p = 30 points</a:t>
+            </a:r>
+            <a:endParaRPr lang="en-US" altLang="zh-CN" sz="2800" b="1" dirty="0"/>
+          </a:p>
+        </p:txBody>
+      </p:sp>
+      <p:pic>
+        <p:nvPicPr>
+          <p:cNvPr id="2" name="图片 1"/>
+          <p:cNvPicPr>
+            <a:picLocks noChangeAspect="1"/>
+          </p:cNvPicPr>
+          <p:nvPr/>
+        </p:nvPicPr>
+        <p:blipFill>
+          <a:blip r:embed="rId1"/>
+          <a:stretch>
+            <a:fillRect/>
+          </a:stretch>
+        </p:blipFill>
+        <p:spPr>
+          <a:xfrm>
+            <a:off x="2276475" y="1228090"/>
+            <a:ext cx="7639685" cy="4780280"/>
+          </a:xfrm>
+          <a:prstGeom prst="rect">
+            <a:avLst/>
+          </a:prstGeom>
+        </p:spPr>
+      </p:pic>
     </p:spTree>
-    <p:extLst>
-      <p:ext uri="{BB962C8B-B14F-4D97-AF65-F5344CB8AC3E}">
-        <p14:creationId xmlns:p14="http://schemas.microsoft.com/office/powerpoint/2010/main" val="320134495"/>
-      </p:ext>
-    </p:extLst>
   </p:cSld>
   <p:clrMapOvr>
     <a:masterClrMapping/>
   </p:clrMapOvr>
 </p:sld>
+</file>
+
+<file path=ppt/tags/tag1.xml><?xml version="1.0" encoding="utf-8"?>
+<p:tagLst xmlns:p="http://schemas.openxmlformats.org/presentationml/2006/main">
+  <p:tag name="commondata" val="eyJoZGlkIjoiZDI2YzA5MDc3YjFmNzMxNzIwYWRhOWJhM2Y3MzgwMjYifQ=="/>
+</p:tagLst>
 </file>
 
 <file path=ppt/theme/theme1.xml><?xml version="1.0" encoding="utf-8"?>
@@ -4964,7 +8236,7 @@
     </a:clrScheme>
     <a:fontScheme name="Office">
       <a:majorFont>
-        <a:latin typeface="等线 Light" panose="020F0302020204030204"/>
+        <a:latin typeface="等线 Light"/>
         <a:ea typeface=""/>
         <a:cs typeface=""/>
         <a:font script="Jpan" typeface="游ゴシック Light"/>
@@ -4997,26 +8269,9 @@
         <a:font script="Viet" typeface="Times New Roman"/>
         <a:font script="Uigh" typeface="Microsoft Uighur"/>
         <a:font script="Geor" typeface="Sylfaen"/>
-        <a:font script="Armn" typeface="Arial"/>
-        <a:font script="Bugi" typeface="Leelawadee UI"/>
-        <a:font script="Bopo" typeface="Microsoft JhengHei"/>
-        <a:font script="Java" typeface="Javanese Text"/>
-        <a:font script="Lisu" typeface="Segoe UI"/>
-        <a:font script="Mymr" typeface="Myanmar Text"/>
-        <a:font script="Nkoo" typeface="Ebrima"/>
-        <a:font script="Olck" typeface="Nirmala UI"/>
-        <a:font script="Osma" typeface="Ebrima"/>
-        <a:font script="Phag" typeface="Phagspa"/>
-        <a:font script="Syrn" typeface="Estrangelo Edessa"/>
-        <a:font script="Syrj" typeface="Estrangelo Edessa"/>
-        <a:font script="Syre" typeface="Estrangelo Edessa"/>
-        <a:font script="Sora" typeface="Nirmala UI"/>
-        <a:font script="Tale" typeface="Microsoft Tai Le"/>
-        <a:font script="Talu" typeface="Microsoft New Tai Lue"/>
-        <a:font script="Tfng" typeface="Ebrima"/>
       </a:majorFont>
       <a:minorFont>
-        <a:latin typeface="等线" panose="020F0502020204030204"/>
+        <a:latin typeface="等线"/>
         <a:ea typeface=""/>
         <a:cs typeface=""/>
         <a:font script="Jpan" typeface="游ゴシック"/>
@@ -5049,23 +8304,6 @@
         <a:font script="Viet" typeface="Arial"/>
         <a:font script="Uigh" typeface="Microsoft Uighur"/>
         <a:font script="Geor" typeface="Sylfaen"/>
-        <a:font script="Armn" typeface="Arial"/>
-        <a:font script="Bugi" typeface="Leelawadee UI"/>
-        <a:font script="Bopo" typeface="Microsoft JhengHei"/>
-        <a:font script="Java" typeface="Javanese Text"/>
-        <a:font script="Lisu" typeface="Segoe UI"/>
-        <a:font script="Mymr" typeface="Myanmar Text"/>
-        <a:font script="Nkoo" typeface="Ebrima"/>
-        <a:font script="Olck" typeface="Nirmala UI"/>
-        <a:font script="Osma" typeface="Ebrima"/>
-        <a:font script="Phag" typeface="Phagspa"/>
-        <a:font script="Syrn" typeface="Estrangelo Edessa"/>
-        <a:font script="Syrj" typeface="Estrangelo Edessa"/>
-        <a:font script="Syre" typeface="Estrangelo Edessa"/>
-        <a:font script="Sora" typeface="Nirmala UI"/>
-        <a:font script="Tale" typeface="Microsoft Tai Le"/>
-        <a:font script="Talu" typeface="Microsoft New Tai Lue"/>
-        <a:font script="Tfng" typeface="Ebrima"/>
       </a:minorFont>
     </a:fontScheme>
     <a:fmtScheme name="Office">
@@ -5206,8 +8444,6 @@
       </a:bgFillStyleLst>
     </a:fmtScheme>
   </a:themeElements>
-  <a:objectDefaults/>
-  <a:extraClrSchemeLst/>
   <a:extLst>
     <a:ext uri="{05A4C25C-085E-4340-85A3-A5531E510DB2}">
       <thm15:themeFamily xmlns:thm15="http://schemas.microsoft.com/office/thememl/2012/main" name="Office Theme" id="{62F939B6-93AF-4DB8-9C6B-D6C7DFDC589F}" vid="{4A3C46E8-61CC-4603-A589-7422A47A8E4A}"/>
@@ -5217,7 +8453,7 @@
 </file>
 
 <file path=ppt/theme/theme2.xml><?xml version="1.0" encoding="utf-8"?>
-<a:theme xmlns:a="http://schemas.openxmlformats.org/drawingml/2006/main" name="Office 主题​​">
+<a:theme xmlns:a="http://schemas.openxmlformats.org/drawingml/2006/main" name="1_Office 主题​​">
   <a:themeElements>
     <a:clrScheme name="Office">
       <a:dk1>
@@ -5259,7 +8495,7 @@
     </a:clrScheme>
     <a:fontScheme name="Office">
       <a:majorFont>
-        <a:latin typeface="等线 Light" panose="020F0302020204030204"/>
+        <a:latin typeface="等线 Light"/>
         <a:ea typeface=""/>
         <a:cs typeface=""/>
         <a:font script="Jpan" typeface="游ゴシック Light"/>
@@ -5292,26 +8528,9 @@
         <a:font script="Viet" typeface="Times New Roman"/>
         <a:font script="Uigh" typeface="Microsoft Uighur"/>
         <a:font script="Geor" typeface="Sylfaen"/>
-        <a:font script="Armn" typeface="Arial"/>
-        <a:font script="Bugi" typeface="Leelawadee UI"/>
-        <a:font script="Bopo" typeface="Microsoft JhengHei"/>
-        <a:font script="Java" typeface="Javanese Text"/>
-        <a:font script="Lisu" typeface="Segoe UI"/>
-        <a:font script="Mymr" typeface="Myanmar Text"/>
-        <a:font script="Nkoo" typeface="Ebrima"/>
-        <a:font script="Olck" typeface="Nirmala UI"/>
-        <a:font script="Osma" typeface="Ebrima"/>
-        <a:font script="Phag" typeface="Phagspa"/>
-        <a:font script="Syrn" typeface="Estrangelo Edessa"/>
-        <a:font script="Syrj" typeface="Estrangelo Edessa"/>
-        <a:font script="Syre" typeface="Estrangelo Edessa"/>
-        <a:font script="Sora" typeface="Nirmala UI"/>
-        <a:font script="Tale" typeface="Microsoft Tai Le"/>
-        <a:font script="Talu" typeface="Microsoft New Tai Lue"/>
-        <a:font script="Tfng" typeface="Ebrima"/>
       </a:majorFont>
       <a:minorFont>
-        <a:latin typeface="等线" panose="020F0502020204030204"/>
+        <a:latin typeface="等线"/>
         <a:ea typeface=""/>
         <a:cs typeface=""/>
         <a:font script="Jpan" typeface="游ゴシック"/>
@@ -5344,23 +8563,6 @@
         <a:font script="Viet" typeface="Arial"/>
         <a:font script="Uigh" typeface="Microsoft Uighur"/>
         <a:font script="Geor" typeface="Sylfaen"/>
-        <a:font script="Armn" typeface="Arial"/>
-        <a:font script="Bugi" typeface="Leelawadee UI"/>
-        <a:font script="Bopo" typeface="Microsoft JhengHei"/>
-        <a:font script="Java" typeface="Javanese Text"/>
-        <a:font script="Lisu" typeface="Segoe UI"/>
-        <a:font script="Mymr" typeface="Myanmar Text"/>
-        <a:font script="Nkoo" typeface="Ebrima"/>
-        <a:font script="Olck" typeface="Nirmala UI"/>
-        <a:font script="Osma" typeface="Ebrima"/>
-        <a:font script="Phag" typeface="Phagspa"/>
-        <a:font script="Syrn" typeface="Estrangelo Edessa"/>
-        <a:font script="Syrj" typeface="Estrangelo Edessa"/>
-        <a:font script="Syre" typeface="Estrangelo Edessa"/>
-        <a:font script="Sora" typeface="Nirmala UI"/>
-        <a:font script="Tale" typeface="Microsoft Tai Le"/>
-        <a:font script="Talu" typeface="Microsoft New Tai Lue"/>
-        <a:font script="Tfng" typeface="Ebrima"/>
       </a:minorFont>
     </a:fontScheme>
     <a:fmtScheme name="Office">
@@ -5501,8 +8703,265 @@
       </a:bgFillStyleLst>
     </a:fmtScheme>
   </a:themeElements>
-  <a:objectDefaults/>
-  <a:extraClrSchemeLst/>
+  <a:extLst>
+    <a:ext uri="{05A4C25C-085E-4340-85A3-A5531E510DB2}">
+      <thm15:themeFamily xmlns:thm15="http://schemas.microsoft.com/office/thememl/2012/main" name="Office Theme" id="{62F939B6-93AF-4DB8-9C6B-D6C7DFDC589F}" vid="{4A3C46E8-61CC-4603-A589-7422A47A8E4A}"/>
+    </a:ext>
+  </a:extLst>
+</a:theme>
+</file>
+
+<file path=ppt/theme/theme3.xml><?xml version="1.0" encoding="utf-8"?>
+<a:theme xmlns:a="http://schemas.openxmlformats.org/drawingml/2006/main" name="Office 主题​​">
+  <a:themeElements>
+    <a:clrScheme name="Office">
+      <a:dk1>
+        <a:sysClr val="windowText" lastClr="000000"/>
+      </a:dk1>
+      <a:lt1>
+        <a:sysClr val="window" lastClr="FFFFFF"/>
+      </a:lt1>
+      <a:dk2>
+        <a:srgbClr val="44546A"/>
+      </a:dk2>
+      <a:lt2>
+        <a:srgbClr val="E7E6E6"/>
+      </a:lt2>
+      <a:accent1>
+        <a:srgbClr val="4472C4"/>
+      </a:accent1>
+      <a:accent2>
+        <a:srgbClr val="ED7D31"/>
+      </a:accent2>
+      <a:accent3>
+        <a:srgbClr val="A5A5A5"/>
+      </a:accent3>
+      <a:accent4>
+        <a:srgbClr val="FFC000"/>
+      </a:accent4>
+      <a:accent5>
+        <a:srgbClr val="5B9BD5"/>
+      </a:accent5>
+      <a:accent6>
+        <a:srgbClr val="70AD47"/>
+      </a:accent6>
+      <a:hlink>
+        <a:srgbClr val="0563C1"/>
+      </a:hlink>
+      <a:folHlink>
+        <a:srgbClr val="954F72"/>
+      </a:folHlink>
+    </a:clrScheme>
+    <a:fontScheme name="Office">
+      <a:majorFont>
+        <a:latin typeface="等线 Light"/>
+        <a:ea typeface=""/>
+        <a:cs typeface=""/>
+        <a:font script="Jpan" typeface="游ゴシック Light"/>
+        <a:font script="Hang" typeface="맑은 고딕"/>
+        <a:font script="Hans" typeface="等线 Light"/>
+        <a:font script="Hant" typeface="新細明體"/>
+        <a:font script="Arab" typeface="Times New Roman"/>
+        <a:font script="Hebr" typeface="Times New Roman"/>
+        <a:font script="Thai" typeface="Angsana New"/>
+        <a:font script="Ethi" typeface="Nyala"/>
+        <a:font script="Beng" typeface="Vrinda"/>
+        <a:font script="Gujr" typeface="Shruti"/>
+        <a:font script="Khmr" typeface="MoolBoran"/>
+        <a:font script="Knda" typeface="Tunga"/>
+        <a:font script="Guru" typeface="Raavi"/>
+        <a:font script="Cans" typeface="Euphemia"/>
+        <a:font script="Cher" typeface="Plantagenet Cherokee"/>
+        <a:font script="Yiii" typeface="Microsoft Yi Baiti"/>
+        <a:font script="Tibt" typeface="Microsoft Himalaya"/>
+        <a:font script="Thaa" typeface="MV Boli"/>
+        <a:font script="Deva" typeface="Mangal"/>
+        <a:font script="Telu" typeface="Gautami"/>
+        <a:font script="Taml" typeface="Latha"/>
+        <a:font script="Syrc" typeface="Estrangelo Edessa"/>
+        <a:font script="Orya" typeface="Kalinga"/>
+        <a:font script="Mlym" typeface="Kartika"/>
+        <a:font script="Laoo" typeface="DokChampa"/>
+        <a:font script="Sinh" typeface="Iskoola Pota"/>
+        <a:font script="Mong" typeface="Mongolian Baiti"/>
+        <a:font script="Viet" typeface="Times New Roman"/>
+        <a:font script="Uigh" typeface="Microsoft Uighur"/>
+        <a:font script="Geor" typeface="Sylfaen"/>
+      </a:majorFont>
+      <a:minorFont>
+        <a:latin typeface="等线"/>
+        <a:ea typeface=""/>
+        <a:cs typeface=""/>
+        <a:font script="Jpan" typeface="游ゴシック"/>
+        <a:font script="Hang" typeface="맑은 고딕"/>
+        <a:font script="Hans" typeface="等线"/>
+        <a:font script="Hant" typeface="新細明體"/>
+        <a:font script="Arab" typeface="Arial"/>
+        <a:font script="Hebr" typeface="Arial"/>
+        <a:font script="Thai" typeface="Cordia New"/>
+        <a:font script="Ethi" typeface="Nyala"/>
+        <a:font script="Beng" typeface="Vrinda"/>
+        <a:font script="Gujr" typeface="Shruti"/>
+        <a:font script="Khmr" typeface="DaunPenh"/>
+        <a:font script="Knda" typeface="Tunga"/>
+        <a:font script="Guru" typeface="Raavi"/>
+        <a:font script="Cans" typeface="Euphemia"/>
+        <a:font script="Cher" typeface="Plantagenet Cherokee"/>
+        <a:font script="Yiii" typeface="Microsoft Yi Baiti"/>
+        <a:font script="Tibt" typeface="Microsoft Himalaya"/>
+        <a:font script="Thaa" typeface="MV Boli"/>
+        <a:font script="Deva" typeface="Mangal"/>
+        <a:font script="Telu" typeface="Gautami"/>
+        <a:font script="Taml" typeface="Latha"/>
+        <a:font script="Syrc" typeface="Estrangelo Edessa"/>
+        <a:font script="Orya" typeface="Kalinga"/>
+        <a:font script="Mlym" typeface="Kartika"/>
+        <a:font script="Laoo" typeface="DokChampa"/>
+        <a:font script="Sinh" typeface="Iskoola Pota"/>
+        <a:font script="Mong" typeface="Mongolian Baiti"/>
+        <a:font script="Viet" typeface="Arial"/>
+        <a:font script="Uigh" typeface="Microsoft Uighur"/>
+        <a:font script="Geor" typeface="Sylfaen"/>
+      </a:minorFont>
+    </a:fontScheme>
+    <a:fmtScheme name="Office">
+      <a:fillStyleLst>
+        <a:solidFill>
+          <a:schemeClr val="phClr"/>
+        </a:solidFill>
+        <a:gradFill rotWithShape="1">
+          <a:gsLst>
+            <a:gs pos="0">
+              <a:schemeClr val="phClr">
+                <a:lumMod val="110000"/>
+                <a:satMod val="105000"/>
+                <a:tint val="67000"/>
+              </a:schemeClr>
+            </a:gs>
+            <a:gs pos="50000">
+              <a:schemeClr val="phClr">
+                <a:lumMod val="105000"/>
+                <a:satMod val="103000"/>
+                <a:tint val="73000"/>
+              </a:schemeClr>
+            </a:gs>
+            <a:gs pos="100000">
+              <a:schemeClr val="phClr">
+                <a:lumMod val="105000"/>
+                <a:satMod val="109000"/>
+                <a:tint val="81000"/>
+              </a:schemeClr>
+            </a:gs>
+          </a:gsLst>
+          <a:lin ang="5400000" scaled="0"/>
+        </a:gradFill>
+        <a:gradFill rotWithShape="1">
+          <a:gsLst>
+            <a:gs pos="0">
+              <a:schemeClr val="phClr">
+                <a:satMod val="103000"/>
+                <a:lumMod val="102000"/>
+                <a:tint val="94000"/>
+              </a:schemeClr>
+            </a:gs>
+            <a:gs pos="50000">
+              <a:schemeClr val="phClr">
+                <a:satMod val="110000"/>
+                <a:lumMod val="100000"/>
+                <a:shade val="100000"/>
+              </a:schemeClr>
+            </a:gs>
+            <a:gs pos="100000">
+              <a:schemeClr val="phClr">
+                <a:lumMod val="99000"/>
+                <a:satMod val="120000"/>
+                <a:shade val="78000"/>
+              </a:schemeClr>
+            </a:gs>
+          </a:gsLst>
+          <a:lin ang="5400000" scaled="0"/>
+        </a:gradFill>
+      </a:fillStyleLst>
+      <a:lnStyleLst>
+        <a:ln w="6350" cap="flat" cmpd="sng" algn="ctr">
+          <a:solidFill>
+            <a:schemeClr val="phClr"/>
+          </a:solidFill>
+          <a:prstDash val="solid"/>
+          <a:miter lim="800000"/>
+        </a:ln>
+        <a:ln w="12700" cap="flat" cmpd="sng" algn="ctr">
+          <a:solidFill>
+            <a:schemeClr val="phClr"/>
+          </a:solidFill>
+          <a:prstDash val="solid"/>
+          <a:miter lim="800000"/>
+        </a:ln>
+        <a:ln w="19050" cap="flat" cmpd="sng" algn="ctr">
+          <a:solidFill>
+            <a:schemeClr val="phClr"/>
+          </a:solidFill>
+          <a:prstDash val="solid"/>
+          <a:miter lim="800000"/>
+        </a:ln>
+      </a:lnStyleLst>
+      <a:effectStyleLst>
+        <a:effectStyle>
+          <a:effectLst/>
+        </a:effectStyle>
+        <a:effectStyle>
+          <a:effectLst/>
+        </a:effectStyle>
+        <a:effectStyle>
+          <a:effectLst>
+            <a:outerShdw blurRad="57150" dist="19050" dir="5400000" algn="ctr" rotWithShape="0">
+              <a:srgbClr val="000000">
+                <a:alpha val="63000"/>
+              </a:srgbClr>
+            </a:outerShdw>
+          </a:effectLst>
+        </a:effectStyle>
+      </a:effectStyleLst>
+      <a:bgFillStyleLst>
+        <a:solidFill>
+          <a:schemeClr val="phClr"/>
+        </a:solidFill>
+        <a:solidFill>
+          <a:schemeClr val="phClr">
+            <a:tint val="95000"/>
+            <a:satMod val="170000"/>
+          </a:schemeClr>
+        </a:solidFill>
+        <a:gradFill rotWithShape="1">
+          <a:gsLst>
+            <a:gs pos="0">
+              <a:schemeClr val="phClr">
+                <a:tint val="93000"/>
+                <a:satMod val="150000"/>
+                <a:shade val="98000"/>
+                <a:lumMod val="102000"/>
+              </a:schemeClr>
+            </a:gs>
+            <a:gs pos="50000">
+              <a:schemeClr val="phClr">
+                <a:tint val="98000"/>
+                <a:satMod val="130000"/>
+                <a:shade val="90000"/>
+                <a:lumMod val="103000"/>
+              </a:schemeClr>
+            </a:gs>
+            <a:gs pos="100000">
+              <a:schemeClr val="phClr">
+                <a:shade val="63000"/>
+                <a:satMod val="120000"/>
+              </a:schemeClr>
+            </a:gs>
+          </a:gsLst>
+          <a:lin ang="5400000" scaled="0"/>
+        </a:gradFill>
+      </a:bgFillStyleLst>
+    </a:fmtScheme>
+  </a:themeElements>
   <a:extLst>
     <a:ext uri="{05A4C25C-085E-4340-85A3-A5531E510DB2}">
       <thm15:themeFamily xmlns:thm15="http://schemas.microsoft.com/office/thememl/2012/main" name="Office Theme" id="{62F939B6-93AF-4DB8-9C6B-D6C7DFDC589F}" vid="{4A3C46E8-61CC-4603-A589-7422A47A8E4A}"/>

--- a/ppt/Java期末复习.pptx
+++ b/ppt/Java期末复习.pptx
@@ -3,27 +3,31 @@
 <p:presentation xmlns:a="http://schemas.openxmlformats.org/drawingml/2006/main" xmlns:r="http://schemas.openxmlformats.org/officeDocument/2006/relationships" xmlns:p="http://schemas.openxmlformats.org/presentationml/2006/main">
   <p:sldMasterIdLst>
     <p:sldMasterId id="2147483648" r:id="rId1"/>
-    <p:sldMasterId id="2147483660" r:id="rId3"/>
+    <p:sldMasterId id="2147483660" r:id="rId2"/>
   </p:sldMasterIdLst>
   <p:notesMasterIdLst>
-    <p:notesMasterId r:id="rId19"/>
+    <p:notesMasterId r:id="rId22"/>
   </p:notesMasterIdLst>
   <p:sldIdLst>
-    <p:sldId id="256" r:id="rId4"/>
-    <p:sldId id="257" r:id="rId5"/>
-    <p:sldId id="258" r:id="rId6"/>
-    <p:sldId id="259" r:id="rId7"/>
-    <p:sldId id="260" r:id="rId8"/>
-    <p:sldId id="261" r:id="rId9"/>
-    <p:sldId id="262" r:id="rId10"/>
-    <p:sldId id="263" r:id="rId11"/>
-    <p:sldId id="264" r:id="rId12"/>
-    <p:sldId id="265" r:id="rId13"/>
-    <p:sldId id="266" r:id="rId14"/>
-    <p:sldId id="267" r:id="rId15"/>
-    <p:sldId id="268" r:id="rId16"/>
-    <p:sldId id="269" r:id="rId17"/>
-    <p:sldId id="270" r:id="rId18"/>
+    <p:sldId id="256" r:id="rId3"/>
+    <p:sldId id="257" r:id="rId4"/>
+    <p:sldId id="258" r:id="rId5"/>
+    <p:sldId id="259" r:id="rId6"/>
+    <p:sldId id="260" r:id="rId7"/>
+    <p:sldId id="261" r:id="rId8"/>
+    <p:sldId id="262" r:id="rId9"/>
+    <p:sldId id="263" r:id="rId10"/>
+    <p:sldId id="264" r:id="rId11"/>
+    <p:sldId id="272" r:id="rId12"/>
+    <p:sldId id="273" r:id="rId13"/>
+    <p:sldId id="274" r:id="rId14"/>
+    <p:sldId id="271" r:id="rId15"/>
+    <p:sldId id="265" r:id="rId16"/>
+    <p:sldId id="266" r:id="rId17"/>
+    <p:sldId id="267" r:id="rId18"/>
+    <p:sldId id="268" r:id="rId19"/>
+    <p:sldId id="269" r:id="rId20"/>
+    <p:sldId id="270" r:id="rId21"/>
   </p:sldIdLst>
   <p:sldSz cx="12192000" cy="6858000"/>
   <p:notesSz cx="6858000" cy="9144000"/>
@@ -125,6 +129,11 @@
       </a:defRPr>
     </a:lvl9pPr>
   </p:defaultTextStyle>
+  <p:extLst>
+    <p:ext uri="{EFAFB233-063F-42B5-8137-9DF3F51BA10A}">
+      <p15:sldGuideLst xmlns:p15="http://schemas.microsoft.com/office/powerpoint/2012/main"/>
+    </p:ext>
+  </p:extLst>
 </p:presentation>
 </file>
 
@@ -210,6 +219,7 @@
           <a:p>
             <a:fld id="{9D874036-3786-4BEB-A07D-641B1BEF8A0C}" type="datetimeFigureOut">
               <a:rPr lang="zh-CN" altLang="en-US" smtClean="0"/>
+              <a:t>2024/6/8</a:t>
             </a:fld>
             <a:endParaRPr lang="zh-CN" altLang="en-US"/>
           </a:p>
@@ -276,7 +286,6 @@
               <a:rPr lang="zh-CN" altLang="en-US"/>
               <a:t>单击此处编辑母版文本样式</a:t>
             </a:r>
-            <a:endParaRPr lang="zh-CN" altLang="en-US"/>
           </a:p>
           <a:p>
             <a:pPr lvl="1"/>
@@ -284,7 +293,6 @@
               <a:rPr lang="zh-CN" altLang="en-US"/>
               <a:t>二级</a:t>
             </a:r>
-            <a:endParaRPr lang="zh-CN" altLang="en-US"/>
           </a:p>
           <a:p>
             <a:pPr lvl="2"/>
@@ -292,7 +300,6 @@
               <a:rPr lang="zh-CN" altLang="en-US"/>
               <a:t>三级</a:t>
             </a:r>
-            <a:endParaRPr lang="zh-CN" altLang="en-US"/>
           </a:p>
           <a:p>
             <a:pPr lvl="3"/>
@@ -300,7 +307,6 @@
               <a:rPr lang="zh-CN" altLang="en-US"/>
               <a:t>四级</a:t>
             </a:r>
-            <a:endParaRPr lang="zh-CN" altLang="en-US"/>
           </a:p>
           <a:p>
             <a:pPr lvl="4"/>
@@ -308,7 +314,6 @@
               <a:rPr lang="zh-CN" altLang="en-US"/>
               <a:t>五级</a:t>
             </a:r>
-            <a:endParaRPr lang="zh-CN" altLang="en-US"/>
           </a:p>
         </p:txBody>
       </p:sp>
@@ -372,6 +377,7 @@
           <a:p>
             <a:fld id="{210101C4-580F-4ACD-9084-8C9D96C6E978}" type="slidenum">
               <a:rPr lang="zh-CN" altLang="en-US" smtClean="0"/>
+              <a:t>‹#›</a:t>
             </a:fld>
             <a:endParaRPr lang="zh-CN" altLang="en-US"/>
           </a:p>
@@ -520,7 +526,6 @@
               <a:rPr lang="zh-CN" altLang="en-US"/>
               <a:t>单击此处编辑母版标题样式</a:t>
             </a:r>
-            <a:endParaRPr lang="zh-CN" altLang="en-US"/>
           </a:p>
         </p:txBody>
       </p:sp>
@@ -585,7 +590,6 @@
               <a:rPr lang="zh-CN" altLang="en-US"/>
               <a:t>单击此处编辑母版副标题样式</a:t>
             </a:r>
-            <a:endParaRPr lang="zh-CN" altLang="en-US"/>
           </a:p>
         </p:txBody>
       </p:sp>
@@ -606,6 +610,7 @@
           <a:p>
             <a:fld id="{275DC738-563F-4FEF-BC8D-311477083EDF}" type="datetimeFigureOut">
               <a:rPr lang="zh-CN" altLang="en-US" smtClean="0"/>
+              <a:t>2024/6/8</a:t>
             </a:fld>
             <a:endParaRPr lang="zh-CN" altLang="en-US"/>
           </a:p>
@@ -647,6 +652,7 @@
           <a:p>
             <a:fld id="{1DE5FF4B-6349-4528-A0D0-65AD1842A02D}" type="slidenum">
               <a:rPr lang="zh-CN" altLang="en-US" smtClean="0"/>
+              <a:t>‹#›</a:t>
             </a:fld>
             <a:endParaRPr lang="zh-CN" altLang="en-US"/>
           </a:p>
@@ -696,7 +702,6 @@
               <a:rPr lang="zh-CN" altLang="en-US"/>
               <a:t>单击此处编辑母版标题样式</a:t>
             </a:r>
-            <a:endParaRPr lang="zh-CN" altLang="en-US"/>
           </a:p>
         </p:txBody>
       </p:sp>
@@ -720,7 +725,6 @@
               <a:rPr lang="zh-CN" altLang="en-US"/>
               <a:t>单击此处编辑母版文本样式</a:t>
             </a:r>
-            <a:endParaRPr lang="zh-CN" altLang="en-US"/>
           </a:p>
           <a:p>
             <a:pPr lvl="1"/>
@@ -728,7 +732,6 @@
               <a:rPr lang="zh-CN" altLang="en-US"/>
               <a:t>二级</a:t>
             </a:r>
-            <a:endParaRPr lang="zh-CN" altLang="en-US"/>
           </a:p>
           <a:p>
             <a:pPr lvl="2"/>
@@ -736,7 +739,6 @@
               <a:rPr lang="zh-CN" altLang="en-US"/>
               <a:t>三级</a:t>
             </a:r>
-            <a:endParaRPr lang="zh-CN" altLang="en-US"/>
           </a:p>
           <a:p>
             <a:pPr lvl="3"/>
@@ -744,7 +746,6 @@
               <a:rPr lang="zh-CN" altLang="en-US"/>
               <a:t>四级</a:t>
             </a:r>
-            <a:endParaRPr lang="zh-CN" altLang="en-US"/>
           </a:p>
           <a:p>
             <a:pPr lvl="4"/>
@@ -752,7 +753,6 @@
               <a:rPr lang="zh-CN" altLang="en-US"/>
               <a:t>五级</a:t>
             </a:r>
-            <a:endParaRPr lang="zh-CN" altLang="en-US"/>
           </a:p>
         </p:txBody>
       </p:sp>
@@ -773,6 +773,7 @@
           <a:p>
             <a:fld id="{275DC738-563F-4FEF-BC8D-311477083EDF}" type="datetimeFigureOut">
               <a:rPr lang="zh-CN" altLang="en-US" smtClean="0"/>
+              <a:t>2024/6/8</a:t>
             </a:fld>
             <a:endParaRPr lang="zh-CN" altLang="en-US"/>
           </a:p>
@@ -814,6 +815,7 @@
           <a:p>
             <a:fld id="{1DE5FF4B-6349-4528-A0D0-65AD1842A02D}" type="slidenum">
               <a:rPr lang="zh-CN" altLang="en-US" smtClean="0"/>
+              <a:t>‹#›</a:t>
             </a:fld>
             <a:endParaRPr lang="zh-CN" altLang="en-US"/>
           </a:p>
@@ -868,7 +870,6 @@
               <a:rPr lang="zh-CN" altLang="en-US"/>
               <a:t>单击此处编辑母版标题样式</a:t>
             </a:r>
-            <a:endParaRPr lang="zh-CN" altLang="en-US"/>
           </a:p>
         </p:txBody>
       </p:sp>
@@ -897,7 +898,6 @@
               <a:rPr lang="zh-CN" altLang="en-US"/>
               <a:t>单击此处编辑母版文本样式</a:t>
             </a:r>
-            <a:endParaRPr lang="zh-CN" altLang="en-US"/>
           </a:p>
           <a:p>
             <a:pPr lvl="1"/>
@@ -905,7 +905,6 @@
               <a:rPr lang="zh-CN" altLang="en-US"/>
               <a:t>二级</a:t>
             </a:r>
-            <a:endParaRPr lang="zh-CN" altLang="en-US"/>
           </a:p>
           <a:p>
             <a:pPr lvl="2"/>
@@ -913,7 +912,6 @@
               <a:rPr lang="zh-CN" altLang="en-US"/>
               <a:t>三级</a:t>
             </a:r>
-            <a:endParaRPr lang="zh-CN" altLang="en-US"/>
           </a:p>
           <a:p>
             <a:pPr lvl="3"/>
@@ -921,7 +919,6 @@
               <a:rPr lang="zh-CN" altLang="en-US"/>
               <a:t>四级</a:t>
             </a:r>
-            <a:endParaRPr lang="zh-CN" altLang="en-US"/>
           </a:p>
           <a:p>
             <a:pPr lvl="4"/>
@@ -929,7 +926,6 @@
               <a:rPr lang="zh-CN" altLang="en-US"/>
               <a:t>五级</a:t>
             </a:r>
-            <a:endParaRPr lang="zh-CN" altLang="en-US"/>
           </a:p>
         </p:txBody>
       </p:sp>
@@ -950,6 +946,7 @@
           <a:p>
             <a:fld id="{275DC738-563F-4FEF-BC8D-311477083EDF}" type="datetimeFigureOut">
               <a:rPr lang="zh-CN" altLang="en-US" smtClean="0"/>
+              <a:t>2024/6/8</a:t>
             </a:fld>
             <a:endParaRPr lang="zh-CN" altLang="en-US"/>
           </a:p>
@@ -991,6 +988,7 @@
           <a:p>
             <a:fld id="{1DE5FF4B-6349-4528-A0D0-65AD1842A02D}" type="slidenum">
               <a:rPr lang="zh-CN" altLang="en-US" smtClean="0"/>
+              <a:t>‹#›</a:t>
             </a:fld>
             <a:endParaRPr lang="zh-CN" altLang="en-US"/>
           </a:p>
@@ -1049,7 +1047,6 @@
               <a:rPr lang="zh-CN" altLang="en-US"/>
               <a:t>单击此处编辑母版标题样式</a:t>
             </a:r>
-            <a:endParaRPr lang="zh-CN" altLang="en-US"/>
           </a:p>
         </p:txBody>
       </p:sp>
@@ -1114,7 +1111,6 @@
               <a:rPr lang="zh-CN" altLang="en-US"/>
               <a:t>单击此处编辑母版副标题样式</a:t>
             </a:r>
-            <a:endParaRPr lang="zh-CN" altLang="en-US"/>
           </a:p>
         </p:txBody>
       </p:sp>
@@ -1135,6 +1131,7 @@
           <a:p>
             <a:fld id="{275DC738-563F-4FEF-BC8D-311477083EDF}" type="datetimeFigureOut">
               <a:rPr lang="zh-CN" altLang="en-US" smtClean="0"/>
+              <a:t>2024/6/8</a:t>
             </a:fld>
             <a:endParaRPr lang="zh-CN" altLang="en-US"/>
           </a:p>
@@ -1176,6 +1173,7 @@
           <a:p>
             <a:fld id="{1DE5FF4B-6349-4528-A0D0-65AD1842A02D}" type="slidenum">
               <a:rPr lang="zh-CN" altLang="en-US" smtClean="0"/>
+              <a:t>‹#›</a:t>
             </a:fld>
             <a:endParaRPr lang="zh-CN" altLang="en-US"/>
           </a:p>
@@ -1225,7 +1223,6 @@
               <a:rPr lang="zh-CN" altLang="en-US"/>
               <a:t>单击此处编辑母版标题样式</a:t>
             </a:r>
-            <a:endParaRPr lang="zh-CN" altLang="en-US"/>
           </a:p>
         </p:txBody>
       </p:sp>
@@ -1249,7 +1246,6 @@
               <a:rPr lang="zh-CN" altLang="en-US"/>
               <a:t>单击此处编辑母版文本样式</a:t>
             </a:r>
-            <a:endParaRPr lang="zh-CN" altLang="en-US"/>
           </a:p>
           <a:p>
             <a:pPr lvl="1"/>
@@ -1257,7 +1253,6 @@
               <a:rPr lang="zh-CN" altLang="en-US"/>
               <a:t>二级</a:t>
             </a:r>
-            <a:endParaRPr lang="zh-CN" altLang="en-US"/>
           </a:p>
           <a:p>
             <a:pPr lvl="2"/>
@@ -1265,7 +1260,6 @@
               <a:rPr lang="zh-CN" altLang="en-US"/>
               <a:t>三级</a:t>
             </a:r>
-            <a:endParaRPr lang="zh-CN" altLang="en-US"/>
           </a:p>
           <a:p>
             <a:pPr lvl="3"/>
@@ -1273,7 +1267,6 @@
               <a:rPr lang="zh-CN" altLang="en-US"/>
               <a:t>四级</a:t>
             </a:r>
-            <a:endParaRPr lang="zh-CN" altLang="en-US"/>
           </a:p>
           <a:p>
             <a:pPr lvl="4"/>
@@ -1281,7 +1274,6 @@
               <a:rPr lang="zh-CN" altLang="en-US"/>
               <a:t>五级</a:t>
             </a:r>
-            <a:endParaRPr lang="zh-CN" altLang="en-US"/>
           </a:p>
         </p:txBody>
       </p:sp>
@@ -1302,6 +1294,7 @@
           <a:p>
             <a:fld id="{275DC738-563F-4FEF-BC8D-311477083EDF}" type="datetimeFigureOut">
               <a:rPr lang="zh-CN" altLang="en-US" smtClean="0"/>
+              <a:t>2024/6/8</a:t>
             </a:fld>
             <a:endParaRPr lang="zh-CN" altLang="en-US"/>
           </a:p>
@@ -1343,6 +1336,7 @@
           <a:p>
             <a:fld id="{1DE5FF4B-6349-4528-A0D0-65AD1842A02D}" type="slidenum">
               <a:rPr lang="zh-CN" altLang="en-US" smtClean="0"/>
+              <a:t>‹#›</a:t>
             </a:fld>
             <a:endParaRPr lang="zh-CN" altLang="en-US"/>
           </a:p>
@@ -1401,7 +1395,6 @@
               <a:rPr lang="zh-CN" altLang="en-US"/>
               <a:t>单击此处编辑母版标题样式</a:t>
             </a:r>
-            <a:endParaRPr lang="zh-CN" altLang="en-US"/>
           </a:p>
         </p:txBody>
       </p:sp>
@@ -1521,7 +1514,6 @@
               <a:rPr lang="zh-CN" altLang="en-US"/>
               <a:t>单击此处编辑母版文本样式</a:t>
             </a:r>
-            <a:endParaRPr lang="zh-CN" altLang="en-US"/>
           </a:p>
         </p:txBody>
       </p:sp>
@@ -1542,6 +1534,7 @@
           <a:p>
             <a:fld id="{275DC738-563F-4FEF-BC8D-311477083EDF}" type="datetimeFigureOut">
               <a:rPr lang="zh-CN" altLang="en-US" smtClean="0"/>
+              <a:t>2024/6/8</a:t>
             </a:fld>
             <a:endParaRPr lang="zh-CN" altLang="en-US"/>
           </a:p>
@@ -1583,6 +1576,7 @@
           <a:p>
             <a:fld id="{1DE5FF4B-6349-4528-A0D0-65AD1842A02D}" type="slidenum">
               <a:rPr lang="zh-CN" altLang="en-US" smtClean="0"/>
+              <a:t>‹#›</a:t>
             </a:fld>
             <a:endParaRPr lang="zh-CN" altLang="en-US"/>
           </a:p>
@@ -1632,7 +1626,6 @@
               <a:rPr lang="zh-CN" altLang="en-US"/>
               <a:t>单击此处编辑母版标题样式</a:t>
             </a:r>
-            <a:endParaRPr lang="zh-CN" altLang="en-US"/>
           </a:p>
         </p:txBody>
       </p:sp>
@@ -1661,7 +1654,6 @@
               <a:rPr lang="zh-CN" altLang="en-US"/>
               <a:t>单击此处编辑母版文本样式</a:t>
             </a:r>
-            <a:endParaRPr lang="zh-CN" altLang="en-US"/>
           </a:p>
           <a:p>
             <a:pPr lvl="1"/>
@@ -1669,7 +1661,6 @@
               <a:rPr lang="zh-CN" altLang="en-US"/>
               <a:t>二级</a:t>
             </a:r>
-            <a:endParaRPr lang="zh-CN" altLang="en-US"/>
           </a:p>
           <a:p>
             <a:pPr lvl="2"/>
@@ -1677,7 +1668,6 @@
               <a:rPr lang="zh-CN" altLang="en-US"/>
               <a:t>三级</a:t>
             </a:r>
-            <a:endParaRPr lang="zh-CN" altLang="en-US"/>
           </a:p>
           <a:p>
             <a:pPr lvl="3"/>
@@ -1685,7 +1675,6 @@
               <a:rPr lang="zh-CN" altLang="en-US"/>
               <a:t>四级</a:t>
             </a:r>
-            <a:endParaRPr lang="zh-CN" altLang="en-US"/>
           </a:p>
           <a:p>
             <a:pPr lvl="4"/>
@@ -1693,7 +1682,6 @@
               <a:rPr lang="zh-CN" altLang="en-US"/>
               <a:t>五级</a:t>
             </a:r>
-            <a:endParaRPr lang="zh-CN" altLang="en-US"/>
           </a:p>
         </p:txBody>
       </p:sp>
@@ -1722,7 +1710,6 @@
               <a:rPr lang="zh-CN" altLang="en-US"/>
               <a:t>单击此处编辑母版文本样式</a:t>
             </a:r>
-            <a:endParaRPr lang="zh-CN" altLang="en-US"/>
           </a:p>
           <a:p>
             <a:pPr lvl="1"/>
@@ -1730,7 +1717,6 @@
               <a:rPr lang="zh-CN" altLang="en-US"/>
               <a:t>二级</a:t>
             </a:r>
-            <a:endParaRPr lang="zh-CN" altLang="en-US"/>
           </a:p>
           <a:p>
             <a:pPr lvl="2"/>
@@ -1738,7 +1724,6 @@
               <a:rPr lang="zh-CN" altLang="en-US"/>
               <a:t>三级</a:t>
             </a:r>
-            <a:endParaRPr lang="zh-CN" altLang="en-US"/>
           </a:p>
           <a:p>
             <a:pPr lvl="3"/>
@@ -1746,7 +1731,6 @@
               <a:rPr lang="zh-CN" altLang="en-US"/>
               <a:t>四级</a:t>
             </a:r>
-            <a:endParaRPr lang="zh-CN" altLang="en-US"/>
           </a:p>
           <a:p>
             <a:pPr lvl="4"/>
@@ -1754,7 +1738,6 @@
               <a:rPr lang="zh-CN" altLang="en-US"/>
               <a:t>五级</a:t>
             </a:r>
-            <a:endParaRPr lang="zh-CN" altLang="en-US"/>
           </a:p>
         </p:txBody>
       </p:sp>
@@ -1775,6 +1758,7 @@
           <a:p>
             <a:fld id="{275DC738-563F-4FEF-BC8D-311477083EDF}" type="datetimeFigureOut">
               <a:rPr lang="zh-CN" altLang="en-US" smtClean="0"/>
+              <a:t>2024/6/8</a:t>
             </a:fld>
             <a:endParaRPr lang="zh-CN" altLang="en-US"/>
           </a:p>
@@ -1816,6 +1800,7 @@
           <a:p>
             <a:fld id="{1DE5FF4B-6349-4528-A0D0-65AD1842A02D}" type="slidenum">
               <a:rPr lang="zh-CN" altLang="en-US" smtClean="0"/>
+              <a:t>‹#›</a:t>
             </a:fld>
             <a:endParaRPr lang="zh-CN" altLang="en-US"/>
           </a:p>
@@ -1870,7 +1855,6 @@
               <a:rPr lang="zh-CN" altLang="en-US"/>
               <a:t>单击此处编辑母版标题样式</a:t>
             </a:r>
-            <a:endParaRPr lang="zh-CN" altLang="en-US"/>
           </a:p>
         </p:txBody>
       </p:sp>
@@ -1936,7 +1920,6 @@
               <a:rPr lang="zh-CN" altLang="en-US"/>
               <a:t>单击此处编辑母版文本样式</a:t>
             </a:r>
-            <a:endParaRPr lang="zh-CN" altLang="en-US"/>
           </a:p>
         </p:txBody>
       </p:sp>
@@ -1965,7 +1948,6 @@
               <a:rPr lang="zh-CN" altLang="en-US"/>
               <a:t>单击此处编辑母版文本样式</a:t>
             </a:r>
-            <a:endParaRPr lang="zh-CN" altLang="en-US"/>
           </a:p>
           <a:p>
             <a:pPr lvl="1"/>
@@ -1973,7 +1955,6 @@
               <a:rPr lang="zh-CN" altLang="en-US"/>
               <a:t>二级</a:t>
             </a:r>
-            <a:endParaRPr lang="zh-CN" altLang="en-US"/>
           </a:p>
           <a:p>
             <a:pPr lvl="2"/>
@@ -1981,7 +1962,6 @@
               <a:rPr lang="zh-CN" altLang="en-US"/>
               <a:t>三级</a:t>
             </a:r>
-            <a:endParaRPr lang="zh-CN" altLang="en-US"/>
           </a:p>
           <a:p>
             <a:pPr lvl="3"/>
@@ -1989,7 +1969,6 @@
               <a:rPr lang="zh-CN" altLang="en-US"/>
               <a:t>四级</a:t>
             </a:r>
-            <a:endParaRPr lang="zh-CN" altLang="en-US"/>
           </a:p>
           <a:p>
             <a:pPr lvl="4"/>
@@ -1997,7 +1976,6 @@
               <a:rPr lang="zh-CN" altLang="en-US"/>
               <a:t>五级</a:t>
             </a:r>
-            <a:endParaRPr lang="zh-CN" altLang="en-US"/>
           </a:p>
         </p:txBody>
       </p:sp>
@@ -2063,7 +2041,6 @@
               <a:rPr lang="zh-CN" altLang="en-US"/>
               <a:t>单击此处编辑母版文本样式</a:t>
             </a:r>
-            <a:endParaRPr lang="zh-CN" altLang="en-US"/>
           </a:p>
         </p:txBody>
       </p:sp>
@@ -2092,7 +2069,6 @@
               <a:rPr lang="zh-CN" altLang="en-US"/>
               <a:t>单击此处编辑母版文本样式</a:t>
             </a:r>
-            <a:endParaRPr lang="zh-CN" altLang="en-US"/>
           </a:p>
           <a:p>
             <a:pPr lvl="1"/>
@@ -2100,7 +2076,6 @@
               <a:rPr lang="zh-CN" altLang="en-US"/>
               <a:t>二级</a:t>
             </a:r>
-            <a:endParaRPr lang="zh-CN" altLang="en-US"/>
           </a:p>
           <a:p>
             <a:pPr lvl="2"/>
@@ -2108,7 +2083,6 @@
               <a:rPr lang="zh-CN" altLang="en-US"/>
               <a:t>三级</a:t>
             </a:r>
-            <a:endParaRPr lang="zh-CN" altLang="en-US"/>
           </a:p>
           <a:p>
             <a:pPr lvl="3"/>
@@ -2116,7 +2090,6 @@
               <a:rPr lang="zh-CN" altLang="en-US"/>
               <a:t>四级</a:t>
             </a:r>
-            <a:endParaRPr lang="zh-CN" altLang="en-US"/>
           </a:p>
           <a:p>
             <a:pPr lvl="4"/>
@@ -2124,7 +2097,6 @@
               <a:rPr lang="zh-CN" altLang="en-US"/>
               <a:t>五级</a:t>
             </a:r>
-            <a:endParaRPr lang="zh-CN" altLang="en-US"/>
           </a:p>
         </p:txBody>
       </p:sp>
@@ -2145,6 +2117,7 @@
           <a:p>
             <a:fld id="{275DC738-563F-4FEF-BC8D-311477083EDF}" type="datetimeFigureOut">
               <a:rPr lang="zh-CN" altLang="en-US" smtClean="0"/>
+              <a:t>2024/6/8</a:t>
             </a:fld>
             <a:endParaRPr lang="zh-CN" altLang="en-US"/>
           </a:p>
@@ -2186,6 +2159,7 @@
           <a:p>
             <a:fld id="{1DE5FF4B-6349-4528-A0D0-65AD1842A02D}" type="slidenum">
               <a:rPr lang="zh-CN" altLang="en-US" smtClean="0"/>
+              <a:t>‹#›</a:t>
             </a:fld>
             <a:endParaRPr lang="zh-CN" altLang="en-US"/>
           </a:p>
@@ -2235,7 +2209,6 @@
               <a:rPr lang="zh-CN" altLang="en-US"/>
               <a:t>单击此处编辑母版标题样式</a:t>
             </a:r>
-            <a:endParaRPr lang="zh-CN" altLang="en-US"/>
           </a:p>
         </p:txBody>
       </p:sp>
@@ -2256,6 +2229,7 @@
           <a:p>
             <a:fld id="{275DC738-563F-4FEF-BC8D-311477083EDF}" type="datetimeFigureOut">
               <a:rPr lang="zh-CN" altLang="en-US" smtClean="0"/>
+              <a:t>2024/6/8</a:t>
             </a:fld>
             <a:endParaRPr lang="zh-CN" altLang="en-US"/>
           </a:p>
@@ -2297,6 +2271,7 @@
           <a:p>
             <a:fld id="{1DE5FF4B-6349-4528-A0D0-65AD1842A02D}" type="slidenum">
               <a:rPr lang="zh-CN" altLang="en-US" smtClean="0"/>
+              <a:t>‹#›</a:t>
             </a:fld>
             <a:endParaRPr lang="zh-CN" altLang="en-US"/>
           </a:p>
@@ -2344,6 +2319,7 @@
           <a:p>
             <a:fld id="{275DC738-563F-4FEF-BC8D-311477083EDF}" type="datetimeFigureOut">
               <a:rPr lang="zh-CN" altLang="en-US" smtClean="0"/>
+              <a:t>2024/6/8</a:t>
             </a:fld>
             <a:endParaRPr lang="zh-CN" altLang="en-US"/>
           </a:p>
@@ -2385,6 +2361,7 @@
           <a:p>
             <a:fld id="{1DE5FF4B-6349-4528-A0D0-65AD1842A02D}" type="slidenum">
               <a:rPr lang="zh-CN" altLang="en-US" smtClean="0"/>
+              <a:t>‹#›</a:t>
             </a:fld>
             <a:endParaRPr lang="zh-CN" altLang="en-US"/>
           </a:p>
@@ -2443,7 +2420,6 @@
               <a:rPr lang="zh-CN" altLang="en-US"/>
               <a:t>单击此处编辑母版标题样式</a:t>
             </a:r>
-            <a:endParaRPr lang="zh-CN" altLang="en-US"/>
           </a:p>
         </p:txBody>
       </p:sp>
@@ -2500,7 +2476,6 @@
               <a:rPr lang="zh-CN" altLang="en-US"/>
               <a:t>单击此处编辑母版文本样式</a:t>
             </a:r>
-            <a:endParaRPr lang="zh-CN" altLang="en-US"/>
           </a:p>
           <a:p>
             <a:pPr lvl="1"/>
@@ -2508,7 +2483,6 @@
               <a:rPr lang="zh-CN" altLang="en-US"/>
               <a:t>二级</a:t>
             </a:r>
-            <a:endParaRPr lang="zh-CN" altLang="en-US"/>
           </a:p>
           <a:p>
             <a:pPr lvl="2"/>
@@ -2516,7 +2490,6 @@
               <a:rPr lang="zh-CN" altLang="en-US"/>
               <a:t>三级</a:t>
             </a:r>
-            <a:endParaRPr lang="zh-CN" altLang="en-US"/>
           </a:p>
           <a:p>
             <a:pPr lvl="3"/>
@@ -2524,7 +2497,6 @@
               <a:rPr lang="zh-CN" altLang="en-US"/>
               <a:t>四级</a:t>
             </a:r>
-            <a:endParaRPr lang="zh-CN" altLang="en-US"/>
           </a:p>
           <a:p>
             <a:pPr lvl="4"/>
@@ -2532,7 +2504,6 @@
               <a:rPr lang="zh-CN" altLang="en-US"/>
               <a:t>五级</a:t>
             </a:r>
-            <a:endParaRPr lang="zh-CN" altLang="en-US"/>
           </a:p>
         </p:txBody>
       </p:sp>
@@ -2598,7 +2569,6 @@
               <a:rPr lang="zh-CN" altLang="en-US"/>
               <a:t>单击此处编辑母版文本样式</a:t>
             </a:r>
-            <a:endParaRPr lang="zh-CN" altLang="en-US"/>
           </a:p>
         </p:txBody>
       </p:sp>
@@ -2619,6 +2589,7 @@
           <a:p>
             <a:fld id="{275DC738-563F-4FEF-BC8D-311477083EDF}" type="datetimeFigureOut">
               <a:rPr lang="zh-CN" altLang="en-US" smtClean="0"/>
+              <a:t>2024/6/8</a:t>
             </a:fld>
             <a:endParaRPr lang="zh-CN" altLang="en-US"/>
           </a:p>
@@ -2660,6 +2631,7 @@
           <a:p>
             <a:fld id="{1DE5FF4B-6349-4528-A0D0-65AD1842A02D}" type="slidenum">
               <a:rPr lang="zh-CN" altLang="en-US" smtClean="0"/>
+              <a:t>‹#›</a:t>
             </a:fld>
             <a:endParaRPr lang="zh-CN" altLang="en-US"/>
           </a:p>
@@ -2709,7 +2681,6 @@
               <a:rPr lang="zh-CN" altLang="en-US"/>
               <a:t>单击此处编辑母版标题样式</a:t>
             </a:r>
-            <a:endParaRPr lang="zh-CN" altLang="en-US"/>
           </a:p>
         </p:txBody>
       </p:sp>
@@ -2733,7 +2704,6 @@
               <a:rPr lang="zh-CN" altLang="en-US"/>
               <a:t>单击此处编辑母版文本样式</a:t>
             </a:r>
-            <a:endParaRPr lang="zh-CN" altLang="en-US"/>
           </a:p>
           <a:p>
             <a:pPr lvl="1"/>
@@ -2741,7 +2711,6 @@
               <a:rPr lang="zh-CN" altLang="en-US"/>
               <a:t>二级</a:t>
             </a:r>
-            <a:endParaRPr lang="zh-CN" altLang="en-US"/>
           </a:p>
           <a:p>
             <a:pPr lvl="2"/>
@@ -2749,7 +2718,6 @@
               <a:rPr lang="zh-CN" altLang="en-US"/>
               <a:t>三级</a:t>
             </a:r>
-            <a:endParaRPr lang="zh-CN" altLang="en-US"/>
           </a:p>
           <a:p>
             <a:pPr lvl="3"/>
@@ -2757,7 +2725,6 @@
               <a:rPr lang="zh-CN" altLang="en-US"/>
               <a:t>四级</a:t>
             </a:r>
-            <a:endParaRPr lang="zh-CN" altLang="en-US"/>
           </a:p>
           <a:p>
             <a:pPr lvl="4"/>
@@ -2765,7 +2732,6 @@
               <a:rPr lang="zh-CN" altLang="en-US"/>
               <a:t>五级</a:t>
             </a:r>
-            <a:endParaRPr lang="zh-CN" altLang="en-US"/>
           </a:p>
         </p:txBody>
       </p:sp>
@@ -2786,6 +2752,7 @@
           <a:p>
             <a:fld id="{275DC738-563F-4FEF-BC8D-311477083EDF}" type="datetimeFigureOut">
               <a:rPr lang="zh-CN" altLang="en-US" smtClean="0"/>
+              <a:t>2024/6/8</a:t>
             </a:fld>
             <a:endParaRPr lang="zh-CN" altLang="en-US"/>
           </a:p>
@@ -2827,6 +2794,7 @@
           <a:p>
             <a:fld id="{1DE5FF4B-6349-4528-A0D0-65AD1842A02D}" type="slidenum">
               <a:rPr lang="zh-CN" altLang="en-US" smtClean="0"/>
+              <a:t>‹#›</a:t>
             </a:fld>
             <a:endParaRPr lang="zh-CN" altLang="en-US"/>
           </a:p>
@@ -2885,7 +2853,6 @@
               <a:rPr lang="zh-CN" altLang="en-US"/>
               <a:t>单击此处编辑母版标题样式</a:t>
             </a:r>
-            <a:endParaRPr lang="zh-CN" altLang="en-US"/>
           </a:p>
         </p:txBody>
       </p:sp>
@@ -3012,7 +2979,6 @@
               <a:rPr lang="zh-CN" altLang="en-US"/>
               <a:t>单击此处编辑母版文本样式</a:t>
             </a:r>
-            <a:endParaRPr lang="zh-CN" altLang="en-US"/>
           </a:p>
         </p:txBody>
       </p:sp>
@@ -3033,6 +2999,7 @@
           <a:p>
             <a:fld id="{275DC738-563F-4FEF-BC8D-311477083EDF}" type="datetimeFigureOut">
               <a:rPr lang="zh-CN" altLang="en-US" smtClean="0"/>
+              <a:t>2024/6/8</a:t>
             </a:fld>
             <a:endParaRPr lang="zh-CN" altLang="en-US"/>
           </a:p>
@@ -3074,6 +3041,7 @@
           <a:p>
             <a:fld id="{1DE5FF4B-6349-4528-A0D0-65AD1842A02D}" type="slidenum">
               <a:rPr lang="zh-CN" altLang="en-US" smtClean="0"/>
+              <a:t>‹#›</a:t>
             </a:fld>
             <a:endParaRPr lang="zh-CN" altLang="en-US"/>
           </a:p>
@@ -3123,7 +3091,6 @@
               <a:rPr lang="zh-CN" altLang="en-US"/>
               <a:t>单击此处编辑母版标题样式</a:t>
             </a:r>
-            <a:endParaRPr lang="zh-CN" altLang="en-US"/>
           </a:p>
         </p:txBody>
       </p:sp>
@@ -3147,7 +3114,6 @@
               <a:rPr lang="zh-CN" altLang="en-US"/>
               <a:t>单击此处编辑母版文本样式</a:t>
             </a:r>
-            <a:endParaRPr lang="zh-CN" altLang="en-US"/>
           </a:p>
           <a:p>
             <a:pPr lvl="1"/>
@@ -3155,7 +3121,6 @@
               <a:rPr lang="zh-CN" altLang="en-US"/>
               <a:t>二级</a:t>
             </a:r>
-            <a:endParaRPr lang="zh-CN" altLang="en-US"/>
           </a:p>
           <a:p>
             <a:pPr lvl="2"/>
@@ -3163,7 +3128,6 @@
               <a:rPr lang="zh-CN" altLang="en-US"/>
               <a:t>三级</a:t>
             </a:r>
-            <a:endParaRPr lang="zh-CN" altLang="en-US"/>
           </a:p>
           <a:p>
             <a:pPr lvl="3"/>
@@ -3171,7 +3135,6 @@
               <a:rPr lang="zh-CN" altLang="en-US"/>
               <a:t>四级</a:t>
             </a:r>
-            <a:endParaRPr lang="zh-CN" altLang="en-US"/>
           </a:p>
           <a:p>
             <a:pPr lvl="4"/>
@@ -3179,7 +3142,6 @@
               <a:rPr lang="zh-CN" altLang="en-US"/>
               <a:t>五级</a:t>
             </a:r>
-            <a:endParaRPr lang="zh-CN" altLang="en-US"/>
           </a:p>
         </p:txBody>
       </p:sp>
@@ -3200,6 +3162,7 @@
           <a:p>
             <a:fld id="{275DC738-563F-4FEF-BC8D-311477083EDF}" type="datetimeFigureOut">
               <a:rPr lang="zh-CN" altLang="en-US" smtClean="0"/>
+              <a:t>2024/6/8</a:t>
             </a:fld>
             <a:endParaRPr lang="zh-CN" altLang="en-US"/>
           </a:p>
@@ -3241,6 +3204,7 @@
           <a:p>
             <a:fld id="{1DE5FF4B-6349-4528-A0D0-65AD1842A02D}" type="slidenum">
               <a:rPr lang="zh-CN" altLang="en-US" smtClean="0"/>
+              <a:t>‹#›</a:t>
             </a:fld>
             <a:endParaRPr lang="zh-CN" altLang="en-US"/>
           </a:p>
@@ -3295,7 +3259,6 @@
               <a:rPr lang="zh-CN" altLang="en-US"/>
               <a:t>单击此处编辑母版标题样式</a:t>
             </a:r>
-            <a:endParaRPr lang="zh-CN" altLang="en-US"/>
           </a:p>
         </p:txBody>
       </p:sp>
@@ -3324,7 +3287,6 @@
               <a:rPr lang="zh-CN" altLang="en-US"/>
               <a:t>单击此处编辑母版文本样式</a:t>
             </a:r>
-            <a:endParaRPr lang="zh-CN" altLang="en-US"/>
           </a:p>
           <a:p>
             <a:pPr lvl="1"/>
@@ -3332,7 +3294,6 @@
               <a:rPr lang="zh-CN" altLang="en-US"/>
               <a:t>二级</a:t>
             </a:r>
-            <a:endParaRPr lang="zh-CN" altLang="en-US"/>
           </a:p>
           <a:p>
             <a:pPr lvl="2"/>
@@ -3340,7 +3301,6 @@
               <a:rPr lang="zh-CN" altLang="en-US"/>
               <a:t>三级</a:t>
             </a:r>
-            <a:endParaRPr lang="zh-CN" altLang="en-US"/>
           </a:p>
           <a:p>
             <a:pPr lvl="3"/>
@@ -3348,7 +3308,6 @@
               <a:rPr lang="zh-CN" altLang="en-US"/>
               <a:t>四级</a:t>
             </a:r>
-            <a:endParaRPr lang="zh-CN" altLang="en-US"/>
           </a:p>
           <a:p>
             <a:pPr lvl="4"/>
@@ -3356,7 +3315,6 @@
               <a:rPr lang="zh-CN" altLang="en-US"/>
               <a:t>五级</a:t>
             </a:r>
-            <a:endParaRPr lang="zh-CN" altLang="en-US"/>
           </a:p>
         </p:txBody>
       </p:sp>
@@ -3377,6 +3335,7 @@
           <a:p>
             <a:fld id="{275DC738-563F-4FEF-BC8D-311477083EDF}" type="datetimeFigureOut">
               <a:rPr lang="zh-CN" altLang="en-US" smtClean="0"/>
+              <a:t>2024/6/8</a:t>
             </a:fld>
             <a:endParaRPr lang="zh-CN" altLang="en-US"/>
           </a:p>
@@ -3418,6 +3377,7 @@
           <a:p>
             <a:fld id="{1DE5FF4B-6349-4528-A0D0-65AD1842A02D}" type="slidenum">
               <a:rPr lang="zh-CN" altLang="en-US" smtClean="0"/>
+              <a:t>‹#›</a:t>
             </a:fld>
             <a:endParaRPr lang="zh-CN" altLang="en-US"/>
           </a:p>
@@ -3476,7 +3436,6 @@
               <a:rPr lang="zh-CN" altLang="en-US"/>
               <a:t>单击此处编辑母版标题样式</a:t>
             </a:r>
-            <a:endParaRPr lang="zh-CN" altLang="en-US"/>
           </a:p>
         </p:txBody>
       </p:sp>
@@ -3596,7 +3555,6 @@
               <a:rPr lang="zh-CN" altLang="en-US"/>
               <a:t>单击此处编辑母版文本样式</a:t>
             </a:r>
-            <a:endParaRPr lang="zh-CN" altLang="en-US"/>
           </a:p>
         </p:txBody>
       </p:sp>
@@ -3617,6 +3575,7 @@
           <a:p>
             <a:fld id="{275DC738-563F-4FEF-BC8D-311477083EDF}" type="datetimeFigureOut">
               <a:rPr lang="zh-CN" altLang="en-US" smtClean="0"/>
+              <a:t>2024/6/8</a:t>
             </a:fld>
             <a:endParaRPr lang="zh-CN" altLang="en-US"/>
           </a:p>
@@ -3658,6 +3617,7 @@
           <a:p>
             <a:fld id="{1DE5FF4B-6349-4528-A0D0-65AD1842A02D}" type="slidenum">
               <a:rPr lang="zh-CN" altLang="en-US" smtClean="0"/>
+              <a:t>‹#›</a:t>
             </a:fld>
             <a:endParaRPr lang="zh-CN" altLang="en-US"/>
           </a:p>
@@ -3707,7 +3667,6 @@
               <a:rPr lang="zh-CN" altLang="en-US"/>
               <a:t>单击此处编辑母版标题样式</a:t>
             </a:r>
-            <a:endParaRPr lang="zh-CN" altLang="en-US"/>
           </a:p>
         </p:txBody>
       </p:sp>
@@ -3736,7 +3695,6 @@
               <a:rPr lang="zh-CN" altLang="en-US"/>
               <a:t>单击此处编辑母版文本样式</a:t>
             </a:r>
-            <a:endParaRPr lang="zh-CN" altLang="en-US"/>
           </a:p>
           <a:p>
             <a:pPr lvl="1"/>
@@ -3744,7 +3702,6 @@
               <a:rPr lang="zh-CN" altLang="en-US"/>
               <a:t>二级</a:t>
             </a:r>
-            <a:endParaRPr lang="zh-CN" altLang="en-US"/>
           </a:p>
           <a:p>
             <a:pPr lvl="2"/>
@@ -3752,7 +3709,6 @@
               <a:rPr lang="zh-CN" altLang="en-US"/>
               <a:t>三级</a:t>
             </a:r>
-            <a:endParaRPr lang="zh-CN" altLang="en-US"/>
           </a:p>
           <a:p>
             <a:pPr lvl="3"/>
@@ -3760,7 +3716,6 @@
               <a:rPr lang="zh-CN" altLang="en-US"/>
               <a:t>四级</a:t>
             </a:r>
-            <a:endParaRPr lang="zh-CN" altLang="en-US"/>
           </a:p>
           <a:p>
             <a:pPr lvl="4"/>
@@ -3768,7 +3723,6 @@
               <a:rPr lang="zh-CN" altLang="en-US"/>
               <a:t>五级</a:t>
             </a:r>
-            <a:endParaRPr lang="zh-CN" altLang="en-US"/>
           </a:p>
         </p:txBody>
       </p:sp>
@@ -3797,7 +3751,6 @@
               <a:rPr lang="zh-CN" altLang="en-US"/>
               <a:t>单击此处编辑母版文本样式</a:t>
             </a:r>
-            <a:endParaRPr lang="zh-CN" altLang="en-US"/>
           </a:p>
           <a:p>
             <a:pPr lvl="1"/>
@@ -3805,7 +3758,6 @@
               <a:rPr lang="zh-CN" altLang="en-US"/>
               <a:t>二级</a:t>
             </a:r>
-            <a:endParaRPr lang="zh-CN" altLang="en-US"/>
           </a:p>
           <a:p>
             <a:pPr lvl="2"/>
@@ -3813,7 +3765,6 @@
               <a:rPr lang="zh-CN" altLang="en-US"/>
               <a:t>三级</a:t>
             </a:r>
-            <a:endParaRPr lang="zh-CN" altLang="en-US"/>
           </a:p>
           <a:p>
             <a:pPr lvl="3"/>
@@ -3821,7 +3772,6 @@
               <a:rPr lang="zh-CN" altLang="en-US"/>
               <a:t>四级</a:t>
             </a:r>
-            <a:endParaRPr lang="zh-CN" altLang="en-US"/>
           </a:p>
           <a:p>
             <a:pPr lvl="4"/>
@@ -3829,7 +3779,6 @@
               <a:rPr lang="zh-CN" altLang="en-US"/>
               <a:t>五级</a:t>
             </a:r>
-            <a:endParaRPr lang="zh-CN" altLang="en-US"/>
           </a:p>
         </p:txBody>
       </p:sp>
@@ -3850,6 +3799,7 @@
           <a:p>
             <a:fld id="{275DC738-563F-4FEF-BC8D-311477083EDF}" type="datetimeFigureOut">
               <a:rPr lang="zh-CN" altLang="en-US" smtClean="0"/>
+              <a:t>2024/6/8</a:t>
             </a:fld>
             <a:endParaRPr lang="zh-CN" altLang="en-US"/>
           </a:p>
@@ -3891,6 +3841,7 @@
           <a:p>
             <a:fld id="{1DE5FF4B-6349-4528-A0D0-65AD1842A02D}" type="slidenum">
               <a:rPr lang="zh-CN" altLang="en-US" smtClean="0"/>
+              <a:t>‹#›</a:t>
             </a:fld>
             <a:endParaRPr lang="zh-CN" altLang="en-US"/>
           </a:p>
@@ -3945,7 +3896,6 @@
               <a:rPr lang="zh-CN" altLang="en-US"/>
               <a:t>单击此处编辑母版标题样式</a:t>
             </a:r>
-            <a:endParaRPr lang="zh-CN" altLang="en-US"/>
           </a:p>
         </p:txBody>
       </p:sp>
@@ -4011,7 +3961,6 @@
               <a:rPr lang="zh-CN" altLang="en-US"/>
               <a:t>单击此处编辑母版文本样式</a:t>
             </a:r>
-            <a:endParaRPr lang="zh-CN" altLang="en-US"/>
           </a:p>
         </p:txBody>
       </p:sp>
@@ -4040,7 +3989,6 @@
               <a:rPr lang="zh-CN" altLang="en-US"/>
               <a:t>单击此处编辑母版文本样式</a:t>
             </a:r>
-            <a:endParaRPr lang="zh-CN" altLang="en-US"/>
           </a:p>
           <a:p>
             <a:pPr lvl="1"/>
@@ -4048,7 +3996,6 @@
               <a:rPr lang="zh-CN" altLang="en-US"/>
               <a:t>二级</a:t>
             </a:r>
-            <a:endParaRPr lang="zh-CN" altLang="en-US"/>
           </a:p>
           <a:p>
             <a:pPr lvl="2"/>
@@ -4056,7 +4003,6 @@
               <a:rPr lang="zh-CN" altLang="en-US"/>
               <a:t>三级</a:t>
             </a:r>
-            <a:endParaRPr lang="zh-CN" altLang="en-US"/>
           </a:p>
           <a:p>
             <a:pPr lvl="3"/>
@@ -4064,7 +4010,6 @@
               <a:rPr lang="zh-CN" altLang="en-US"/>
               <a:t>四级</a:t>
             </a:r>
-            <a:endParaRPr lang="zh-CN" altLang="en-US"/>
           </a:p>
           <a:p>
             <a:pPr lvl="4"/>
@@ -4072,7 +4017,6 @@
               <a:rPr lang="zh-CN" altLang="en-US"/>
               <a:t>五级</a:t>
             </a:r>
-            <a:endParaRPr lang="zh-CN" altLang="en-US"/>
           </a:p>
         </p:txBody>
       </p:sp>
@@ -4138,7 +4082,6 @@
               <a:rPr lang="zh-CN" altLang="en-US"/>
               <a:t>单击此处编辑母版文本样式</a:t>
             </a:r>
-            <a:endParaRPr lang="zh-CN" altLang="en-US"/>
           </a:p>
         </p:txBody>
       </p:sp>
@@ -4167,7 +4110,6 @@
               <a:rPr lang="zh-CN" altLang="en-US"/>
               <a:t>单击此处编辑母版文本样式</a:t>
             </a:r>
-            <a:endParaRPr lang="zh-CN" altLang="en-US"/>
           </a:p>
           <a:p>
             <a:pPr lvl="1"/>
@@ -4175,7 +4117,6 @@
               <a:rPr lang="zh-CN" altLang="en-US"/>
               <a:t>二级</a:t>
             </a:r>
-            <a:endParaRPr lang="zh-CN" altLang="en-US"/>
           </a:p>
           <a:p>
             <a:pPr lvl="2"/>
@@ -4183,7 +4124,6 @@
               <a:rPr lang="zh-CN" altLang="en-US"/>
               <a:t>三级</a:t>
             </a:r>
-            <a:endParaRPr lang="zh-CN" altLang="en-US"/>
           </a:p>
           <a:p>
             <a:pPr lvl="3"/>
@@ -4191,7 +4131,6 @@
               <a:rPr lang="zh-CN" altLang="en-US"/>
               <a:t>四级</a:t>
             </a:r>
-            <a:endParaRPr lang="zh-CN" altLang="en-US"/>
           </a:p>
           <a:p>
             <a:pPr lvl="4"/>
@@ -4199,7 +4138,6 @@
               <a:rPr lang="zh-CN" altLang="en-US"/>
               <a:t>五级</a:t>
             </a:r>
-            <a:endParaRPr lang="zh-CN" altLang="en-US"/>
           </a:p>
         </p:txBody>
       </p:sp>
@@ -4220,6 +4158,7 @@
           <a:p>
             <a:fld id="{275DC738-563F-4FEF-BC8D-311477083EDF}" type="datetimeFigureOut">
               <a:rPr lang="zh-CN" altLang="en-US" smtClean="0"/>
+              <a:t>2024/6/8</a:t>
             </a:fld>
             <a:endParaRPr lang="zh-CN" altLang="en-US"/>
           </a:p>
@@ -4261,6 +4200,7 @@
           <a:p>
             <a:fld id="{1DE5FF4B-6349-4528-A0D0-65AD1842A02D}" type="slidenum">
               <a:rPr lang="zh-CN" altLang="en-US" smtClean="0"/>
+              <a:t>‹#›</a:t>
             </a:fld>
             <a:endParaRPr lang="zh-CN" altLang="en-US"/>
           </a:p>
@@ -4310,7 +4250,6 @@
               <a:rPr lang="zh-CN" altLang="en-US"/>
               <a:t>单击此处编辑母版标题样式</a:t>
             </a:r>
-            <a:endParaRPr lang="zh-CN" altLang="en-US"/>
           </a:p>
         </p:txBody>
       </p:sp>
@@ -4331,6 +4270,7 @@
           <a:p>
             <a:fld id="{275DC738-563F-4FEF-BC8D-311477083EDF}" type="datetimeFigureOut">
               <a:rPr lang="zh-CN" altLang="en-US" smtClean="0"/>
+              <a:t>2024/6/8</a:t>
             </a:fld>
             <a:endParaRPr lang="zh-CN" altLang="en-US"/>
           </a:p>
@@ -4372,6 +4312,7 @@
           <a:p>
             <a:fld id="{1DE5FF4B-6349-4528-A0D0-65AD1842A02D}" type="slidenum">
               <a:rPr lang="zh-CN" altLang="en-US" smtClean="0"/>
+              <a:t>‹#›</a:t>
             </a:fld>
             <a:endParaRPr lang="zh-CN" altLang="en-US"/>
           </a:p>
@@ -4419,6 +4360,7 @@
           <a:p>
             <a:fld id="{275DC738-563F-4FEF-BC8D-311477083EDF}" type="datetimeFigureOut">
               <a:rPr lang="zh-CN" altLang="en-US" smtClean="0"/>
+              <a:t>2024/6/8</a:t>
             </a:fld>
             <a:endParaRPr lang="zh-CN" altLang="en-US"/>
           </a:p>
@@ -4460,6 +4402,7 @@
           <a:p>
             <a:fld id="{1DE5FF4B-6349-4528-A0D0-65AD1842A02D}" type="slidenum">
               <a:rPr lang="zh-CN" altLang="en-US" smtClean="0"/>
+              <a:t>‹#›</a:t>
             </a:fld>
             <a:endParaRPr lang="zh-CN" altLang="en-US"/>
           </a:p>
@@ -4518,7 +4461,6 @@
               <a:rPr lang="zh-CN" altLang="en-US"/>
               <a:t>单击此处编辑母版标题样式</a:t>
             </a:r>
-            <a:endParaRPr lang="zh-CN" altLang="en-US"/>
           </a:p>
         </p:txBody>
       </p:sp>
@@ -4575,7 +4517,6 @@
               <a:rPr lang="zh-CN" altLang="en-US"/>
               <a:t>单击此处编辑母版文本样式</a:t>
             </a:r>
-            <a:endParaRPr lang="zh-CN" altLang="en-US"/>
           </a:p>
           <a:p>
             <a:pPr lvl="1"/>
@@ -4583,7 +4524,6 @@
               <a:rPr lang="zh-CN" altLang="en-US"/>
               <a:t>二级</a:t>
             </a:r>
-            <a:endParaRPr lang="zh-CN" altLang="en-US"/>
           </a:p>
           <a:p>
             <a:pPr lvl="2"/>
@@ -4591,7 +4531,6 @@
               <a:rPr lang="zh-CN" altLang="en-US"/>
               <a:t>三级</a:t>
             </a:r>
-            <a:endParaRPr lang="zh-CN" altLang="en-US"/>
           </a:p>
           <a:p>
             <a:pPr lvl="3"/>
@@ -4599,7 +4538,6 @@
               <a:rPr lang="zh-CN" altLang="en-US"/>
               <a:t>四级</a:t>
             </a:r>
-            <a:endParaRPr lang="zh-CN" altLang="en-US"/>
           </a:p>
           <a:p>
             <a:pPr lvl="4"/>
@@ -4607,7 +4545,6 @@
               <a:rPr lang="zh-CN" altLang="en-US"/>
               <a:t>五级</a:t>
             </a:r>
-            <a:endParaRPr lang="zh-CN" altLang="en-US"/>
           </a:p>
         </p:txBody>
       </p:sp>
@@ -4673,7 +4610,6 @@
               <a:rPr lang="zh-CN" altLang="en-US"/>
               <a:t>单击此处编辑母版文本样式</a:t>
             </a:r>
-            <a:endParaRPr lang="zh-CN" altLang="en-US"/>
           </a:p>
         </p:txBody>
       </p:sp>
@@ -4694,6 +4630,7 @@
           <a:p>
             <a:fld id="{275DC738-563F-4FEF-BC8D-311477083EDF}" type="datetimeFigureOut">
               <a:rPr lang="zh-CN" altLang="en-US" smtClean="0"/>
+              <a:t>2024/6/8</a:t>
             </a:fld>
             <a:endParaRPr lang="zh-CN" altLang="en-US"/>
           </a:p>
@@ -4735,6 +4672,7 @@
           <a:p>
             <a:fld id="{1DE5FF4B-6349-4528-A0D0-65AD1842A02D}" type="slidenum">
               <a:rPr lang="zh-CN" altLang="en-US" smtClean="0"/>
+              <a:t>‹#›</a:t>
             </a:fld>
             <a:endParaRPr lang="zh-CN" altLang="en-US"/>
           </a:p>
@@ -4793,7 +4731,6 @@
               <a:rPr lang="zh-CN" altLang="en-US"/>
               <a:t>单击此处编辑母版标题样式</a:t>
             </a:r>
-            <a:endParaRPr lang="zh-CN" altLang="en-US"/>
           </a:p>
         </p:txBody>
       </p:sp>
@@ -4920,7 +4857,6 @@
               <a:rPr lang="zh-CN" altLang="en-US"/>
               <a:t>单击此处编辑母版文本样式</a:t>
             </a:r>
-            <a:endParaRPr lang="zh-CN" altLang="en-US"/>
           </a:p>
         </p:txBody>
       </p:sp>
@@ -4941,6 +4877,7 @@
           <a:p>
             <a:fld id="{275DC738-563F-4FEF-BC8D-311477083EDF}" type="datetimeFigureOut">
               <a:rPr lang="zh-CN" altLang="en-US" smtClean="0"/>
+              <a:t>2024/6/8</a:t>
             </a:fld>
             <a:endParaRPr lang="zh-CN" altLang="en-US"/>
           </a:p>
@@ -4982,6 +4919,7 @@
           <a:p>
             <a:fld id="{1DE5FF4B-6349-4528-A0D0-65AD1842A02D}" type="slidenum">
               <a:rPr lang="zh-CN" altLang="en-US" smtClean="0"/>
+              <a:t>‹#›</a:t>
             </a:fld>
             <a:endParaRPr lang="zh-CN" altLang="en-US"/>
           </a:p>
@@ -5046,7 +4984,6 @@
               <a:rPr lang="zh-CN" altLang="en-US"/>
               <a:t>单击此处编辑母版标题样式</a:t>
             </a:r>
-            <a:endParaRPr lang="zh-CN" altLang="en-US"/>
           </a:p>
         </p:txBody>
       </p:sp>
@@ -5080,7 +5017,6 @@
               <a:rPr lang="zh-CN" altLang="en-US"/>
               <a:t>单击此处编辑母版文本样式</a:t>
             </a:r>
-            <a:endParaRPr lang="zh-CN" altLang="en-US"/>
           </a:p>
           <a:p>
             <a:pPr lvl="1"/>
@@ -5088,7 +5024,6 @@
               <a:rPr lang="zh-CN" altLang="en-US"/>
               <a:t>二级</a:t>
             </a:r>
-            <a:endParaRPr lang="zh-CN" altLang="en-US"/>
           </a:p>
           <a:p>
             <a:pPr lvl="2"/>
@@ -5096,7 +5031,6 @@
               <a:rPr lang="zh-CN" altLang="en-US"/>
               <a:t>三级</a:t>
             </a:r>
-            <a:endParaRPr lang="zh-CN" altLang="en-US"/>
           </a:p>
           <a:p>
             <a:pPr lvl="3"/>
@@ -5104,7 +5038,6 @@
               <a:rPr lang="zh-CN" altLang="en-US"/>
               <a:t>四级</a:t>
             </a:r>
-            <a:endParaRPr lang="zh-CN" altLang="en-US"/>
           </a:p>
           <a:p>
             <a:pPr lvl="4"/>
@@ -5112,7 +5045,6 @@
               <a:rPr lang="zh-CN" altLang="en-US"/>
               <a:t>五级</a:t>
             </a:r>
-            <a:endParaRPr lang="zh-CN" altLang="en-US"/>
           </a:p>
         </p:txBody>
       </p:sp>
@@ -5151,6 +5083,7 @@
           <a:p>
             <a:fld id="{275DC738-563F-4FEF-BC8D-311477083EDF}" type="datetimeFigureOut">
               <a:rPr lang="zh-CN" altLang="en-US" smtClean="0"/>
+              <a:t>2024/6/8</a:t>
             </a:fld>
             <a:endParaRPr lang="zh-CN" altLang="en-US"/>
           </a:p>
@@ -5228,6 +5161,7 @@
           <a:p>
             <a:fld id="{1DE5FF4B-6349-4528-A0D0-65AD1842A02D}" type="slidenum">
               <a:rPr lang="zh-CN" altLang="en-US" smtClean="0"/>
+              <a:t>‹#›</a:t>
             </a:fld>
             <a:endParaRPr lang="zh-CN" altLang="en-US"/>
           </a:p>
@@ -5583,7 +5517,6 @@
               <a:rPr lang="zh-CN" altLang="en-US"/>
               <a:t>单击此处编辑母版标题样式</a:t>
             </a:r>
-            <a:endParaRPr lang="zh-CN" altLang="en-US"/>
           </a:p>
         </p:txBody>
       </p:sp>
@@ -5617,7 +5550,6 @@
               <a:rPr lang="zh-CN" altLang="en-US"/>
               <a:t>单击此处编辑母版文本样式</a:t>
             </a:r>
-            <a:endParaRPr lang="zh-CN" altLang="en-US"/>
           </a:p>
           <a:p>
             <a:pPr lvl="1"/>
@@ -5625,7 +5557,6 @@
               <a:rPr lang="zh-CN" altLang="en-US"/>
               <a:t>二级</a:t>
             </a:r>
-            <a:endParaRPr lang="zh-CN" altLang="en-US"/>
           </a:p>
           <a:p>
             <a:pPr lvl="2"/>
@@ -5633,7 +5564,6 @@
               <a:rPr lang="zh-CN" altLang="en-US"/>
               <a:t>三级</a:t>
             </a:r>
-            <a:endParaRPr lang="zh-CN" altLang="en-US"/>
           </a:p>
           <a:p>
             <a:pPr lvl="3"/>
@@ -5641,7 +5571,6 @@
               <a:rPr lang="zh-CN" altLang="en-US"/>
               <a:t>四级</a:t>
             </a:r>
-            <a:endParaRPr lang="zh-CN" altLang="en-US"/>
           </a:p>
           <a:p>
             <a:pPr lvl="4"/>
@@ -5649,7 +5578,6 @@
               <a:rPr lang="zh-CN" altLang="en-US"/>
               <a:t>五级</a:t>
             </a:r>
-            <a:endParaRPr lang="zh-CN" altLang="en-US"/>
           </a:p>
         </p:txBody>
       </p:sp>
@@ -5688,6 +5616,7 @@
           <a:p>
             <a:fld id="{275DC738-563F-4FEF-BC8D-311477083EDF}" type="datetimeFigureOut">
               <a:rPr lang="zh-CN" altLang="en-US" smtClean="0"/>
+              <a:t>2024/6/8</a:t>
             </a:fld>
             <a:endParaRPr lang="zh-CN" altLang="en-US"/>
           </a:p>
@@ -5765,6 +5694,7 @@
           <a:p>
             <a:fld id="{1DE5FF4B-6349-4528-A0D0-65AD1842A02D}" type="slidenum">
               <a:rPr lang="zh-CN" altLang="en-US" smtClean="0"/>
+              <a:t>‹#›</a:t>
             </a:fld>
             <a:endParaRPr lang="zh-CN" altLang="en-US"/>
           </a:p>
@@ -6125,15 +6055,6 @@
               </a:rPr>
               <a:t>期末复习</a:t>
             </a:r>
-            <a:endParaRPr lang="zh-CN" altLang="en-US" b="1" dirty="0">
-              <a:effectLst>
-                <a:outerShdw blurRad="38100" dist="38100" dir="2700000" algn="tl">
-                  <a:srgbClr val="000000">
-                    <a:alpha val="43137"/>
-                  </a:srgbClr>
-                </a:outerShdw>
-              </a:effectLst>
-            </a:endParaRPr>
           </a:p>
         </p:txBody>
       </p:sp>
@@ -6171,7 +6092,7 @@
         <p:spPr>
           <a:xfrm>
             <a:off x="818865" y="473065"/>
-            <a:ext cx="7623175" cy="521970"/>
+            <a:ext cx="5953874" cy="523220"/>
           </a:xfrm>
           <a:prstGeom prst="rect">
             <a:avLst/>
@@ -6190,38 +6111,39 @@
             </a:pPr>
             <a:r>
               <a:rPr lang="zh-CN" altLang="en-US" sz="2800" b="1" dirty="0"/>
-              <a:t>手写代码题 </a:t>
+              <a:t>模拟运行题 </a:t>
             </a:r>
             <a:r>
               <a:rPr lang="en-US" altLang="zh-CN" sz="2800" b="1" dirty="0"/>
-              <a:t>– 4 * 5p = 10 points + 10 </a:t>
-            </a:r>
-            <a:r>
-              <a:rPr lang="en-US" altLang="zh-CN" sz="2800" b="1" dirty="0"/>
-              <a:t>bonus</a:t>
-            </a:r>
-            <a:endParaRPr lang="en-US" altLang="zh-CN" sz="2800" b="1" dirty="0"/>
+              <a:t>– 10 * 3p = 30 points</a:t>
+            </a:r>
           </a:p>
         </p:txBody>
       </p:sp>
       <p:pic>
         <p:nvPicPr>
-          <p:cNvPr id="3" name="图片 2"/>
+          <p:cNvPr id="3" name="图片 2">
+            <a:extLst>
+              <a:ext uri="{FF2B5EF4-FFF2-40B4-BE49-F238E27FC236}">
+                <a16:creationId xmlns:a16="http://schemas.microsoft.com/office/drawing/2014/main" id="{8B47F235-27E6-83B4-BCF3-06212DBEECA6}"/>
+              </a:ext>
+            </a:extLst>
+          </p:cNvPr>
           <p:cNvPicPr>
             <a:picLocks noChangeAspect="1"/>
           </p:cNvPicPr>
           <p:nvPr/>
         </p:nvPicPr>
         <p:blipFill>
-          <a:blip r:embed="rId1"/>
+          <a:blip r:embed="rId2"/>
           <a:stretch>
             <a:fillRect/>
           </a:stretch>
         </p:blipFill>
         <p:spPr>
           <a:xfrm>
-            <a:off x="2043430" y="1341120"/>
-            <a:ext cx="8105140" cy="2199005"/>
+            <a:off x="2083724" y="1324616"/>
+            <a:ext cx="7367636" cy="4535654"/>
           </a:xfrm>
           <a:prstGeom prst="rect">
             <a:avLst/>
@@ -6229,6 +6151,11 @@
         </p:spPr>
       </p:pic>
     </p:spTree>
+    <p:extLst>
+      <p:ext uri="{BB962C8B-B14F-4D97-AF65-F5344CB8AC3E}">
+        <p14:creationId xmlns:p14="http://schemas.microsoft.com/office/powerpoint/2010/main" val="645534033"/>
+      </p:ext>
+    </p:extLst>
   </p:cSld>
   <p:clrMapOvr>
     <a:masterClrMapping/>
@@ -6262,7 +6189,7 @@
         <p:spPr>
           <a:xfrm>
             <a:off x="818865" y="473065"/>
-            <a:ext cx="7623175" cy="521970"/>
+            <a:ext cx="5953874" cy="523220"/>
           </a:xfrm>
           <a:prstGeom prst="rect">
             <a:avLst/>
@@ -6275,46 +6202,45 @@
           </a:bodyPr>
           <a:lstStyle/>
           <a:p>
-            <a:pPr marL="457200" indent="-457200" algn="l">
+            <a:pPr marL="457200" indent="-457200">
               <a:buFont typeface="Arial" panose="020B0604020202020204" pitchFamily="34" charset="0"/>
               <a:buChar char="•"/>
             </a:pPr>
             <a:r>
               <a:rPr lang="zh-CN" altLang="en-US" sz="2800" b="1" dirty="0"/>
-              <a:t>手写代码题 </a:t>
+              <a:t>模拟运行题 </a:t>
             </a:r>
             <a:r>
               <a:rPr lang="en-US" altLang="zh-CN" sz="2800" b="1" dirty="0"/>
-              <a:t>– </a:t>
-            </a:r>
-            <a:r>
-              <a:rPr lang="en-US" altLang="zh-CN" sz="2800" b="1" dirty="0">
-                <a:sym typeface="+mn-ea"/>
-              </a:rPr>
-              <a:t>4 * 5p = 10 points + 10 bonus</a:t>
-            </a:r>
-            <a:endParaRPr lang="en-US" altLang="zh-CN" sz="2800" b="1" dirty="0"/>
+              <a:t>– 10 * 3p = 30 points</a:t>
+            </a:r>
           </a:p>
         </p:txBody>
       </p:sp>
       <p:pic>
         <p:nvPicPr>
-          <p:cNvPr id="2" name="图片 1"/>
+          <p:cNvPr id="4" name="图片 3">
+            <a:extLst>
+              <a:ext uri="{FF2B5EF4-FFF2-40B4-BE49-F238E27FC236}">
+                <a16:creationId xmlns:a16="http://schemas.microsoft.com/office/drawing/2014/main" id="{AF6F3161-9E60-1BBD-665A-3421977869A3}"/>
+              </a:ext>
+            </a:extLst>
+          </p:cNvPr>
           <p:cNvPicPr>
             <a:picLocks noChangeAspect="1"/>
           </p:cNvPicPr>
           <p:nvPr/>
         </p:nvPicPr>
         <p:blipFill>
-          <a:blip r:embed="rId1"/>
+          <a:blip r:embed="rId2"/>
           <a:stretch>
             <a:fillRect/>
           </a:stretch>
         </p:blipFill>
         <p:spPr>
           <a:xfrm>
-            <a:off x="1947545" y="1196975"/>
-            <a:ext cx="8297545" cy="4667885"/>
+            <a:off x="1404283" y="1821161"/>
+            <a:ext cx="9383434" cy="3991532"/>
           </a:xfrm>
           <a:prstGeom prst="rect">
             <a:avLst/>
@@ -6322,6 +6248,11 @@
         </p:spPr>
       </p:pic>
     </p:spTree>
+    <p:extLst>
+      <p:ext uri="{BB962C8B-B14F-4D97-AF65-F5344CB8AC3E}">
+        <p14:creationId xmlns:p14="http://schemas.microsoft.com/office/powerpoint/2010/main" val="3512149227"/>
+      </p:ext>
+    </p:extLst>
   </p:cSld>
   <p:clrMapOvr>
     <a:masterClrMapping/>
@@ -6355,7 +6286,7 @@
         <p:spPr>
           <a:xfrm>
             <a:off x="818865" y="473065"/>
-            <a:ext cx="7623175" cy="521970"/>
+            <a:ext cx="5953874" cy="523220"/>
           </a:xfrm>
           <a:prstGeom prst="rect">
             <a:avLst/>
@@ -6368,46 +6299,45 @@
           </a:bodyPr>
           <a:lstStyle/>
           <a:p>
-            <a:pPr marL="457200" indent="-457200" algn="l">
+            <a:pPr marL="457200" indent="-457200">
               <a:buFont typeface="Arial" panose="020B0604020202020204" pitchFamily="34" charset="0"/>
               <a:buChar char="•"/>
             </a:pPr>
             <a:r>
               <a:rPr lang="zh-CN" altLang="en-US" sz="2800" b="1" dirty="0"/>
-              <a:t>手写代码题 </a:t>
+              <a:t>模拟运行题 </a:t>
             </a:r>
             <a:r>
               <a:rPr lang="en-US" altLang="zh-CN" sz="2800" b="1" dirty="0"/>
-              <a:t>– </a:t>
-            </a:r>
-            <a:r>
-              <a:rPr lang="en-US" altLang="zh-CN" sz="2800" b="1" dirty="0">
-                <a:sym typeface="+mn-ea"/>
-              </a:rPr>
-              <a:t>4 * 5p = 10 points + 10 bonus</a:t>
-            </a:r>
-            <a:endParaRPr lang="en-US" altLang="zh-CN" sz="2800" b="1" dirty="0"/>
+              <a:t>– 10 * 3p = 30 points</a:t>
+            </a:r>
           </a:p>
         </p:txBody>
       </p:sp>
       <p:pic>
         <p:nvPicPr>
-          <p:cNvPr id="3" name="图片 2"/>
+          <p:cNvPr id="4" name="图片 3">
+            <a:extLst>
+              <a:ext uri="{FF2B5EF4-FFF2-40B4-BE49-F238E27FC236}">
+                <a16:creationId xmlns:a16="http://schemas.microsoft.com/office/drawing/2014/main" id="{F43B8B4F-7D2A-033D-765E-B469B5EB3389}"/>
+              </a:ext>
+            </a:extLst>
+          </p:cNvPr>
           <p:cNvPicPr>
             <a:picLocks noChangeAspect="1"/>
           </p:cNvPicPr>
           <p:nvPr/>
         </p:nvPicPr>
         <p:blipFill>
-          <a:blip r:embed="rId1"/>
+          <a:blip r:embed="rId2"/>
           <a:stretch>
             <a:fillRect/>
           </a:stretch>
         </p:blipFill>
         <p:spPr>
           <a:xfrm>
-            <a:off x="1960245" y="1222375"/>
-            <a:ext cx="8270875" cy="4413250"/>
+            <a:off x="2028491" y="1144065"/>
+            <a:ext cx="8135017" cy="4569870"/>
           </a:xfrm>
           <a:prstGeom prst="rect">
             <a:avLst/>
@@ -6415,6 +6345,11 @@
         </p:spPr>
       </p:pic>
     </p:spTree>
+    <p:extLst>
+      <p:ext uri="{BB962C8B-B14F-4D97-AF65-F5344CB8AC3E}">
+        <p14:creationId xmlns:p14="http://schemas.microsoft.com/office/powerpoint/2010/main" val="35406434"/>
+      </p:ext>
+    </p:extLst>
   </p:cSld>
   <p:clrMapOvr>
     <a:masterClrMapping/>
@@ -6448,7 +6383,7 @@
         <p:spPr>
           <a:xfrm>
             <a:off x="818865" y="473065"/>
-            <a:ext cx="7623175" cy="521970"/>
+            <a:ext cx="5953874" cy="523220"/>
           </a:xfrm>
           <a:prstGeom prst="rect">
             <a:avLst/>
@@ -6461,25 +6396,18 @@
           </a:bodyPr>
           <a:lstStyle/>
           <a:p>
-            <a:pPr marL="457200" indent="-457200" algn="l">
+            <a:pPr marL="457200" indent="-457200">
               <a:buFont typeface="Arial" panose="020B0604020202020204" pitchFamily="34" charset="0"/>
               <a:buChar char="•"/>
             </a:pPr>
             <a:r>
               <a:rPr lang="zh-CN" altLang="en-US" sz="2800" b="1" dirty="0"/>
-              <a:t>手写代码题 </a:t>
+              <a:t>模拟运行题 </a:t>
             </a:r>
             <a:r>
               <a:rPr lang="en-US" altLang="zh-CN" sz="2800" b="1" dirty="0"/>
-              <a:t>– </a:t>
-            </a:r>
-            <a:r>
-              <a:rPr lang="en-US" altLang="zh-CN" sz="2800" b="1" dirty="0">
-                <a:sym typeface="+mn-ea"/>
-              </a:rPr>
-              <a:t>4 * 5p = 10 points + 10 bonus</a:t>
-            </a:r>
-            <a:endParaRPr lang="en-US" altLang="zh-CN" sz="2800" b="1" dirty="0"/>
+              <a:t>– 10 * 3p = 30 points</a:t>
+            </a:r>
           </a:p>
         </p:txBody>
       </p:sp>
@@ -6492,15 +6420,15 @@
           <p:nvPr/>
         </p:nvPicPr>
         <p:blipFill>
-          <a:blip r:embed="rId1"/>
+          <a:blip r:embed="rId2"/>
           <a:stretch>
             <a:fillRect/>
           </a:stretch>
         </p:blipFill>
         <p:spPr>
           <a:xfrm>
-            <a:off x="1591945" y="2329815"/>
-            <a:ext cx="9008110" cy="2198370"/>
+            <a:off x="2276475" y="1228090"/>
+            <a:ext cx="7639685" cy="4780280"/>
           </a:xfrm>
           <a:prstGeom prst="rect">
             <a:avLst/>
@@ -6508,6 +6436,11 @@
         </p:spPr>
       </p:pic>
     </p:spTree>
+    <p:extLst>
+      <p:ext uri="{BB962C8B-B14F-4D97-AF65-F5344CB8AC3E}">
+        <p14:creationId xmlns:p14="http://schemas.microsoft.com/office/powerpoint/2010/main" val="985557103"/>
+      </p:ext>
+    </p:extLst>
   </p:cSld>
   <p:clrMapOvr>
     <a:masterClrMapping/>
@@ -6554,7 +6487,7 @@
           </a:bodyPr>
           <a:lstStyle/>
           <a:p>
-            <a:pPr marL="457200" indent="-457200" algn="l">
+            <a:pPr marL="457200" indent="-457200">
               <a:buFont typeface="Arial" panose="020B0604020202020204" pitchFamily="34" charset="0"/>
               <a:buChar char="•"/>
             </a:pPr>
@@ -6564,15 +6497,8 @@
             </a:r>
             <a:r>
               <a:rPr lang="en-US" altLang="zh-CN" sz="2800" b="1" dirty="0"/>
-              <a:t>– </a:t>
-            </a:r>
-            <a:r>
-              <a:rPr lang="en-US" altLang="zh-CN" sz="2800" b="1" dirty="0">
-                <a:sym typeface="+mn-ea"/>
-              </a:rPr>
-              <a:t>4 * 5p = 10 points + 10 bonus</a:t>
-            </a:r>
-            <a:endParaRPr lang="en-US" altLang="zh-CN" sz="2800" b="1" dirty="0"/>
+              <a:t>– 4 * 5p = 10 points + 10 bonus</a:t>
+            </a:r>
           </a:p>
         </p:txBody>
       </p:sp>
@@ -6585,15 +6511,15 @@
           <p:nvPr/>
         </p:nvPicPr>
         <p:blipFill>
-          <a:blip r:embed="rId1"/>
+          <a:blip r:embed="rId2"/>
           <a:stretch>
             <a:fillRect/>
           </a:stretch>
         </p:blipFill>
         <p:spPr>
           <a:xfrm>
-            <a:off x="2061845" y="1852295"/>
-            <a:ext cx="8068310" cy="3154045"/>
+            <a:off x="2043430" y="1341120"/>
+            <a:ext cx="8105140" cy="2199005"/>
           </a:xfrm>
           <a:prstGeom prst="rect">
             <a:avLst/>
@@ -6678,7 +6604,379 @@
           <p:nvPr/>
         </p:nvPicPr>
         <p:blipFill>
-          <a:blip r:embed="rId1"/>
+          <a:blip r:embed="rId2"/>
+          <a:stretch>
+            <a:fillRect/>
+          </a:stretch>
+        </p:blipFill>
+        <p:spPr>
+          <a:xfrm>
+            <a:off x="1947545" y="1196975"/>
+            <a:ext cx="8297545" cy="4667885"/>
+          </a:xfrm>
+          <a:prstGeom prst="rect">
+            <a:avLst/>
+          </a:prstGeom>
+        </p:spPr>
+      </p:pic>
+    </p:spTree>
+  </p:cSld>
+  <p:clrMapOvr>
+    <a:masterClrMapping/>
+  </p:clrMapOvr>
+</p:sld>
+</file>
+
+<file path=ppt/slides/slide16.xml><?xml version="1.0" encoding="utf-8"?>
+<p:sld xmlns:a="http://schemas.openxmlformats.org/drawingml/2006/main" xmlns:r="http://schemas.openxmlformats.org/officeDocument/2006/relationships" xmlns:p="http://schemas.openxmlformats.org/presentationml/2006/main">
+  <p:cSld>
+    <p:spTree>
+      <p:nvGrpSpPr>
+        <p:cNvPr id="1" name=""/>
+        <p:cNvGrpSpPr/>
+        <p:nvPr/>
+      </p:nvGrpSpPr>
+      <p:grpSpPr>
+        <a:xfrm>
+          <a:off x="0" y="0"/>
+          <a:ext cx="0" cy="0"/>
+          <a:chOff x="0" y="0"/>
+          <a:chExt cx="0" cy="0"/>
+        </a:xfrm>
+      </p:grpSpPr>
+      <p:sp>
+        <p:nvSpPr>
+          <p:cNvPr id="5" name="文本框 4"/>
+          <p:cNvSpPr txBox="1"/>
+          <p:nvPr/>
+        </p:nvSpPr>
+        <p:spPr>
+          <a:xfrm>
+            <a:off x="818865" y="473065"/>
+            <a:ext cx="7623175" cy="521970"/>
+          </a:xfrm>
+          <a:prstGeom prst="rect">
+            <a:avLst/>
+          </a:prstGeom>
+          <a:noFill/>
+        </p:spPr>
+        <p:txBody>
+          <a:bodyPr wrap="none" rtlCol="0">
+            <a:spAutoFit/>
+          </a:bodyPr>
+          <a:lstStyle/>
+          <a:p>
+            <a:pPr marL="457200" indent="-457200" algn="l">
+              <a:buFont typeface="Arial" panose="020B0604020202020204" pitchFamily="34" charset="0"/>
+              <a:buChar char="•"/>
+            </a:pPr>
+            <a:r>
+              <a:rPr lang="zh-CN" altLang="en-US" sz="2800" b="1" dirty="0"/>
+              <a:t>手写代码题 </a:t>
+            </a:r>
+            <a:r>
+              <a:rPr lang="en-US" altLang="zh-CN" sz="2800" b="1" dirty="0"/>
+              <a:t>– </a:t>
+            </a:r>
+            <a:r>
+              <a:rPr lang="en-US" altLang="zh-CN" sz="2800" b="1" dirty="0">
+                <a:sym typeface="+mn-ea"/>
+              </a:rPr>
+              <a:t>4 * 5p = 10 points + 10 bonus</a:t>
+            </a:r>
+            <a:endParaRPr lang="en-US" altLang="zh-CN" sz="2800" b="1" dirty="0"/>
+          </a:p>
+        </p:txBody>
+      </p:sp>
+      <p:pic>
+        <p:nvPicPr>
+          <p:cNvPr id="3" name="图片 2"/>
+          <p:cNvPicPr>
+            <a:picLocks noChangeAspect="1"/>
+          </p:cNvPicPr>
+          <p:nvPr/>
+        </p:nvPicPr>
+        <p:blipFill>
+          <a:blip r:embed="rId2"/>
+          <a:stretch>
+            <a:fillRect/>
+          </a:stretch>
+        </p:blipFill>
+        <p:spPr>
+          <a:xfrm>
+            <a:off x="1960245" y="1222375"/>
+            <a:ext cx="8270875" cy="4413250"/>
+          </a:xfrm>
+          <a:prstGeom prst="rect">
+            <a:avLst/>
+          </a:prstGeom>
+        </p:spPr>
+      </p:pic>
+    </p:spTree>
+  </p:cSld>
+  <p:clrMapOvr>
+    <a:masterClrMapping/>
+  </p:clrMapOvr>
+</p:sld>
+</file>
+
+<file path=ppt/slides/slide17.xml><?xml version="1.0" encoding="utf-8"?>
+<p:sld xmlns:a="http://schemas.openxmlformats.org/drawingml/2006/main" xmlns:r="http://schemas.openxmlformats.org/officeDocument/2006/relationships" xmlns:p="http://schemas.openxmlformats.org/presentationml/2006/main">
+  <p:cSld>
+    <p:spTree>
+      <p:nvGrpSpPr>
+        <p:cNvPr id="1" name=""/>
+        <p:cNvGrpSpPr/>
+        <p:nvPr/>
+      </p:nvGrpSpPr>
+      <p:grpSpPr>
+        <a:xfrm>
+          <a:off x="0" y="0"/>
+          <a:ext cx="0" cy="0"/>
+          <a:chOff x="0" y="0"/>
+          <a:chExt cx="0" cy="0"/>
+        </a:xfrm>
+      </p:grpSpPr>
+      <p:sp>
+        <p:nvSpPr>
+          <p:cNvPr id="5" name="文本框 4"/>
+          <p:cNvSpPr txBox="1"/>
+          <p:nvPr/>
+        </p:nvSpPr>
+        <p:spPr>
+          <a:xfrm>
+            <a:off x="818865" y="473065"/>
+            <a:ext cx="7623175" cy="521970"/>
+          </a:xfrm>
+          <a:prstGeom prst="rect">
+            <a:avLst/>
+          </a:prstGeom>
+          <a:noFill/>
+        </p:spPr>
+        <p:txBody>
+          <a:bodyPr wrap="none" rtlCol="0">
+            <a:spAutoFit/>
+          </a:bodyPr>
+          <a:lstStyle/>
+          <a:p>
+            <a:pPr marL="457200" indent="-457200" algn="l">
+              <a:buFont typeface="Arial" panose="020B0604020202020204" pitchFamily="34" charset="0"/>
+              <a:buChar char="•"/>
+            </a:pPr>
+            <a:r>
+              <a:rPr lang="zh-CN" altLang="en-US" sz="2800" b="1" dirty="0"/>
+              <a:t>手写代码题 </a:t>
+            </a:r>
+            <a:r>
+              <a:rPr lang="en-US" altLang="zh-CN" sz="2800" b="1" dirty="0"/>
+              <a:t>– </a:t>
+            </a:r>
+            <a:r>
+              <a:rPr lang="en-US" altLang="zh-CN" sz="2800" b="1" dirty="0">
+                <a:sym typeface="+mn-ea"/>
+              </a:rPr>
+              <a:t>4 * 5p = 10 points + 10 bonus</a:t>
+            </a:r>
+            <a:endParaRPr lang="en-US" altLang="zh-CN" sz="2800" b="1" dirty="0"/>
+          </a:p>
+        </p:txBody>
+      </p:sp>
+      <p:pic>
+        <p:nvPicPr>
+          <p:cNvPr id="2" name="图片 1"/>
+          <p:cNvPicPr>
+            <a:picLocks noChangeAspect="1"/>
+          </p:cNvPicPr>
+          <p:nvPr/>
+        </p:nvPicPr>
+        <p:blipFill>
+          <a:blip r:embed="rId2"/>
+          <a:stretch>
+            <a:fillRect/>
+          </a:stretch>
+        </p:blipFill>
+        <p:spPr>
+          <a:xfrm>
+            <a:off x="1591945" y="2329815"/>
+            <a:ext cx="9008110" cy="2198370"/>
+          </a:xfrm>
+          <a:prstGeom prst="rect">
+            <a:avLst/>
+          </a:prstGeom>
+        </p:spPr>
+      </p:pic>
+    </p:spTree>
+  </p:cSld>
+  <p:clrMapOvr>
+    <a:masterClrMapping/>
+  </p:clrMapOvr>
+</p:sld>
+</file>
+
+<file path=ppt/slides/slide18.xml><?xml version="1.0" encoding="utf-8"?>
+<p:sld xmlns:a="http://schemas.openxmlformats.org/drawingml/2006/main" xmlns:r="http://schemas.openxmlformats.org/officeDocument/2006/relationships" xmlns:p="http://schemas.openxmlformats.org/presentationml/2006/main">
+  <p:cSld>
+    <p:spTree>
+      <p:nvGrpSpPr>
+        <p:cNvPr id="1" name=""/>
+        <p:cNvGrpSpPr/>
+        <p:nvPr/>
+      </p:nvGrpSpPr>
+      <p:grpSpPr>
+        <a:xfrm>
+          <a:off x="0" y="0"/>
+          <a:ext cx="0" cy="0"/>
+          <a:chOff x="0" y="0"/>
+          <a:chExt cx="0" cy="0"/>
+        </a:xfrm>
+      </p:grpSpPr>
+      <p:sp>
+        <p:nvSpPr>
+          <p:cNvPr id="5" name="文本框 4"/>
+          <p:cNvSpPr txBox="1"/>
+          <p:nvPr/>
+        </p:nvSpPr>
+        <p:spPr>
+          <a:xfrm>
+            <a:off x="818865" y="473065"/>
+            <a:ext cx="7623175" cy="521970"/>
+          </a:xfrm>
+          <a:prstGeom prst="rect">
+            <a:avLst/>
+          </a:prstGeom>
+          <a:noFill/>
+        </p:spPr>
+        <p:txBody>
+          <a:bodyPr wrap="none" rtlCol="0">
+            <a:spAutoFit/>
+          </a:bodyPr>
+          <a:lstStyle/>
+          <a:p>
+            <a:pPr marL="457200" indent="-457200" algn="l">
+              <a:buFont typeface="Arial" panose="020B0604020202020204" pitchFamily="34" charset="0"/>
+              <a:buChar char="•"/>
+            </a:pPr>
+            <a:r>
+              <a:rPr lang="zh-CN" altLang="en-US" sz="2800" b="1" dirty="0"/>
+              <a:t>手写代码题 </a:t>
+            </a:r>
+            <a:r>
+              <a:rPr lang="en-US" altLang="zh-CN" sz="2800" b="1" dirty="0"/>
+              <a:t>– </a:t>
+            </a:r>
+            <a:r>
+              <a:rPr lang="en-US" altLang="zh-CN" sz="2800" b="1" dirty="0">
+                <a:sym typeface="+mn-ea"/>
+              </a:rPr>
+              <a:t>4 * 5p = 10 points + 10 bonus</a:t>
+            </a:r>
+            <a:endParaRPr lang="en-US" altLang="zh-CN" sz="2800" b="1" dirty="0"/>
+          </a:p>
+        </p:txBody>
+      </p:sp>
+      <p:pic>
+        <p:nvPicPr>
+          <p:cNvPr id="3" name="图片 2"/>
+          <p:cNvPicPr>
+            <a:picLocks noChangeAspect="1"/>
+          </p:cNvPicPr>
+          <p:nvPr/>
+        </p:nvPicPr>
+        <p:blipFill>
+          <a:blip r:embed="rId2"/>
+          <a:stretch>
+            <a:fillRect/>
+          </a:stretch>
+        </p:blipFill>
+        <p:spPr>
+          <a:xfrm>
+            <a:off x="2061845" y="1852295"/>
+            <a:ext cx="8068310" cy="3154045"/>
+          </a:xfrm>
+          <a:prstGeom prst="rect">
+            <a:avLst/>
+          </a:prstGeom>
+        </p:spPr>
+      </p:pic>
+    </p:spTree>
+  </p:cSld>
+  <p:clrMapOvr>
+    <a:masterClrMapping/>
+  </p:clrMapOvr>
+</p:sld>
+</file>
+
+<file path=ppt/slides/slide19.xml><?xml version="1.0" encoding="utf-8"?>
+<p:sld xmlns:a="http://schemas.openxmlformats.org/drawingml/2006/main" xmlns:r="http://schemas.openxmlformats.org/officeDocument/2006/relationships" xmlns:p="http://schemas.openxmlformats.org/presentationml/2006/main">
+  <p:cSld>
+    <p:spTree>
+      <p:nvGrpSpPr>
+        <p:cNvPr id="1" name=""/>
+        <p:cNvGrpSpPr/>
+        <p:nvPr/>
+      </p:nvGrpSpPr>
+      <p:grpSpPr>
+        <a:xfrm>
+          <a:off x="0" y="0"/>
+          <a:ext cx="0" cy="0"/>
+          <a:chOff x="0" y="0"/>
+          <a:chExt cx="0" cy="0"/>
+        </a:xfrm>
+      </p:grpSpPr>
+      <p:sp>
+        <p:nvSpPr>
+          <p:cNvPr id="5" name="文本框 4"/>
+          <p:cNvSpPr txBox="1"/>
+          <p:nvPr/>
+        </p:nvSpPr>
+        <p:spPr>
+          <a:xfrm>
+            <a:off x="818865" y="473065"/>
+            <a:ext cx="7623175" cy="521970"/>
+          </a:xfrm>
+          <a:prstGeom prst="rect">
+            <a:avLst/>
+          </a:prstGeom>
+          <a:noFill/>
+        </p:spPr>
+        <p:txBody>
+          <a:bodyPr wrap="none" rtlCol="0">
+            <a:spAutoFit/>
+          </a:bodyPr>
+          <a:lstStyle/>
+          <a:p>
+            <a:pPr marL="457200" indent="-457200" algn="l">
+              <a:buFont typeface="Arial" panose="020B0604020202020204" pitchFamily="34" charset="0"/>
+              <a:buChar char="•"/>
+            </a:pPr>
+            <a:r>
+              <a:rPr lang="zh-CN" altLang="en-US" sz="2800" b="1" dirty="0"/>
+              <a:t>手写代码题 </a:t>
+            </a:r>
+            <a:r>
+              <a:rPr lang="en-US" altLang="zh-CN" sz="2800" b="1" dirty="0"/>
+              <a:t>– </a:t>
+            </a:r>
+            <a:r>
+              <a:rPr lang="en-US" altLang="zh-CN" sz="2800" b="1" dirty="0">
+                <a:sym typeface="+mn-ea"/>
+              </a:rPr>
+              <a:t>4 * 5p = 10 points + 10 bonus</a:t>
+            </a:r>
+            <a:endParaRPr lang="en-US" altLang="zh-CN" sz="2800" b="1" dirty="0"/>
+          </a:p>
+        </p:txBody>
+      </p:sp>
+      <p:pic>
+        <p:nvPicPr>
+          <p:cNvPr id="2" name="图片 1"/>
+          <p:cNvPicPr>
+            <a:picLocks noChangeAspect="1"/>
+          </p:cNvPicPr>
+          <p:nvPr/>
+        </p:nvPicPr>
+        <p:blipFill>
+          <a:blip r:embed="rId2"/>
           <a:stretch>
             <a:fillRect/>
           </a:stretch>
@@ -6752,7 +7050,6 @@
               <a:rPr lang="en-US" altLang="zh-CN" sz="2800" b="1" dirty="0"/>
               <a:t>– 15 * 1p = 15 points</a:t>
             </a:r>
-            <a:endParaRPr lang="en-US" altLang="zh-CN" sz="2800" b="1" dirty="0"/>
           </a:p>
         </p:txBody>
       </p:sp>
@@ -6866,7 +7163,6 @@
               <a:rPr lang="en-US" altLang="zh-CN" sz="2800" b="1" dirty="0"/>
               <a:t>– 10 * 3p = 30 points</a:t>
             </a:r>
-            <a:endParaRPr lang="en-US" altLang="zh-CN" sz="2800" b="1" dirty="0"/>
           </a:p>
         </p:txBody>
       </p:sp>
@@ -6904,7 +7200,6 @@
               <a:rPr lang="en-US" altLang="zh-CN" sz="2800" b="1" dirty="0"/>
               <a:t>– 4 * 5p = 10 points + 10 bonus</a:t>
             </a:r>
-            <a:endParaRPr lang="en-US" altLang="zh-CN" sz="2800" b="1" dirty="0"/>
           </a:p>
         </p:txBody>
       </p:sp>
@@ -6967,7 +7262,6 @@
               <a:rPr lang="en-US" altLang="zh-CN" sz="2800" b="1" dirty="0"/>
               <a:t>– 15 * 1p = 15 points</a:t>
             </a:r>
-            <a:endParaRPr lang="en-US" altLang="zh-CN" sz="2800" b="1" dirty="0"/>
           </a:p>
         </p:txBody>
       </p:sp>
@@ -7001,7 +7295,6 @@
               <a:rPr lang="en-US" altLang="zh-CN" sz="2400" dirty="0"/>
               <a:t>Assignment operator is evaluated from left to right ( ? )</a:t>
             </a:r>
-            <a:endParaRPr lang="en-US" altLang="zh-CN" sz="2400" dirty="0"/>
           </a:p>
           <a:p>
             <a:pPr marL="342900" indent="-342900">
@@ -7012,7 +7305,6 @@
               <a:rPr lang="en-US" altLang="zh-CN" sz="2400" dirty="0"/>
               <a:t>The expression (y &gt;= z &amp;&amp; a == b) is evaluated by first evaluating y &gt;= z and then evaluating a == b ( ? )</a:t>
             </a:r>
-            <a:endParaRPr lang="en-US" altLang="zh-CN" sz="2400" dirty="0"/>
           </a:p>
           <a:p>
             <a:pPr marL="342900" indent="-342900">
@@ -7023,7 +7315,6 @@
               <a:rPr lang="en-US" altLang="zh-CN" sz="2400" dirty="0"/>
               <a:t>The == operator can be used to compare two String objects. The result is true if the two strings are identical ( ? )</a:t>
             </a:r>
-            <a:endParaRPr lang="en-US" altLang="zh-CN" sz="2400" dirty="0"/>
           </a:p>
           <a:p>
             <a:pPr marL="342900" indent="-342900">
@@ -7034,7 +7325,6 @@
               <a:rPr lang="en-US" altLang="zh-CN" sz="2400" dirty="0"/>
               <a:t>Java programs cannot be executed on a computer unless JDK is installed. ( ? )</a:t>
             </a:r>
-            <a:endParaRPr lang="en-US" altLang="zh-CN" sz="2400" dirty="0"/>
           </a:p>
           <a:p>
             <a:pPr marL="342900" indent="-342900">
@@ -7045,7 +7335,6 @@
               <a:rPr lang="en-US" altLang="zh-CN" sz="2400" dirty="0"/>
               <a:t>Calls to overloaded methods are resolved(determine the called method) at compile time ( ? )</a:t>
             </a:r>
-            <a:endParaRPr lang="en-US" altLang="zh-CN" sz="2400" dirty="0"/>
           </a:p>
           <a:p>
             <a:pPr marL="342900" indent="-342900">
@@ -7481,7 +7770,6 @@
               <a:rPr lang="en-US" altLang="zh-CN" sz="2400" dirty="0"/>
               <a:t>The _______ keyword is an access modifier used for attributes, methods and constructors, making them accessible in the same package and subclasses.</a:t>
             </a:r>
-            <a:endParaRPr lang="en-US" altLang="zh-CN" sz="2400" dirty="0"/>
           </a:p>
           <a:p>
             <a:pPr marL="342900" indent="-342900">
@@ -7492,7 +7780,6 @@
               <a:rPr lang="en-US" altLang="zh-CN" sz="2400" dirty="0"/>
               <a:t>You can’t instantiate a(n) _______ class or a(n) _______ .</a:t>
             </a:r>
-            <a:endParaRPr lang="en-US" altLang="zh-CN" sz="2400" dirty="0"/>
           </a:p>
           <a:p>
             <a:pPr marL="342900" indent="-342900">
@@ -7503,7 +7790,6 @@
               <a:rPr lang="en-US" altLang="zh-CN" sz="2400" dirty="0"/>
               <a:t>Two or more methods may have the same name if they differ in parameters. These methods are called ________ methods.</a:t>
             </a:r>
-            <a:endParaRPr lang="en-US" altLang="zh-CN" sz="2400" dirty="0"/>
           </a:p>
           <a:p>
             <a:pPr marL="342900" indent="-342900">
@@ -7646,35 +7932,30 @@
               <a:rPr lang="en-US" altLang="zh-CN" sz="2400" dirty="0"/>
               <a:t>Which of the following statement is true?</a:t>
             </a:r>
-            <a:endParaRPr lang="en-US" altLang="zh-CN" sz="2400" dirty="0"/>
           </a:p>
           <a:p>
             <a:r>
               <a:rPr lang="en-US" altLang="zh-CN" sz="2400" dirty="0"/>
               <a:t>A. In case of overloading, binding of objects with methods happens at runtime.</a:t>
             </a:r>
-            <a:endParaRPr lang="en-US" altLang="zh-CN" sz="2400" dirty="0"/>
           </a:p>
           <a:p>
             <a:r>
               <a:rPr lang="en-US" altLang="zh-CN" sz="2400" dirty="0"/>
               <a:t>B. In the case of dynamic polymorphism, method choice is decided at runtime.</a:t>
             </a:r>
-            <a:endParaRPr lang="en-US" altLang="zh-CN" sz="2400" dirty="0"/>
           </a:p>
           <a:p>
             <a:r>
               <a:rPr lang="en-US" altLang="zh-CN" sz="2400" dirty="0"/>
               <a:t>C. In the case of overriding, the creation of objects happen at compile time and these objects are used for calling objects at runtime.</a:t>
             </a:r>
-            <a:endParaRPr lang="en-US" altLang="zh-CN" sz="2400" dirty="0"/>
           </a:p>
           <a:p>
             <a:r>
               <a:rPr lang="en-US" altLang="zh-CN" sz="2400" dirty="0"/>
               <a:t>D. In the case of overriding, it is the responsibility of the compiler to bind the method calls with the method body.</a:t>
             </a:r>
-            <a:endParaRPr lang="en-US" altLang="zh-CN" sz="2400" dirty="0"/>
           </a:p>
         </p:txBody>
       </p:sp>
@@ -7771,7 +8052,6 @@
               <a:rPr lang="en-US" altLang="zh-CN" sz="2400" dirty="0"/>
               <a:t>Which line of the following contains a compilation error?</a:t>
             </a:r>
-            <a:endParaRPr lang="en-US" altLang="zh-CN" sz="2400" dirty="0"/>
           </a:p>
           <a:p>
             <a:endParaRPr lang="en-US" altLang="zh-CN" sz="2400" dirty="0"/>
@@ -7781,21 +8061,18 @@
               <a:rPr lang="en-US" altLang="zh-CN" sz="2400" dirty="0"/>
               <a:t>Line1: Public class Test {</a:t>
             </a:r>
-            <a:endParaRPr lang="en-US" altLang="zh-CN" sz="2400" dirty="0"/>
           </a:p>
           <a:p>
             <a:r>
               <a:rPr lang="en-US" altLang="zh-CN" sz="2400" dirty="0"/>
               <a:t>Line2:    Test() {}</a:t>
             </a:r>
-            <a:endParaRPr lang="en-US" altLang="zh-CN" sz="2400" dirty="0"/>
           </a:p>
           <a:p>
             <a:r>
               <a:rPr lang="en-US" altLang="zh-CN" sz="2400" dirty="0"/>
               <a:t>Line3:    static void Test() { this(); }</a:t>
             </a:r>
-            <a:endParaRPr lang="en-US" altLang="zh-CN" sz="2400" dirty="0"/>
           </a:p>
           <a:p>
             <a:r>
@@ -7810,28 +8087,24 @@
               <a:rPr lang="en-US" altLang="zh-CN" sz="2400" dirty="0"/>
               <a:t>) {</a:t>
             </a:r>
-            <a:endParaRPr lang="en-US" altLang="zh-CN" sz="2400" dirty="0"/>
           </a:p>
           <a:p>
             <a:r>
               <a:rPr lang="en-US" altLang="zh-CN" sz="2400" dirty="0"/>
               <a:t>Line5:        Test();</a:t>
             </a:r>
-            <a:endParaRPr lang="en-US" altLang="zh-CN" sz="2400" dirty="0"/>
           </a:p>
           <a:p>
             <a:r>
               <a:rPr lang="en-US" altLang="zh-CN" sz="2400" dirty="0"/>
               <a:t>Line6:    }</a:t>
             </a:r>
-            <a:endParaRPr lang="en-US" altLang="zh-CN" sz="2400" dirty="0"/>
           </a:p>
           <a:p>
             <a:r>
               <a:rPr lang="en-US" altLang="zh-CN" sz="2400" dirty="0"/>
               <a:t>Line7: }</a:t>
             </a:r>
-            <a:endParaRPr lang="en-US" altLang="zh-CN" sz="2400" dirty="0"/>
           </a:p>
           <a:p>
             <a:endParaRPr lang="en-US" altLang="zh-CN" sz="2400" dirty="0"/>
@@ -7844,7 +8117,6 @@
               <a:rPr lang="en-US" altLang="zh-CN" sz="2400" dirty="0"/>
               <a:t>At Line2</a:t>
             </a:r>
-            <a:endParaRPr lang="en-US" altLang="zh-CN" sz="2400" dirty="0"/>
           </a:p>
           <a:p>
             <a:pPr marL="457200" indent="-457200">
@@ -7854,7 +8126,6 @@
               <a:rPr lang="en-US" altLang="zh-CN" sz="2400" dirty="0"/>
               <a:t>At Line3</a:t>
             </a:r>
-            <a:endParaRPr lang="en-US" altLang="zh-CN" sz="2400" dirty="0"/>
           </a:p>
           <a:p>
             <a:pPr marL="457200" indent="-457200">
@@ -7864,7 +8135,6 @@
               <a:rPr lang="en-US" altLang="zh-CN" sz="2400" dirty="0"/>
               <a:t>At Line5</a:t>
             </a:r>
-            <a:endParaRPr lang="en-US" altLang="zh-CN" sz="2400" dirty="0"/>
           </a:p>
         </p:txBody>
       </p:sp>
@@ -7961,7 +8231,6 @@
               <a:rPr lang="en-US" altLang="zh-CN" sz="2400" dirty="0"/>
               <a:t>Which line of the following statements is true?</a:t>
             </a:r>
-            <a:endParaRPr lang="en-US" altLang="zh-CN" sz="2400" dirty="0"/>
           </a:p>
           <a:p>
             <a:pPr marL="457200" indent="-457200">
@@ -7971,7 +8240,6 @@
               <a:rPr lang="en-US" altLang="zh-CN" sz="2400" dirty="0"/>
               <a:t>X extends Y is correct if and only if X is a class and Y is an interface.</a:t>
             </a:r>
-            <a:endParaRPr lang="en-US" altLang="zh-CN" sz="2400" dirty="0"/>
           </a:p>
           <a:p>
             <a:pPr marL="457200" indent="-457200">
@@ -7981,7 +8249,6 @@
               <a:rPr lang="en-US" altLang="zh-CN" sz="2400" dirty="0"/>
               <a:t>X extends Y is correct if and only if X is an interface and Y is a class.</a:t>
             </a:r>
-            <a:endParaRPr lang="en-US" altLang="zh-CN" sz="2400" dirty="0"/>
           </a:p>
           <a:p>
             <a:pPr marL="457200" indent="-457200">
@@ -7991,7 +8258,6 @@
               <a:rPr lang="en-US" altLang="zh-CN" sz="2400" dirty="0"/>
               <a:t>X extends Y is correct if X and Y are either both classes or both interfaces.</a:t>
             </a:r>
-            <a:endParaRPr lang="en-US" altLang="zh-CN" sz="2400" dirty="0"/>
           </a:p>
           <a:p>
             <a:pPr marL="457200" indent="-457200">
@@ -8001,7 +8267,6 @@
               <a:rPr lang="en-US" altLang="zh-CN" sz="2400" dirty="0"/>
               <a:t>X extends Y is correct for all combinations of X and Y being classes and/or interfaces.</a:t>
             </a:r>
-            <a:endParaRPr lang="en-US" altLang="zh-CN" sz="2400" dirty="0"/>
           </a:p>
         </p:txBody>
       </p:sp>
@@ -8064,7 +8329,6 @@
               <a:rPr lang="en-US" altLang="zh-CN" sz="2800" b="1" dirty="0"/>
               <a:t>– 10 * 3p = 30 points</a:t>
             </a:r>
-            <a:endParaRPr lang="en-US" altLang="zh-CN" sz="2800" b="1" dirty="0"/>
           </a:p>
         </p:txBody>
       </p:sp>
@@ -8077,7 +8341,7 @@
           <p:nvPr/>
         </p:nvPicPr>
         <p:blipFill>
-          <a:blip r:embed="rId1"/>
+          <a:blip r:embed="rId2"/>
           <a:stretch>
             <a:fillRect/>
           </a:stretch>
@@ -8151,28 +8415,33 @@
               <a:rPr lang="en-US" altLang="zh-CN" sz="2800" b="1" dirty="0"/>
               <a:t>– 10 * 3p = 30 points</a:t>
             </a:r>
-            <a:endParaRPr lang="en-US" altLang="zh-CN" sz="2800" b="1" dirty="0"/>
           </a:p>
         </p:txBody>
       </p:sp>
       <p:pic>
         <p:nvPicPr>
-          <p:cNvPr id="2" name="图片 1"/>
+          <p:cNvPr id="7" name="图片 6">
+            <a:extLst>
+              <a:ext uri="{FF2B5EF4-FFF2-40B4-BE49-F238E27FC236}">
+                <a16:creationId xmlns:a16="http://schemas.microsoft.com/office/drawing/2014/main" id="{FEFC4B91-56B7-8A0B-0F1E-A3CE89A6742C}"/>
+              </a:ext>
+            </a:extLst>
+          </p:cNvPr>
           <p:cNvPicPr>
             <a:picLocks noChangeAspect="1"/>
           </p:cNvPicPr>
           <p:nvPr/>
         </p:nvPicPr>
         <p:blipFill>
-          <a:blip r:embed="rId1"/>
+          <a:blip r:embed="rId2"/>
           <a:stretch>
             <a:fillRect/>
           </a:stretch>
         </p:blipFill>
         <p:spPr>
           <a:xfrm>
-            <a:off x="2276475" y="1228090"/>
-            <a:ext cx="7639685" cy="4780280"/>
+            <a:off x="2021576" y="1300205"/>
+            <a:ext cx="8148847" cy="4257589"/>
           </a:xfrm>
           <a:prstGeom prst="rect">
             <a:avLst/>
@@ -8188,8 +8457,8 @@
 </file>
 
 <file path=ppt/tags/tag1.xml><?xml version="1.0" encoding="utf-8"?>
-<p:tagLst xmlns:p="http://schemas.openxmlformats.org/presentationml/2006/main">
-  <p:tag name="commondata" val="eyJoZGlkIjoiZDI2YzA5MDc3YjFmNzMxNzIwYWRhOWJhM2Y3MzgwMjYifQ=="/>
+<p:tagLst xmlns:a="http://schemas.openxmlformats.org/drawingml/2006/main" xmlns:r="http://schemas.openxmlformats.org/officeDocument/2006/relationships" xmlns:p="http://schemas.openxmlformats.org/presentationml/2006/main">
+  <p:tag name="COMMONDATA" val="eyJoZGlkIjoiZDI2YzA5MDc3YjFmNzMxNzIwYWRhOWJhM2Y3MzgwMjYifQ=="/>
 </p:tagLst>
 </file>
 
@@ -8444,6 +8713,8 @@
       </a:bgFillStyleLst>
     </a:fmtScheme>
   </a:themeElements>
+  <a:objectDefaults/>
+  <a:extraClrSchemeLst/>
   <a:extLst>
     <a:ext uri="{05A4C25C-085E-4340-85A3-A5531E510DB2}">
       <thm15:themeFamily xmlns:thm15="http://schemas.microsoft.com/office/thememl/2012/main" name="Office Theme" id="{62F939B6-93AF-4DB8-9C6B-D6C7DFDC589F}" vid="{4A3C46E8-61CC-4603-A589-7422A47A8E4A}"/>
@@ -8703,6 +8974,8 @@
       </a:bgFillStyleLst>
     </a:fmtScheme>
   </a:themeElements>
+  <a:objectDefaults/>
+  <a:extraClrSchemeLst/>
   <a:extLst>
     <a:ext uri="{05A4C25C-085E-4340-85A3-A5531E510DB2}">
       <thm15:themeFamily xmlns:thm15="http://schemas.microsoft.com/office/thememl/2012/main" name="Office Theme" id="{62F939B6-93AF-4DB8-9C6B-D6C7DFDC589F}" vid="{4A3C46E8-61CC-4603-A589-7422A47A8E4A}"/>
@@ -8962,6 +9235,8 @@
       </a:bgFillStyleLst>
     </a:fmtScheme>
   </a:themeElements>
+  <a:objectDefaults/>
+  <a:extraClrSchemeLst/>
   <a:extLst>
     <a:ext uri="{05A4C25C-085E-4340-85A3-A5531E510DB2}">
       <thm15:themeFamily xmlns:thm15="http://schemas.microsoft.com/office/thememl/2012/main" name="Office Theme" id="{62F939B6-93AF-4DB8-9C6B-D6C7DFDC589F}" vid="{4A3C46E8-61CC-4603-A589-7422A47A8E4A}"/>
